--- a/PresentationNB/The Transmission of Monetary Policy to Household Wealth.pptx
+++ b/PresentationNB/The Transmission of Monetary Policy to Household Wealth.pptx
@@ -27,7 +27,7 @@
       <p:regular r:id="rId15"/>
     </p:embeddedFont>
     <p:embeddedFont>
-      <p:font typeface="Nationalbank" panose="020B0503040000020004" pitchFamily="34" charset="0"/>
+      <p:font typeface="Nationalbank" panose="020B0604020202020204" charset="0"/>
       <p:regular r:id="rId16"/>
       <p:bold r:id="rId17"/>
       <p:italic r:id="rId18"/>
@@ -3103,7 +3103,7 @@
           <a:p>
             <a:fld id="{D77EB61B-E5FA-43FF-BB59-404821AB4319}" type="datetime1">
               <a:rPr lang="en-GB" smtClean="0"/>
-              <a:t>03/03/2025</a:t>
+              <a:t>04/03/2025</a:t>
             </a:fld>
             <a:endParaRPr lang="en-GB"/>
           </a:p>
@@ -3348,7 +3348,7 @@
           <a:p>
             <a:fld id="{A6E00B73-84F4-41CE-B303-0764B0E55F0E}" type="datetime1">
               <a:rPr lang="en-GB" smtClean="0"/>
-              <a:t>03/03/2025</a:t>
+              <a:t>04/03/2025</a:t>
             </a:fld>
             <a:endParaRPr lang="en-GB"/>
           </a:p>
@@ -3621,7 +3621,7 @@
           <a:p>
             <a:fld id="{221236F8-290E-4086-9E9A-BDF84908B285}" type="datetime2">
               <a:rPr lang="en-GB" smtClean="0"/>
-              <a:t>Monday, 03 March 2025</a:t>
+              <a:t>Tuesday, 04 March 2025</a:t>
             </a:fld>
             <a:endParaRPr lang="en-GB" dirty="0"/>
           </a:p>
@@ -4039,7 +4039,7 @@
           <a:p>
             <a:fld id="{0C93C218-7FF2-4F07-8780-EDA323FB52B1}" type="datetime2">
               <a:rPr lang="en-GB" smtClean="0"/>
-              <a:t>Monday, 03 March 2025</a:t>
+              <a:t>Tuesday, 04 March 2025</a:t>
             </a:fld>
             <a:endParaRPr lang="en-GB" dirty="0"/>
           </a:p>
@@ -5472,7 +5472,7 @@
           <a:p>
             <a:fld id="{3B902603-EAF6-42BD-9BF0-51D2D8FBA7EA}" type="datetime2">
               <a:rPr lang="en-GB" smtClean="0"/>
-              <a:t>Monday, 03 March 2025</a:t>
+              <a:t>Tuesday, 04 March 2025</a:t>
             </a:fld>
             <a:endParaRPr lang="en-GB" dirty="0"/>
           </a:p>
@@ -7147,7 +7147,7 @@
           <a:p>
             <a:fld id="{B73F4E1D-5C32-49E7-97CB-D57621232114}" type="datetime2">
               <a:rPr lang="en-GB" smtClean="0"/>
-              <a:t>Monday, 03 March 2025</a:t>
+              <a:t>Tuesday, 04 March 2025</a:t>
             </a:fld>
             <a:endParaRPr lang="en-GB" dirty="0"/>
           </a:p>
@@ -8822,7 +8822,7 @@
           <a:p>
             <a:fld id="{7326B517-3B52-42D3-ACB9-392D6CA663F5}" type="datetime2">
               <a:rPr lang="en-GB" smtClean="0"/>
-              <a:t>Monday, 03 March 2025</a:t>
+              <a:t>Tuesday, 04 March 2025</a:t>
             </a:fld>
             <a:endParaRPr lang="en-GB" dirty="0"/>
           </a:p>
@@ -10859,7 +10859,7 @@
           <a:p>
             <a:fld id="{C508D419-FD63-426C-A810-ABE1451036F9}" type="datetime2">
               <a:rPr lang="en-GB" smtClean="0"/>
-              <a:t>Monday, 03 March 2025</a:t>
+              <a:t>Tuesday, 04 March 2025</a:t>
             </a:fld>
             <a:endParaRPr lang="en-GB" dirty="0"/>
           </a:p>
@@ -13138,7 +13138,7 @@
           <a:p>
             <a:fld id="{EA276B8E-E2A0-42EA-BD8F-0BDC2C46FF55}" type="datetime2">
               <a:rPr lang="en-GB" smtClean="0"/>
-              <a:t>Monday, 03 March 2025</a:t>
+              <a:t>Tuesday, 04 March 2025</a:t>
             </a:fld>
             <a:endParaRPr lang="en-GB" dirty="0"/>
           </a:p>
@@ -15751,7 +15751,7 @@
           <a:p>
             <a:fld id="{140D992D-30AB-4172-B2B1-51E5D34255DD}" type="datetime2">
               <a:rPr lang="en-GB" smtClean="0"/>
-              <a:t>Monday, 03 March 2025</a:t>
+              <a:t>Tuesday, 04 March 2025</a:t>
             </a:fld>
             <a:endParaRPr lang="en-GB" dirty="0"/>
           </a:p>
@@ -16016,7 +16016,7 @@
           <a:p>
             <a:fld id="{140D992D-30AB-4172-B2B1-51E5D34255DD}" type="datetime2">
               <a:rPr lang="en-GB" smtClean="0"/>
-              <a:t>Monday, 03 March 2025</a:t>
+              <a:t>Tuesday, 04 March 2025</a:t>
             </a:fld>
             <a:endParaRPr lang="en-GB" dirty="0"/>
           </a:p>
@@ -16493,7 +16493,7 @@
           <a:p>
             <a:fld id="{955A8699-8BBB-435B-9977-AD9205762614}" type="datetime2">
               <a:rPr lang="en-GB" smtClean="0"/>
-              <a:t>Monday, 03 March 2025</a:t>
+              <a:t>Tuesday, 04 March 2025</a:t>
             </a:fld>
             <a:endParaRPr lang="en-GB" dirty="0"/>
           </a:p>
@@ -16607,7 +16607,7 @@
           <a:p>
             <a:fld id="{91414D71-1D5C-4DBB-9DF3-E84041097B91}" type="datetime2">
               <a:rPr lang="en-GB" smtClean="0"/>
-              <a:t>Monday, 03 March 2025</a:t>
+              <a:t>Tuesday, 04 March 2025</a:t>
             </a:fld>
             <a:endParaRPr lang="en-GB" dirty="0"/>
           </a:p>
@@ -16804,7 +16804,7 @@
           <a:p>
             <a:fld id="{77E83011-5AF9-4949-A20B-633CF9806B0B}" type="datetime2">
               <a:rPr lang="en-GB" smtClean="0"/>
-              <a:t>Monday, 03 March 2025</a:t>
+              <a:t>Tuesday, 04 March 2025</a:t>
             </a:fld>
             <a:endParaRPr lang="en-GB" dirty="0"/>
           </a:p>
@@ -19822,7 +19822,7 @@
           <a:p>
             <a:fld id="{CF4554D5-0EAD-40BF-98B1-4B4FACDAD75E}" type="datetime2">
               <a:rPr lang="en-GB" smtClean="0"/>
-              <a:t>Monday, 03 March 2025</a:t>
+              <a:t>Tuesday, 04 March 2025</a:t>
             </a:fld>
             <a:endParaRPr lang="en-GB" dirty="0"/>
           </a:p>
@@ -20597,7 +20597,7 @@
           <a:p>
             <a:fld id="{241CE23B-B84B-4486-83AC-A2D839CB69E9}" type="datetime2">
               <a:rPr lang="en-GB" smtClean="0"/>
-              <a:t>Monday, 03 March 2025</a:t>
+              <a:t>Tuesday, 04 March 2025</a:t>
             </a:fld>
             <a:endParaRPr lang="en-GB" dirty="0"/>
           </a:p>
@@ -20744,7 +20744,7 @@
           <a:p>
             <a:fld id="{D35C298C-1B80-41BE-ACFE-0FFB678C561A}" type="datetime2">
               <a:rPr lang="en-GB" smtClean="0"/>
-              <a:t>Monday, 03 March 2025</a:t>
+              <a:t>Tuesday, 04 March 2025</a:t>
             </a:fld>
             <a:endParaRPr lang="en-GB" dirty="0"/>
           </a:p>
@@ -21170,7 +21170,7 @@
           <a:p>
             <a:fld id="{290AC9F3-8B9D-4744-9DBC-A4C825EC3C10}" type="datetime2">
               <a:rPr lang="en-GB" smtClean="0"/>
-              <a:t>Monday, 03 March 2025</a:t>
+              <a:t>Tuesday, 04 March 2025</a:t>
             </a:fld>
             <a:endParaRPr lang="en-GB" dirty="0"/>
           </a:p>
@@ -21475,7 +21475,7 @@
           <a:p>
             <a:fld id="{290AC9F3-8B9D-4744-9DBC-A4C825EC3C10}" type="datetime2">
               <a:rPr lang="en-GB" smtClean="0"/>
-              <a:t>Monday, 03 March 2025</a:t>
+              <a:t>Tuesday, 04 March 2025</a:t>
             </a:fld>
             <a:endParaRPr lang="en-GB" dirty="0"/>
           </a:p>
@@ -21780,7 +21780,7 @@
           <a:p>
             <a:fld id="{C61F5F64-2DA4-475A-A8E9-D5C53A3EF46F}" type="datetime2">
               <a:rPr lang="en-GB" smtClean="0"/>
-              <a:t>Monday, 03 March 2025</a:t>
+              <a:t>Tuesday, 04 March 2025</a:t>
             </a:fld>
             <a:endParaRPr lang="en-GB" dirty="0"/>
           </a:p>
@@ -22180,7 +22180,7 @@
           <a:p>
             <a:fld id="{22FCB603-C396-4B00-8583-A911AF0410C5}" type="datetime2">
               <a:rPr lang="en-GB" smtClean="0"/>
-              <a:t>Monday, 03 March 2025</a:t>
+              <a:t>Tuesday, 04 March 2025</a:t>
             </a:fld>
             <a:endParaRPr lang="en-GB" dirty="0"/>
           </a:p>
@@ -22999,7 +22999,7 @@
           <a:p>
             <a:fld id="{43CC9B0B-9B49-4785-B00F-166EC2D03963}" type="datetime2">
               <a:rPr lang="en-GB" smtClean="0"/>
-              <a:t>Monday, 03 March 2025</a:t>
+              <a:t>Tuesday, 04 March 2025</a:t>
             </a:fld>
             <a:endParaRPr lang="en-GB" dirty="0"/>
           </a:p>
@@ -24060,7 +24060,7 @@
           <a:p>
             <a:fld id="{63548D0F-FD05-4B2A-835F-986DAA1C5630}" type="datetime2">
               <a:rPr lang="en-GB" smtClean="0"/>
-              <a:t>Monday, 03 March 2025</a:t>
+              <a:t>Tuesday, 04 March 2025</a:t>
             </a:fld>
             <a:endParaRPr lang="en-GB" dirty="0"/>
           </a:p>
@@ -25323,7 +25323,7 @@
           <a:p>
             <a:fld id="{140D992D-30AB-4172-B2B1-51E5D34255DD}" type="datetime2">
               <a:rPr lang="en-GB" smtClean="0"/>
-              <a:t>Monday, 03 March 2025</a:t>
+              <a:t>Tuesday, 04 March 2025</a:t>
             </a:fld>
             <a:endParaRPr lang="en-GB" dirty="0"/>
           </a:p>
@@ -26753,22 +26753,6 @@
                                       </p:to>
                                     </p:set>
                                   </p:childTnLst>
-                                  <p:subTnLst>
-                                    <p:set>
-                                      <p:cBhvr override="childStyle">
-                                        <p:cTn dur="1" fill="hold" display="0" masterRel="nextClick" afterEffect="1"/>
-                                        <p:tgtEl>
-                                          <p:spTgt spid="5"/>
-                                        </p:tgtEl>
-                                        <p:attrNameLst>
-                                          <p:attrName>style.visibility</p:attrName>
-                                        </p:attrNameLst>
-                                      </p:cBhvr>
-                                      <p:to>
-                                        <p:strVal val="hidden"/>
-                                      </p:to>
-                                    </p:set>
-                                  </p:subTnLst>
                                 </p:cTn>
                               </p:par>
                             </p:childTnLst>
@@ -26903,8 +26887,8 @@
         </p:nvSpPr>
         <p:spPr>
           <a:xfrm>
-            <a:off x="4634953" y="4754865"/>
-            <a:ext cx="3182543" cy="1325564"/>
+            <a:off x="4634953" y="4754864"/>
+            <a:ext cx="3182543" cy="1851134"/>
           </a:xfrm>
           <a:prstGeom prst="roundRect">
             <a:avLst/>
@@ -27212,8 +27196,8 @@
           </a:p>
         </p:txBody>
       </p:sp>
-      <mc:AlternateContent xmlns:mc="http://schemas.openxmlformats.org/markup-compatibility/2006">
-        <mc:Choice xmlns:a14="http://schemas.microsoft.com/office/drawing/2010/main" Requires="a14">
+      <mc:AlternateContent xmlns:mc="http://schemas.openxmlformats.org/markup-compatibility/2006" xmlns:a14="http://schemas.microsoft.com/office/drawing/2010/main">
+        <mc:Choice Requires="a14">
           <p:sp>
             <p:nvSpPr>
               <p:cNvPr id="15" name="Tekstfelt 14">
@@ -27242,6 +27226,7 @@
               </a:bodyPr>
               <a:lstStyle/>
               <a:p>
+                <a:pPr/>
                 <a14:m>
                   <m:oMathPara xmlns:m="http://schemas.openxmlformats.org/officeDocument/2006/math">
                     <m:oMathParaPr>
@@ -27391,7 +27376,7 @@
             </p:txBody>
           </p:sp>
         </mc:Choice>
-        <mc:Fallback>
+        <mc:Fallback xmlns="">
           <p:sp>
             <p:nvSpPr>
               <p:cNvPr id="15" name="Tekstfelt 14">
@@ -27447,7 +27432,6 @@
           </p:cNvPr>
           <p:cNvCxnSpPr>
             <a:cxnSpLocks/>
-            <a:stCxn id="7" idx="1"/>
           </p:cNvCxnSpPr>
           <p:nvPr/>
         </p:nvCxnSpPr>
@@ -27494,7 +27478,7 @@
         <p:spPr>
           <a:xfrm flipV="1">
             <a:off x="6226225" y="4004755"/>
-            <a:ext cx="1" cy="750110"/>
+            <a:ext cx="1" cy="750109"/>
           </a:xfrm>
           <a:prstGeom prst="straightConnector1">
             <a:avLst/>
@@ -27809,7 +27793,7 @@
             <p:spPr>
               <a:xfrm>
                 <a:off x="4715419" y="5245697"/>
-                <a:ext cx="3037984" cy="868956"/>
+                <a:ext cx="3037984" cy="1515287"/>
               </a:xfrm>
               <a:prstGeom prst="rect">
                 <a:avLst/>
@@ -28048,9 +28032,10 @@
                 <a:endParaRPr lang="en-GB" sz="1400" b="0" dirty="0"/>
               </a:p>
               <a:p>
+                <a:pPr algn="ctr"/>
                 <a:r>
                   <a:rPr lang="en-GB" sz="1400" b="0" dirty="0"/>
-                  <a:t> </a:t>
+                  <a:t>Shocks to wage, inflation, Monetary Policy (affects money next period through equity, bond, house price returns)</a:t>
                 </a:r>
               </a:p>
               <a:p>
@@ -28077,7 +28062,7 @@
             <p:spPr>
               <a:xfrm>
                 <a:off x="4715419" y="5245697"/>
-                <a:ext cx="3037984" cy="868956"/>
+                <a:ext cx="3037984" cy="1515287"/>
               </a:xfrm>
               <a:prstGeom prst="rect">
                 <a:avLst/>
@@ -28085,7 +28070,7 @@
               <a:blipFill>
                 <a:blip r:embed="rId3"/>
                 <a:stretch>
-                  <a:fillRect/>
+                  <a:fillRect l="-1406" r="-3213"/>
                 </a:stretch>
               </a:blipFill>
             </p:spPr>
@@ -28094,7 +28079,7 @@
               <a:lstStyle/>
               <a:p>
                 <a:r>
-                  <a:rPr lang="en-US">
+                  <a:rPr lang="en-DK">
                     <a:noFill/>
                   </a:rPr>
                   <a:t> </a:t>
@@ -28702,6 +28687,474 @@
   <p:clrMapOvr>
     <a:masterClrMapping/>
   </p:clrMapOvr>
+  <p:timing>
+    <p:tnLst>
+      <p:par>
+        <p:cTn id="1" dur="indefinite" restart="never" nodeType="tmRoot">
+          <p:childTnLst>
+            <p:seq concurrent="1" nextAc="seek">
+              <p:cTn id="2" dur="indefinite" nodeType="mainSeq">
+                <p:childTnLst>
+                  <p:par>
+                    <p:cTn id="3" fill="hold">
+                      <p:stCondLst>
+                        <p:cond delay="indefinite"/>
+                      </p:stCondLst>
+                      <p:childTnLst>
+                        <p:par>
+                          <p:cTn id="4" fill="hold">
+                            <p:stCondLst>
+                              <p:cond delay="0"/>
+                            </p:stCondLst>
+                            <p:childTnLst>
+                              <p:par>
+                                <p:cTn id="5" presetID="1" presetClass="entr" presetSubtype="0" fill="hold" grpId="0" nodeType="clickEffect">
+                                  <p:stCondLst>
+                                    <p:cond delay="0"/>
+                                  </p:stCondLst>
+                                  <p:childTnLst>
+                                    <p:set>
+                                      <p:cBhvr>
+                                        <p:cTn id="6" dur="1" fill="hold">
+                                          <p:stCondLst>
+                                            <p:cond delay="0"/>
+                                          </p:stCondLst>
+                                        </p:cTn>
+                                        <p:tgtEl>
+                                          <p:spTgt spid="35"/>
+                                        </p:tgtEl>
+                                        <p:attrNameLst>
+                                          <p:attrName>style.visibility</p:attrName>
+                                        </p:attrNameLst>
+                                      </p:cBhvr>
+                                      <p:to>
+                                        <p:strVal val="visible"/>
+                                      </p:to>
+                                    </p:set>
+                                  </p:childTnLst>
+                                </p:cTn>
+                              </p:par>
+                              <p:par>
+                                <p:cTn id="7" presetID="1" presetClass="entr" presetSubtype="0" fill="hold" grpId="0" nodeType="withEffect">
+                                  <p:stCondLst>
+                                    <p:cond delay="0"/>
+                                  </p:stCondLst>
+                                  <p:childTnLst>
+                                    <p:set>
+                                      <p:cBhvr>
+                                        <p:cTn id="8" dur="1" fill="hold">
+                                          <p:stCondLst>
+                                            <p:cond delay="0"/>
+                                          </p:stCondLst>
+                                        </p:cTn>
+                                        <p:tgtEl>
+                                          <p:spTgt spid="15"/>
+                                        </p:tgtEl>
+                                        <p:attrNameLst>
+                                          <p:attrName>style.visibility</p:attrName>
+                                        </p:attrNameLst>
+                                      </p:cBhvr>
+                                      <p:to>
+                                        <p:strVal val="visible"/>
+                                      </p:to>
+                                    </p:set>
+                                  </p:childTnLst>
+                                </p:cTn>
+                              </p:par>
+                              <p:par>
+                                <p:cTn id="9" presetID="1" presetClass="entr" presetSubtype="0" fill="hold" grpId="0" nodeType="withEffect">
+                                  <p:stCondLst>
+                                    <p:cond delay="0"/>
+                                  </p:stCondLst>
+                                  <p:childTnLst>
+                                    <p:set>
+                                      <p:cBhvr>
+                                        <p:cTn id="10" dur="1" fill="hold">
+                                          <p:stCondLst>
+                                            <p:cond delay="0"/>
+                                          </p:stCondLst>
+                                        </p:cTn>
+                                        <p:tgtEl>
+                                          <p:spTgt spid="13"/>
+                                        </p:tgtEl>
+                                        <p:attrNameLst>
+                                          <p:attrName>style.visibility</p:attrName>
+                                        </p:attrNameLst>
+                                      </p:cBhvr>
+                                      <p:to>
+                                        <p:strVal val="visible"/>
+                                      </p:to>
+                                    </p:set>
+                                  </p:childTnLst>
+                                </p:cTn>
+                              </p:par>
+                            </p:childTnLst>
+                          </p:cTn>
+                        </p:par>
+                      </p:childTnLst>
+                    </p:cTn>
+                  </p:par>
+                  <p:par>
+                    <p:cTn id="11" fill="hold">
+                      <p:stCondLst>
+                        <p:cond delay="indefinite"/>
+                      </p:stCondLst>
+                      <p:childTnLst>
+                        <p:par>
+                          <p:cTn id="12" fill="hold">
+                            <p:stCondLst>
+                              <p:cond delay="0"/>
+                            </p:stCondLst>
+                            <p:childTnLst>
+                              <p:par>
+                                <p:cTn id="13" presetID="1" presetClass="entr" presetSubtype="0" fill="hold" grpId="0" nodeType="clickEffect">
+                                  <p:stCondLst>
+                                    <p:cond delay="0"/>
+                                  </p:stCondLst>
+                                  <p:childTnLst>
+                                    <p:set>
+                                      <p:cBhvr>
+                                        <p:cTn id="14" dur="1" fill="hold">
+                                          <p:stCondLst>
+                                            <p:cond delay="0"/>
+                                          </p:stCondLst>
+                                        </p:cTn>
+                                        <p:tgtEl>
+                                          <p:spTgt spid="34"/>
+                                        </p:tgtEl>
+                                        <p:attrNameLst>
+                                          <p:attrName>style.visibility</p:attrName>
+                                        </p:attrNameLst>
+                                      </p:cBhvr>
+                                      <p:to>
+                                        <p:strVal val="visible"/>
+                                      </p:to>
+                                    </p:set>
+                                  </p:childTnLst>
+                                </p:cTn>
+                              </p:par>
+                              <p:par>
+                                <p:cTn id="15" presetID="1" presetClass="entr" presetSubtype="0" fill="hold" grpId="0" nodeType="withEffect">
+                                  <p:stCondLst>
+                                    <p:cond delay="0"/>
+                                  </p:stCondLst>
+                                  <p:childTnLst>
+                                    <p:set>
+                                      <p:cBhvr>
+                                        <p:cTn id="16" dur="1" fill="hold">
+                                          <p:stCondLst>
+                                            <p:cond delay="0"/>
+                                          </p:stCondLst>
+                                        </p:cTn>
+                                        <p:tgtEl>
+                                          <p:spTgt spid="22"/>
+                                        </p:tgtEl>
+                                        <p:attrNameLst>
+                                          <p:attrName>style.visibility</p:attrName>
+                                        </p:attrNameLst>
+                                      </p:cBhvr>
+                                      <p:to>
+                                        <p:strVal val="visible"/>
+                                      </p:to>
+                                    </p:set>
+                                  </p:childTnLst>
+                                </p:cTn>
+                              </p:par>
+                            </p:childTnLst>
+                          </p:cTn>
+                        </p:par>
+                      </p:childTnLst>
+                    </p:cTn>
+                  </p:par>
+                  <p:par>
+                    <p:cTn id="17" fill="hold">
+                      <p:stCondLst>
+                        <p:cond delay="indefinite"/>
+                      </p:stCondLst>
+                      <p:childTnLst>
+                        <p:par>
+                          <p:cTn id="18" fill="hold">
+                            <p:stCondLst>
+                              <p:cond delay="0"/>
+                            </p:stCondLst>
+                            <p:childTnLst>
+                              <p:par>
+                                <p:cTn id="19" presetID="1" presetClass="entr" presetSubtype="0" fill="hold" grpId="0" nodeType="clickEffect">
+                                  <p:stCondLst>
+                                    <p:cond delay="0"/>
+                                  </p:stCondLst>
+                                  <p:childTnLst>
+                                    <p:set>
+                                      <p:cBhvr>
+                                        <p:cTn id="20" dur="1" fill="hold">
+                                          <p:stCondLst>
+                                            <p:cond delay="0"/>
+                                          </p:stCondLst>
+                                        </p:cTn>
+                                        <p:tgtEl>
+                                          <p:spTgt spid="37"/>
+                                        </p:tgtEl>
+                                        <p:attrNameLst>
+                                          <p:attrName>style.visibility</p:attrName>
+                                        </p:attrNameLst>
+                                      </p:cBhvr>
+                                      <p:to>
+                                        <p:strVal val="visible"/>
+                                      </p:to>
+                                    </p:set>
+                                  </p:childTnLst>
+                                </p:cTn>
+                              </p:par>
+                              <p:par>
+                                <p:cTn id="21" presetID="1" presetClass="entr" presetSubtype="0" fill="hold" grpId="0" nodeType="withEffect">
+                                  <p:stCondLst>
+                                    <p:cond delay="0"/>
+                                  </p:stCondLst>
+                                  <p:childTnLst>
+                                    <p:set>
+                                      <p:cBhvr>
+                                        <p:cTn id="22" dur="1" fill="hold">
+                                          <p:stCondLst>
+                                            <p:cond delay="0"/>
+                                          </p:stCondLst>
+                                        </p:cTn>
+                                        <p:tgtEl>
+                                          <p:spTgt spid="38"/>
+                                        </p:tgtEl>
+                                        <p:attrNameLst>
+                                          <p:attrName>style.visibility</p:attrName>
+                                        </p:attrNameLst>
+                                      </p:cBhvr>
+                                      <p:to>
+                                        <p:strVal val="visible"/>
+                                      </p:to>
+                                    </p:set>
+                                  </p:childTnLst>
+                                </p:cTn>
+                              </p:par>
+                              <p:par>
+                                <p:cTn id="23" presetID="1" presetClass="entr" presetSubtype="0" fill="hold" grpId="0" nodeType="withEffect">
+                                  <p:stCondLst>
+                                    <p:cond delay="0"/>
+                                  </p:stCondLst>
+                                  <p:childTnLst>
+                                    <p:set>
+                                      <p:cBhvr>
+                                        <p:cTn id="24" dur="1" fill="hold">
+                                          <p:stCondLst>
+                                            <p:cond delay="0"/>
+                                          </p:stCondLst>
+                                        </p:cTn>
+                                        <p:tgtEl>
+                                          <p:spTgt spid="18"/>
+                                        </p:tgtEl>
+                                        <p:attrNameLst>
+                                          <p:attrName>style.visibility</p:attrName>
+                                        </p:attrNameLst>
+                                      </p:cBhvr>
+                                      <p:to>
+                                        <p:strVal val="visible"/>
+                                      </p:to>
+                                    </p:set>
+                                  </p:childTnLst>
+                                </p:cTn>
+                              </p:par>
+                              <p:par>
+                                <p:cTn id="25" presetID="1" presetClass="entr" presetSubtype="0" fill="hold" grpId="0" nodeType="withEffect">
+                                  <p:stCondLst>
+                                    <p:cond delay="0"/>
+                                  </p:stCondLst>
+                                  <p:childTnLst>
+                                    <p:set>
+                                      <p:cBhvr>
+                                        <p:cTn id="26" dur="1" fill="hold">
+                                          <p:stCondLst>
+                                            <p:cond delay="0"/>
+                                          </p:stCondLst>
+                                        </p:cTn>
+                                        <p:tgtEl>
+                                          <p:spTgt spid="23"/>
+                                        </p:tgtEl>
+                                        <p:attrNameLst>
+                                          <p:attrName>style.visibility</p:attrName>
+                                        </p:attrNameLst>
+                                      </p:cBhvr>
+                                      <p:to>
+                                        <p:strVal val="visible"/>
+                                      </p:to>
+                                    </p:set>
+                                  </p:childTnLst>
+                                </p:cTn>
+                              </p:par>
+                              <p:par>
+                                <p:cTn id="27" presetID="1" presetClass="entr" presetSubtype="0" fill="hold" grpId="0" nodeType="withEffect">
+                                  <p:stCondLst>
+                                    <p:cond delay="0"/>
+                                  </p:stCondLst>
+                                  <p:childTnLst>
+                                    <p:set>
+                                      <p:cBhvr>
+                                        <p:cTn id="28" dur="1" fill="hold">
+                                          <p:stCondLst>
+                                            <p:cond delay="0"/>
+                                          </p:stCondLst>
+                                        </p:cTn>
+                                        <p:tgtEl>
+                                          <p:spTgt spid="24"/>
+                                        </p:tgtEl>
+                                        <p:attrNameLst>
+                                          <p:attrName>style.visibility</p:attrName>
+                                        </p:attrNameLst>
+                                      </p:cBhvr>
+                                      <p:to>
+                                        <p:strVal val="visible"/>
+                                      </p:to>
+                                    </p:set>
+                                  </p:childTnLst>
+                                </p:cTn>
+                              </p:par>
+                            </p:childTnLst>
+                          </p:cTn>
+                        </p:par>
+                      </p:childTnLst>
+                    </p:cTn>
+                  </p:par>
+                  <p:par>
+                    <p:cTn id="29" fill="hold">
+                      <p:stCondLst>
+                        <p:cond delay="indefinite"/>
+                      </p:stCondLst>
+                      <p:childTnLst>
+                        <p:par>
+                          <p:cTn id="30" fill="hold">
+                            <p:stCondLst>
+                              <p:cond delay="0"/>
+                            </p:stCondLst>
+                            <p:childTnLst>
+                              <p:par>
+                                <p:cTn id="31" presetID="1" presetClass="entr" presetSubtype="0" fill="hold" grpId="0" nodeType="clickEffect">
+                                  <p:stCondLst>
+                                    <p:cond delay="0"/>
+                                  </p:stCondLst>
+                                  <p:childTnLst>
+                                    <p:set>
+                                      <p:cBhvr>
+                                        <p:cTn id="32" dur="1" fill="hold">
+                                          <p:stCondLst>
+                                            <p:cond delay="0"/>
+                                          </p:stCondLst>
+                                        </p:cTn>
+                                        <p:tgtEl>
+                                          <p:spTgt spid="33"/>
+                                        </p:tgtEl>
+                                        <p:attrNameLst>
+                                          <p:attrName>style.visibility</p:attrName>
+                                        </p:attrNameLst>
+                                      </p:cBhvr>
+                                      <p:to>
+                                        <p:strVal val="visible"/>
+                                      </p:to>
+                                    </p:set>
+                                  </p:childTnLst>
+                                </p:cTn>
+                              </p:par>
+                              <p:par>
+                                <p:cTn id="33" presetID="1" presetClass="entr" presetSubtype="0" fill="hold" grpId="0" nodeType="withEffect">
+                                  <p:stCondLst>
+                                    <p:cond delay="0"/>
+                                  </p:stCondLst>
+                                  <p:childTnLst>
+                                    <p:set>
+                                      <p:cBhvr>
+                                        <p:cTn id="34" dur="1" fill="hold">
+                                          <p:stCondLst>
+                                            <p:cond delay="0"/>
+                                          </p:stCondLst>
+                                        </p:cTn>
+                                        <p:tgtEl>
+                                          <p:spTgt spid="30"/>
+                                        </p:tgtEl>
+                                        <p:attrNameLst>
+                                          <p:attrName>style.visibility</p:attrName>
+                                        </p:attrNameLst>
+                                      </p:cBhvr>
+                                      <p:to>
+                                        <p:strVal val="visible"/>
+                                      </p:to>
+                                    </p:set>
+                                  </p:childTnLst>
+                                </p:cTn>
+                              </p:par>
+                              <p:par>
+                                <p:cTn id="35" presetID="1" presetClass="entr" presetSubtype="0" fill="hold" grpId="0" nodeType="withEffect">
+                                  <p:stCondLst>
+                                    <p:cond delay="0"/>
+                                  </p:stCondLst>
+                                  <p:childTnLst>
+                                    <p:set>
+                                      <p:cBhvr>
+                                        <p:cTn id="36" dur="1" fill="hold">
+                                          <p:stCondLst>
+                                            <p:cond delay="0"/>
+                                          </p:stCondLst>
+                                        </p:cTn>
+                                        <p:tgtEl>
+                                          <p:spTgt spid="12"/>
+                                        </p:tgtEl>
+                                        <p:attrNameLst>
+                                          <p:attrName>style.visibility</p:attrName>
+                                        </p:attrNameLst>
+                                      </p:cBhvr>
+                                      <p:to>
+                                        <p:strVal val="visible"/>
+                                      </p:to>
+                                    </p:set>
+                                  </p:childTnLst>
+                                </p:cTn>
+                              </p:par>
+                            </p:childTnLst>
+                          </p:cTn>
+                        </p:par>
+                      </p:childTnLst>
+                    </p:cTn>
+                  </p:par>
+                </p:childTnLst>
+              </p:cTn>
+              <p:prevCondLst>
+                <p:cond evt="onPrev" delay="0">
+                  <p:tgtEl>
+                    <p:sldTgt/>
+                  </p:tgtEl>
+                </p:cond>
+              </p:prevCondLst>
+              <p:nextCondLst>
+                <p:cond evt="onNext" delay="0">
+                  <p:tgtEl>
+                    <p:sldTgt/>
+                  </p:tgtEl>
+                </p:cond>
+              </p:nextCondLst>
+            </p:seq>
+          </p:childTnLst>
+        </p:cTn>
+      </p:par>
+    </p:tnLst>
+    <p:bldLst>
+      <p:bldP spid="12" grpId="0" animBg="1"/>
+      <p:bldP spid="13" grpId="0"/>
+      <p:bldP spid="15" grpId="0"/>
+      <p:bldP spid="18" grpId="0"/>
+      <p:bldP spid="22" grpId="0"/>
+      <p:bldP spid="23" grpId="0"/>
+      <p:bldP spid="24" grpId="0"/>
+      <p:bldP spid="30" grpId="0" animBg="1"/>
+      <p:bldP spid="33" grpId="0"/>
+      <p:bldP spid="34" grpId="0" animBg="1"/>
+      <p:bldP spid="35" grpId="0" animBg="1"/>
+      <p:bldP spid="37" grpId="0" animBg="1"/>
+      <p:bldP spid="38" grpId="0"/>
+    </p:bldLst>
+  </p:timing>
 </p:sld>
 </file>
 
@@ -30075,41 +30528,41 @@
 </file>
 
 <file path=customXml/item1.xml><?xml version="1.0" encoding="utf-8"?>
+<TemplafySlideTemplateConfiguration><![CDATA[{"slideVersion":1,"isValidatorEnabled":false,"isLocked":false,"elementsMetadata":[],"slideId":"638276943455641444","enableDocumentContentUpdater":false,"version":"2.0"}]]></TemplafySlideTemplateConfiguration>
+</file>
+
+<file path=customXml/item2.xml><?xml version="1.0" encoding="utf-8"?>
+<TemplafyFormConfiguration><![CDATA[{"formFields":[{"required":false,"helpTexts":{},"spacing":{},"shareValue":false,"type":"datePicker","name":"Date","label":"Date"}],"formDataEntries":[{"name":"Date","value":"8wUdYmbHjM4l3jAPgqS3nQ=="}]}]]></TemplafyFormConfiguration>
+</file>
+
+<file path=customXml/item3.xml><?xml version="1.0" encoding="utf-8"?>
+<TemplafySlideFormConfiguration><![CDATA[{"formFields":[],"formDataEntries":[]}]]></TemplafySlideFormConfiguration>
+</file>
+
+<file path=customXml/item4.xml><?xml version="1.0" encoding="utf-8"?>
 <TemplafyTemplateConfiguration><![CDATA[{"elementsMetadata":[{"type":"shape","id":"0e2e5a9b-d7e8-4464-9c53-ee15333de781","elementConfiguration":{"binding":"{{FormatDateTime(Form.Date,Translate(\"DateGeneral\"),DocumentLanguage)}}","visibility":"","type":"text","disableUpdates":false}},{"type":"shape","id":"0db91bea-2f63-48b2-9d5f-265510750755","elementConfiguration":{"binding":"{{FormatDateTime(Form.Date,Translate(\"DateGeneral\"),DocumentLanguage)}}","visibility":"","type":"text","disableUpdates":false}},{"type":"shape","id":"38274079-d70e-45f8-accc-2fa639e2ba3f","elementConfiguration":{"binding":"{{FormatDateTime(Form.Date,Translate(\"DateGeneral\"),DocumentLanguage)}}","visibility":"","type":"text","disableUpdates":false}},{"type":"shape","id":"956dff95-a77e-4444-9a30-395a79deed2c","elementConfiguration":{"binding":"{{FormatDateTime(Form.Date,Translate(\"DateGeneral\"),DocumentLanguage)}}","visibility":"","type":"text","disableUpdates":false}},{"type":"shape","id":"ee9b3fc6-4a26-4545-b1eb-16ff1df59c4c","elementConfiguration":{"binding":"{{FormatDateTime(Form.Date,Translate(\"DateGeneral\"),DocumentLanguage)}}","visibility":"","type":"text","disableUpdates":false}},{"type":"shape","id":"d96b8afa-50bc-4342-8bb2-986c92fc07cf","elementConfiguration":{"binding":"{{FormatDateTime(Form.Date,Translate(\"DateGeneral\"),DocumentLanguage)}}","visibility":"","type":"text","disableUpdates":false}},{"type":"shape","id":"4633830a-fb84-44a5-a0df-73526a9e940b","elementConfiguration":{"binding":"{{FormatDateTime(Form.Date,Translate(\"DateGeneral\"),DocumentLanguage)}}","visibility":"","type":"text","disableUpdates":false}},{"type":"shape","id":"58858913-8293-4a35-9f2e-d140dd51e076","elementConfiguration":{"binding":"{{FormatDateTime(Form.Date,Translate(\"DateGeneral\"),DocumentLanguage)}}","visibility":"","type":"text","disableUpdates":false}},{"type":"shape","id":"b17a1e4b-d40c-4770-afd5-713e4a4630ce","elementConfiguration":{"binding":"{{FormatDateTime(Form.Date,Translate(\"DateGeneral\"),DocumentLanguage)}}","visibility":"","type":"text","disableUpdates":false}}],"transformationConfigurations":[{"language":"{{DocumentLanguage}}","disableUpdates":false,"type":"proofingLanguage"}],"templateName":"Blank_præsentation","templateDescription":"","enableDocumentContentUpdater":true,"version":"2.0"}]]></TemplafyTemplateConfiguration>
 </file>
 
-<file path=customXml/item2.xml><?xml version="1.0" encoding="utf-8"?>
-<TemplafySlideFormConfiguration><![CDATA[{"formFields":[],"formDataEntries":[]}]]></TemplafySlideFormConfiguration>
-</file>
-
-<file path=customXml/item3.xml><?xml version="1.0" encoding="utf-8"?>
-<TemplafyFormConfiguration><![CDATA[{"formFields":[{"required":false,"helpTexts":{},"spacing":{},"shareValue":false,"type":"datePicker","name":"Date","label":"Date"}],"formDataEntries":[{"name":"Date","value":"8wUdYmbHjM4l3jAPgqS3nQ=="}]}]]></TemplafyFormConfiguration>
-</file>
-
-<file path=customXml/item4.xml><?xml version="1.0" encoding="utf-8"?>
-<TemplafySlideTemplateConfiguration><![CDATA[{"slideVersion":1,"isValidatorEnabled":false,"isLocked":false,"elementsMetadata":[],"slideId":"638276943455641444","enableDocumentContentUpdater":false,"version":"2.0"}]]></TemplafySlideTemplateConfiguration>
-</file>
-
 <file path=customXml/itemProps1.xml><?xml version="1.0" encoding="utf-8"?>
-<ds:datastoreItem xmlns:ds="http://schemas.openxmlformats.org/officeDocument/2006/customXml" ds:itemID="{CE8CC1C0-FE44-49CF-B6C7-190E223374E7}">
+<ds:datastoreItem xmlns:ds="http://schemas.openxmlformats.org/officeDocument/2006/customXml" ds:itemID="{08396AA3-520D-4277-9CCB-1B00D2AB4A0C}">
   <ds:schemaRefs/>
 </ds:datastoreItem>
 </file>
 
 <file path=customXml/itemProps2.xml><?xml version="1.0" encoding="utf-8"?>
+<ds:datastoreItem xmlns:ds="http://schemas.openxmlformats.org/officeDocument/2006/customXml" ds:itemID="{B4589A9E-E29E-440F-BA26-B0C9BFB8BB70}">
+  <ds:schemaRefs/>
+</ds:datastoreItem>
+</file>
+
+<file path=customXml/itemProps3.xml><?xml version="1.0" encoding="utf-8"?>
 <ds:datastoreItem xmlns:ds="http://schemas.openxmlformats.org/officeDocument/2006/customXml" ds:itemID="{ADC837BD-D3DA-4E17-83F8-2A0F8CC85839}">
   <ds:schemaRefs/>
 </ds:datastoreItem>
 </file>
 
-<file path=customXml/itemProps3.xml><?xml version="1.0" encoding="utf-8"?>
-<ds:datastoreItem xmlns:ds="http://schemas.openxmlformats.org/officeDocument/2006/customXml" ds:itemID="{B4589A9E-E29E-440F-BA26-B0C9BFB8BB70}">
-  <ds:schemaRefs/>
-</ds:datastoreItem>
-</file>
-
 <file path=customXml/itemProps4.xml><?xml version="1.0" encoding="utf-8"?>
-<ds:datastoreItem xmlns:ds="http://schemas.openxmlformats.org/officeDocument/2006/customXml" ds:itemID="{08396AA3-520D-4277-9CCB-1B00D2AB4A0C}">
+<ds:datastoreItem xmlns:ds="http://schemas.openxmlformats.org/officeDocument/2006/customXml" ds:itemID="{CE8CC1C0-FE44-49CF-B6C7-190E223374E7}">
   <ds:schemaRefs/>
 </ds:datastoreItem>
 </file>
--- a/PresentationNB/The Transmission of Monetary Policy to Household Wealth.pptx
+++ b/PresentationNB/The Transmission of Monetary Policy to Household Wealth.pptx
@@ -5,10 +5,10 @@
     <p:sldMasterId id="2147483648" r:id="rId5"/>
   </p:sldMasterIdLst>
   <p:notesMasterIdLst>
-    <p:notesMasterId r:id="rId13"/>
+    <p:notesMasterId r:id="rId16"/>
   </p:notesMasterIdLst>
   <p:handoutMasterIdLst>
-    <p:handoutMasterId r:id="rId14"/>
+    <p:handoutMasterId r:id="rId17"/>
   </p:handoutMasterIdLst>
   <p:sldIdLst>
     <p:sldId id="265" r:id="rId6"/>
@@ -16,22 +16,25 @@
     <p:sldId id="272" r:id="rId8"/>
     <p:sldId id="269" r:id="rId9"/>
     <p:sldId id="270" r:id="rId10"/>
-    <p:sldId id="274" r:id="rId11"/>
-    <p:sldId id="273" r:id="rId12"/>
+    <p:sldId id="276" r:id="rId11"/>
+    <p:sldId id="277" r:id="rId12"/>
+    <p:sldId id="274" r:id="rId13"/>
+    <p:sldId id="273" r:id="rId14"/>
+    <p:sldId id="275" r:id="rId15"/>
   </p:sldIdLst>
   <p:sldSz cx="12192000" cy="6858000"/>
   <p:notesSz cx="6858000" cy="9144000"/>
   <p:embeddedFontLst>
     <p:embeddedFont>
       <p:font typeface="Cambria Math" panose="02040503050406030204" pitchFamily="18" charset="0"/>
-      <p:regular r:id="rId15"/>
+      <p:regular r:id="rId18"/>
     </p:embeddedFont>
     <p:embeddedFont>
       <p:font typeface="Nationalbank" panose="020B0503040000020004" pitchFamily="34" charset="0"/>
-      <p:regular r:id="rId16"/>
-      <p:bold r:id="rId17"/>
-      <p:italic r:id="rId18"/>
-      <p:boldItalic r:id="rId19"/>
+      <p:regular r:id="rId19"/>
+      <p:bold r:id="rId20"/>
+      <p:italic r:id="rId21"/>
+      <p:boldItalic r:id="rId22"/>
     </p:embeddedFont>
   </p:embeddedFontLst>
   <p:defaultTextStyle>
@@ -141,6 +144,753 @@
 </file>
 
 <file path=ppt/diagrams/colors1.xml><?xml version="1.0" encoding="utf-8"?>
+<dgm:colorsDef xmlns:dgm="http://schemas.openxmlformats.org/drawingml/2006/diagram" xmlns:a="http://schemas.openxmlformats.org/drawingml/2006/main" uniqueId="urn:microsoft.com/office/officeart/2005/8/colors/accent2_2">
+  <dgm:title val=""/>
+  <dgm:desc val=""/>
+  <dgm:catLst>
+    <dgm:cat type="accent2" pri="11200"/>
+  </dgm:catLst>
+  <dgm:styleLbl name="node0">
+    <dgm:fillClrLst meth="repeat">
+      <a:schemeClr val="accent2"/>
+    </dgm:fillClrLst>
+    <dgm:linClrLst meth="repeat">
+      <a:schemeClr val="lt1"/>
+    </dgm:linClrLst>
+    <dgm:effectClrLst/>
+    <dgm:txLinClrLst/>
+    <dgm:txFillClrLst/>
+    <dgm:txEffectClrLst/>
+  </dgm:styleLbl>
+  <dgm:styleLbl name="node1">
+    <dgm:fillClrLst meth="repeat">
+      <a:schemeClr val="accent2"/>
+    </dgm:fillClrLst>
+    <dgm:linClrLst meth="repeat">
+      <a:schemeClr val="lt1"/>
+    </dgm:linClrLst>
+    <dgm:effectClrLst/>
+    <dgm:txLinClrLst/>
+    <dgm:txFillClrLst/>
+    <dgm:txEffectClrLst/>
+  </dgm:styleLbl>
+  <dgm:styleLbl name="alignNode1">
+    <dgm:fillClrLst meth="repeat">
+      <a:schemeClr val="accent2"/>
+    </dgm:fillClrLst>
+    <dgm:linClrLst meth="repeat">
+      <a:schemeClr val="accent2"/>
+    </dgm:linClrLst>
+    <dgm:effectClrLst/>
+    <dgm:txLinClrLst/>
+    <dgm:txFillClrLst/>
+    <dgm:txEffectClrLst/>
+  </dgm:styleLbl>
+  <dgm:styleLbl name="lnNode1">
+    <dgm:fillClrLst meth="repeat">
+      <a:schemeClr val="accent2"/>
+    </dgm:fillClrLst>
+    <dgm:linClrLst meth="repeat">
+      <a:schemeClr val="lt1"/>
+    </dgm:linClrLst>
+    <dgm:effectClrLst/>
+    <dgm:txLinClrLst/>
+    <dgm:txFillClrLst/>
+    <dgm:txEffectClrLst/>
+  </dgm:styleLbl>
+  <dgm:styleLbl name="vennNode1">
+    <dgm:fillClrLst meth="repeat">
+      <a:schemeClr val="accent2">
+        <a:alpha val="50000"/>
+      </a:schemeClr>
+    </dgm:fillClrLst>
+    <dgm:linClrLst meth="repeat">
+      <a:schemeClr val="lt1"/>
+    </dgm:linClrLst>
+    <dgm:effectClrLst/>
+    <dgm:txLinClrLst/>
+    <dgm:txFillClrLst/>
+    <dgm:txEffectClrLst/>
+  </dgm:styleLbl>
+  <dgm:styleLbl name="node2">
+    <dgm:fillClrLst meth="repeat">
+      <a:schemeClr val="accent2"/>
+    </dgm:fillClrLst>
+    <dgm:linClrLst meth="repeat">
+      <a:schemeClr val="lt1"/>
+    </dgm:linClrLst>
+    <dgm:effectClrLst/>
+    <dgm:txLinClrLst/>
+    <dgm:txFillClrLst/>
+    <dgm:txEffectClrLst/>
+  </dgm:styleLbl>
+  <dgm:styleLbl name="node3">
+    <dgm:fillClrLst meth="repeat">
+      <a:schemeClr val="accent2"/>
+    </dgm:fillClrLst>
+    <dgm:linClrLst meth="repeat">
+      <a:schemeClr val="lt1"/>
+    </dgm:linClrLst>
+    <dgm:effectClrLst/>
+    <dgm:txLinClrLst/>
+    <dgm:txFillClrLst/>
+    <dgm:txEffectClrLst/>
+  </dgm:styleLbl>
+  <dgm:styleLbl name="node4">
+    <dgm:fillClrLst meth="repeat">
+      <a:schemeClr val="accent2"/>
+    </dgm:fillClrLst>
+    <dgm:linClrLst meth="repeat">
+      <a:schemeClr val="lt1"/>
+    </dgm:linClrLst>
+    <dgm:effectClrLst/>
+    <dgm:txLinClrLst/>
+    <dgm:txFillClrLst/>
+    <dgm:txEffectClrLst/>
+  </dgm:styleLbl>
+  <dgm:styleLbl name="fgImgPlace1">
+    <dgm:fillClrLst meth="repeat">
+      <a:schemeClr val="accent2">
+        <a:tint val="50000"/>
+      </a:schemeClr>
+    </dgm:fillClrLst>
+    <dgm:linClrLst meth="repeat">
+      <a:schemeClr val="lt1"/>
+    </dgm:linClrLst>
+    <dgm:effectClrLst/>
+    <dgm:txLinClrLst/>
+    <dgm:txFillClrLst meth="repeat">
+      <a:schemeClr val="lt1"/>
+    </dgm:txFillClrLst>
+    <dgm:txEffectClrLst/>
+  </dgm:styleLbl>
+  <dgm:styleLbl name="alignImgPlace1">
+    <dgm:fillClrLst meth="repeat">
+      <a:schemeClr val="accent2">
+        <a:tint val="50000"/>
+      </a:schemeClr>
+    </dgm:fillClrLst>
+    <dgm:linClrLst meth="repeat">
+      <a:schemeClr val="lt1"/>
+    </dgm:linClrLst>
+    <dgm:effectClrLst/>
+    <dgm:txLinClrLst/>
+    <dgm:txFillClrLst meth="repeat">
+      <a:schemeClr val="lt1"/>
+    </dgm:txFillClrLst>
+    <dgm:txEffectClrLst/>
+  </dgm:styleLbl>
+  <dgm:styleLbl name="bgImgPlace1">
+    <dgm:fillClrLst meth="repeat">
+      <a:schemeClr val="accent2">
+        <a:tint val="50000"/>
+      </a:schemeClr>
+    </dgm:fillClrLst>
+    <dgm:linClrLst meth="repeat">
+      <a:schemeClr val="lt1"/>
+    </dgm:linClrLst>
+    <dgm:effectClrLst/>
+    <dgm:txLinClrLst/>
+    <dgm:txFillClrLst meth="repeat">
+      <a:schemeClr val="lt1"/>
+    </dgm:txFillClrLst>
+    <dgm:txEffectClrLst/>
+  </dgm:styleLbl>
+  <dgm:styleLbl name="sibTrans2D1">
+    <dgm:fillClrLst meth="repeat">
+      <a:schemeClr val="accent2">
+        <a:tint val="60000"/>
+      </a:schemeClr>
+    </dgm:fillClrLst>
+    <dgm:linClrLst meth="repeat">
+      <a:schemeClr val="accent2">
+        <a:tint val="60000"/>
+      </a:schemeClr>
+    </dgm:linClrLst>
+    <dgm:effectClrLst/>
+    <dgm:txLinClrLst/>
+    <dgm:txFillClrLst/>
+    <dgm:txEffectClrLst/>
+  </dgm:styleLbl>
+  <dgm:styleLbl name="fgSibTrans2D1">
+    <dgm:fillClrLst meth="repeat">
+      <a:schemeClr val="accent2">
+        <a:tint val="60000"/>
+      </a:schemeClr>
+    </dgm:fillClrLst>
+    <dgm:linClrLst meth="repeat">
+      <a:schemeClr val="accent2">
+        <a:tint val="60000"/>
+      </a:schemeClr>
+    </dgm:linClrLst>
+    <dgm:effectClrLst/>
+    <dgm:txLinClrLst/>
+    <dgm:txFillClrLst/>
+    <dgm:txEffectClrLst/>
+  </dgm:styleLbl>
+  <dgm:styleLbl name="bgSibTrans2D1">
+    <dgm:fillClrLst meth="repeat">
+      <a:schemeClr val="accent2">
+        <a:tint val="60000"/>
+      </a:schemeClr>
+    </dgm:fillClrLst>
+    <dgm:linClrLst meth="repeat">
+      <a:schemeClr val="accent2">
+        <a:tint val="60000"/>
+      </a:schemeClr>
+    </dgm:linClrLst>
+    <dgm:effectClrLst/>
+    <dgm:txLinClrLst/>
+    <dgm:txFillClrLst/>
+    <dgm:txEffectClrLst/>
+  </dgm:styleLbl>
+  <dgm:styleLbl name="sibTrans1D1">
+    <dgm:fillClrLst meth="repeat">
+      <a:schemeClr val="accent2"/>
+    </dgm:fillClrLst>
+    <dgm:linClrLst meth="repeat">
+      <a:schemeClr val="accent2"/>
+    </dgm:linClrLst>
+    <dgm:effectClrLst/>
+    <dgm:txLinClrLst/>
+    <dgm:txFillClrLst meth="repeat">
+      <a:schemeClr val="tx1"/>
+    </dgm:txFillClrLst>
+    <dgm:txEffectClrLst/>
+  </dgm:styleLbl>
+  <dgm:styleLbl name="callout">
+    <dgm:fillClrLst meth="repeat">
+      <a:schemeClr val="accent2"/>
+    </dgm:fillClrLst>
+    <dgm:linClrLst meth="repeat">
+      <a:schemeClr val="accent2">
+        <a:tint val="50000"/>
+      </a:schemeClr>
+    </dgm:linClrLst>
+    <dgm:effectClrLst/>
+    <dgm:txLinClrLst/>
+    <dgm:txFillClrLst meth="repeat">
+      <a:schemeClr val="tx1"/>
+    </dgm:txFillClrLst>
+    <dgm:txEffectClrLst/>
+  </dgm:styleLbl>
+  <dgm:styleLbl name="asst0">
+    <dgm:fillClrLst meth="repeat">
+      <a:schemeClr val="accent2"/>
+    </dgm:fillClrLst>
+    <dgm:linClrLst meth="repeat">
+      <a:schemeClr val="lt1"/>
+    </dgm:linClrLst>
+    <dgm:effectClrLst/>
+    <dgm:txLinClrLst/>
+    <dgm:txFillClrLst/>
+    <dgm:txEffectClrLst/>
+  </dgm:styleLbl>
+  <dgm:styleLbl name="asst1">
+    <dgm:fillClrLst meth="repeat">
+      <a:schemeClr val="accent2"/>
+    </dgm:fillClrLst>
+    <dgm:linClrLst meth="repeat">
+      <a:schemeClr val="lt1"/>
+    </dgm:linClrLst>
+    <dgm:effectClrLst/>
+    <dgm:txLinClrLst/>
+    <dgm:txFillClrLst/>
+    <dgm:txEffectClrLst/>
+  </dgm:styleLbl>
+  <dgm:styleLbl name="asst2">
+    <dgm:fillClrLst meth="repeat">
+      <a:schemeClr val="accent2"/>
+    </dgm:fillClrLst>
+    <dgm:linClrLst meth="repeat">
+      <a:schemeClr val="lt1"/>
+    </dgm:linClrLst>
+    <dgm:effectClrLst/>
+    <dgm:txLinClrLst/>
+    <dgm:txFillClrLst/>
+    <dgm:txEffectClrLst/>
+  </dgm:styleLbl>
+  <dgm:styleLbl name="asst3">
+    <dgm:fillClrLst meth="repeat">
+      <a:schemeClr val="accent2"/>
+    </dgm:fillClrLst>
+    <dgm:linClrLst meth="repeat">
+      <a:schemeClr val="lt1"/>
+    </dgm:linClrLst>
+    <dgm:effectClrLst/>
+    <dgm:txLinClrLst/>
+    <dgm:txFillClrLst/>
+    <dgm:txEffectClrLst/>
+  </dgm:styleLbl>
+  <dgm:styleLbl name="asst4">
+    <dgm:fillClrLst meth="repeat">
+      <a:schemeClr val="accent2"/>
+    </dgm:fillClrLst>
+    <dgm:linClrLst meth="repeat">
+      <a:schemeClr val="lt1"/>
+    </dgm:linClrLst>
+    <dgm:effectClrLst/>
+    <dgm:txLinClrLst/>
+    <dgm:txFillClrLst/>
+    <dgm:txEffectClrLst/>
+  </dgm:styleLbl>
+  <dgm:styleLbl name="parChTrans2D1">
+    <dgm:fillClrLst meth="repeat">
+      <a:schemeClr val="accent2">
+        <a:tint val="60000"/>
+      </a:schemeClr>
+    </dgm:fillClrLst>
+    <dgm:linClrLst meth="repeat">
+      <a:schemeClr val="accent2">
+        <a:tint val="60000"/>
+      </a:schemeClr>
+    </dgm:linClrLst>
+    <dgm:effectClrLst/>
+    <dgm:txLinClrLst/>
+    <dgm:txFillClrLst meth="repeat">
+      <a:schemeClr val="lt1"/>
+    </dgm:txFillClrLst>
+    <dgm:txEffectClrLst/>
+  </dgm:styleLbl>
+  <dgm:styleLbl name="parChTrans2D2">
+    <dgm:fillClrLst meth="repeat">
+      <a:schemeClr val="accent2"/>
+    </dgm:fillClrLst>
+    <dgm:linClrLst meth="repeat">
+      <a:schemeClr val="accent2"/>
+    </dgm:linClrLst>
+    <dgm:effectClrLst/>
+    <dgm:txLinClrLst/>
+    <dgm:txFillClrLst meth="repeat">
+      <a:schemeClr val="lt1"/>
+    </dgm:txFillClrLst>
+    <dgm:txEffectClrLst/>
+  </dgm:styleLbl>
+  <dgm:styleLbl name="parChTrans2D3">
+    <dgm:fillClrLst meth="repeat">
+      <a:schemeClr val="accent2"/>
+    </dgm:fillClrLst>
+    <dgm:linClrLst meth="repeat">
+      <a:schemeClr val="accent2"/>
+    </dgm:linClrLst>
+    <dgm:effectClrLst/>
+    <dgm:txLinClrLst/>
+    <dgm:txFillClrLst meth="repeat">
+      <a:schemeClr val="lt1"/>
+    </dgm:txFillClrLst>
+    <dgm:txEffectClrLst/>
+  </dgm:styleLbl>
+  <dgm:styleLbl name="parChTrans2D4">
+    <dgm:fillClrLst meth="repeat">
+      <a:schemeClr val="accent2"/>
+    </dgm:fillClrLst>
+    <dgm:linClrLst meth="repeat">
+      <a:schemeClr val="accent2"/>
+    </dgm:linClrLst>
+    <dgm:effectClrLst/>
+    <dgm:txLinClrLst/>
+    <dgm:txFillClrLst meth="repeat">
+      <a:schemeClr val="lt1"/>
+    </dgm:txFillClrLst>
+    <dgm:txEffectClrLst/>
+  </dgm:styleLbl>
+  <dgm:styleLbl name="parChTrans1D1">
+    <dgm:fillClrLst meth="repeat">
+      <a:schemeClr val="accent2"/>
+    </dgm:fillClrLst>
+    <dgm:linClrLst meth="repeat">
+      <a:schemeClr val="accent2">
+        <a:shade val="60000"/>
+      </a:schemeClr>
+    </dgm:linClrLst>
+    <dgm:effectClrLst/>
+    <dgm:txLinClrLst/>
+    <dgm:txFillClrLst meth="repeat">
+      <a:schemeClr val="tx1"/>
+    </dgm:txFillClrLst>
+    <dgm:txEffectClrLst/>
+  </dgm:styleLbl>
+  <dgm:styleLbl name="parChTrans1D2">
+    <dgm:fillClrLst meth="repeat">
+      <a:schemeClr val="accent2"/>
+    </dgm:fillClrLst>
+    <dgm:linClrLst meth="repeat">
+      <a:schemeClr val="accent2">
+        <a:shade val="60000"/>
+      </a:schemeClr>
+    </dgm:linClrLst>
+    <dgm:effectClrLst/>
+    <dgm:txLinClrLst/>
+    <dgm:txFillClrLst meth="repeat">
+      <a:schemeClr val="tx1"/>
+    </dgm:txFillClrLst>
+    <dgm:txEffectClrLst/>
+  </dgm:styleLbl>
+  <dgm:styleLbl name="parChTrans1D3">
+    <dgm:fillClrLst meth="repeat">
+      <a:schemeClr val="accent2"/>
+    </dgm:fillClrLst>
+    <dgm:linClrLst meth="repeat">
+      <a:schemeClr val="accent2">
+        <a:shade val="80000"/>
+      </a:schemeClr>
+    </dgm:linClrLst>
+    <dgm:effectClrLst/>
+    <dgm:txLinClrLst/>
+    <dgm:txFillClrLst meth="repeat">
+      <a:schemeClr val="tx1"/>
+    </dgm:txFillClrLst>
+    <dgm:txEffectClrLst/>
+  </dgm:styleLbl>
+  <dgm:styleLbl name="parChTrans1D4">
+    <dgm:fillClrLst meth="repeat">
+      <a:schemeClr val="accent2"/>
+    </dgm:fillClrLst>
+    <dgm:linClrLst meth="repeat">
+      <a:schemeClr val="accent2">
+        <a:shade val="80000"/>
+      </a:schemeClr>
+    </dgm:linClrLst>
+    <dgm:effectClrLst/>
+    <dgm:txLinClrLst/>
+    <dgm:txFillClrLst meth="repeat">
+      <a:schemeClr val="tx1"/>
+    </dgm:txFillClrLst>
+    <dgm:txEffectClrLst/>
+  </dgm:styleLbl>
+  <dgm:styleLbl name="fgAcc1">
+    <dgm:fillClrLst meth="repeat">
+      <a:schemeClr val="lt1">
+        <a:alpha val="90000"/>
+      </a:schemeClr>
+    </dgm:fillClrLst>
+    <dgm:linClrLst meth="repeat">
+      <a:schemeClr val="accent2"/>
+    </dgm:linClrLst>
+    <dgm:effectClrLst/>
+    <dgm:txLinClrLst/>
+    <dgm:txFillClrLst meth="repeat">
+      <a:schemeClr val="dk1"/>
+    </dgm:txFillClrLst>
+    <dgm:txEffectClrLst/>
+  </dgm:styleLbl>
+  <dgm:styleLbl name="conFgAcc1">
+    <dgm:fillClrLst meth="repeat">
+      <a:schemeClr val="lt1">
+        <a:alpha val="90000"/>
+      </a:schemeClr>
+    </dgm:fillClrLst>
+    <dgm:linClrLst meth="repeat">
+      <a:schemeClr val="accent2"/>
+    </dgm:linClrLst>
+    <dgm:effectClrLst/>
+    <dgm:txLinClrLst/>
+    <dgm:txFillClrLst meth="repeat">
+      <a:schemeClr val="dk1"/>
+    </dgm:txFillClrLst>
+    <dgm:txEffectClrLst/>
+  </dgm:styleLbl>
+  <dgm:styleLbl name="alignAcc1">
+    <dgm:fillClrLst meth="repeat">
+      <a:schemeClr val="lt1">
+        <a:alpha val="90000"/>
+      </a:schemeClr>
+    </dgm:fillClrLst>
+    <dgm:linClrLst meth="repeat">
+      <a:schemeClr val="accent2"/>
+    </dgm:linClrLst>
+    <dgm:effectClrLst/>
+    <dgm:txLinClrLst/>
+    <dgm:txFillClrLst meth="repeat">
+      <a:schemeClr val="dk1"/>
+    </dgm:txFillClrLst>
+    <dgm:txEffectClrLst/>
+  </dgm:styleLbl>
+  <dgm:styleLbl name="trAlignAcc1">
+    <dgm:fillClrLst meth="repeat">
+      <a:schemeClr val="lt1">
+        <a:alpha val="40000"/>
+      </a:schemeClr>
+    </dgm:fillClrLst>
+    <dgm:linClrLst meth="repeat">
+      <a:schemeClr val="accent2"/>
+    </dgm:linClrLst>
+    <dgm:effectClrLst/>
+    <dgm:txLinClrLst/>
+    <dgm:txFillClrLst meth="repeat">
+      <a:schemeClr val="dk1"/>
+    </dgm:txFillClrLst>
+    <dgm:txEffectClrLst/>
+  </dgm:styleLbl>
+  <dgm:styleLbl name="bgAcc1">
+    <dgm:fillClrLst meth="repeat">
+      <a:schemeClr val="lt1">
+        <a:alpha val="90000"/>
+      </a:schemeClr>
+    </dgm:fillClrLst>
+    <dgm:linClrLst meth="repeat">
+      <a:schemeClr val="accent2"/>
+    </dgm:linClrLst>
+    <dgm:effectClrLst/>
+    <dgm:txLinClrLst/>
+    <dgm:txFillClrLst meth="repeat">
+      <a:schemeClr val="dk1"/>
+    </dgm:txFillClrLst>
+    <dgm:txEffectClrLst/>
+  </dgm:styleLbl>
+  <dgm:styleLbl name="solidFgAcc1">
+    <dgm:fillClrLst meth="repeat">
+      <a:schemeClr val="lt1"/>
+    </dgm:fillClrLst>
+    <dgm:linClrLst meth="repeat">
+      <a:schemeClr val="accent2"/>
+    </dgm:linClrLst>
+    <dgm:effectClrLst/>
+    <dgm:txLinClrLst/>
+    <dgm:txFillClrLst meth="repeat">
+      <a:schemeClr val="dk1"/>
+    </dgm:txFillClrLst>
+    <dgm:txEffectClrLst/>
+  </dgm:styleLbl>
+  <dgm:styleLbl name="solidAlignAcc1">
+    <dgm:fillClrLst meth="repeat">
+      <a:schemeClr val="lt1"/>
+    </dgm:fillClrLst>
+    <dgm:linClrLst meth="repeat">
+      <a:schemeClr val="accent2"/>
+    </dgm:linClrLst>
+    <dgm:effectClrLst/>
+    <dgm:txLinClrLst/>
+    <dgm:txFillClrLst meth="repeat">
+      <a:schemeClr val="dk1"/>
+    </dgm:txFillClrLst>
+    <dgm:txEffectClrLst/>
+  </dgm:styleLbl>
+  <dgm:styleLbl name="solidBgAcc1">
+    <dgm:fillClrLst meth="repeat">
+      <a:schemeClr val="lt1"/>
+    </dgm:fillClrLst>
+    <dgm:linClrLst meth="repeat">
+      <a:schemeClr val="accent2"/>
+    </dgm:linClrLst>
+    <dgm:effectClrLst/>
+    <dgm:txLinClrLst/>
+    <dgm:txFillClrLst meth="repeat">
+      <a:schemeClr val="dk1"/>
+    </dgm:txFillClrLst>
+    <dgm:txEffectClrLst/>
+  </dgm:styleLbl>
+  <dgm:styleLbl name="fgAccFollowNode1">
+    <dgm:fillClrLst meth="repeat">
+      <a:schemeClr val="accent2">
+        <a:alpha val="90000"/>
+        <a:tint val="40000"/>
+      </a:schemeClr>
+    </dgm:fillClrLst>
+    <dgm:linClrLst meth="repeat">
+      <a:schemeClr val="accent2">
+        <a:alpha val="90000"/>
+        <a:tint val="40000"/>
+      </a:schemeClr>
+    </dgm:linClrLst>
+    <dgm:effectClrLst/>
+    <dgm:txLinClrLst/>
+    <dgm:txFillClrLst meth="repeat">
+      <a:schemeClr val="dk1"/>
+    </dgm:txFillClrLst>
+    <dgm:txEffectClrLst/>
+  </dgm:styleLbl>
+  <dgm:styleLbl name="alignAccFollowNode1">
+    <dgm:fillClrLst meth="repeat">
+      <a:schemeClr val="accent2">
+        <a:alpha val="90000"/>
+        <a:tint val="40000"/>
+      </a:schemeClr>
+    </dgm:fillClrLst>
+    <dgm:linClrLst meth="repeat">
+      <a:schemeClr val="accent2">
+        <a:alpha val="90000"/>
+        <a:tint val="40000"/>
+      </a:schemeClr>
+    </dgm:linClrLst>
+    <dgm:effectClrLst/>
+    <dgm:txLinClrLst/>
+    <dgm:txFillClrLst meth="repeat">
+      <a:schemeClr val="dk1"/>
+    </dgm:txFillClrLst>
+    <dgm:txEffectClrLst/>
+  </dgm:styleLbl>
+  <dgm:styleLbl name="bgAccFollowNode1">
+    <dgm:fillClrLst meth="repeat">
+      <a:schemeClr val="accent2">
+        <a:alpha val="90000"/>
+        <a:tint val="40000"/>
+      </a:schemeClr>
+    </dgm:fillClrLst>
+    <dgm:linClrLst meth="repeat">
+      <a:schemeClr val="accent2">
+        <a:alpha val="90000"/>
+        <a:tint val="40000"/>
+      </a:schemeClr>
+    </dgm:linClrLst>
+    <dgm:effectClrLst/>
+    <dgm:txLinClrLst/>
+    <dgm:txFillClrLst meth="repeat">
+      <a:schemeClr val="dk1"/>
+    </dgm:txFillClrLst>
+    <dgm:txEffectClrLst/>
+  </dgm:styleLbl>
+  <dgm:styleLbl name="fgAcc0">
+    <dgm:fillClrLst meth="repeat">
+      <a:schemeClr val="lt1">
+        <a:alpha val="90000"/>
+      </a:schemeClr>
+    </dgm:fillClrLst>
+    <dgm:linClrLst meth="repeat">
+      <a:schemeClr val="accent2"/>
+    </dgm:linClrLst>
+    <dgm:effectClrLst/>
+    <dgm:txLinClrLst/>
+    <dgm:txFillClrLst meth="repeat">
+      <a:schemeClr val="dk1"/>
+    </dgm:txFillClrLst>
+    <dgm:txEffectClrLst/>
+  </dgm:styleLbl>
+  <dgm:styleLbl name="fgAcc2">
+    <dgm:fillClrLst meth="repeat">
+      <a:schemeClr val="lt1">
+        <a:alpha val="90000"/>
+      </a:schemeClr>
+    </dgm:fillClrLst>
+    <dgm:linClrLst meth="repeat">
+      <a:schemeClr val="accent2"/>
+    </dgm:linClrLst>
+    <dgm:effectClrLst/>
+    <dgm:txLinClrLst/>
+    <dgm:txFillClrLst meth="repeat">
+      <a:schemeClr val="dk1"/>
+    </dgm:txFillClrLst>
+    <dgm:txEffectClrLst/>
+  </dgm:styleLbl>
+  <dgm:styleLbl name="fgAcc3">
+    <dgm:fillClrLst meth="repeat">
+      <a:schemeClr val="lt1">
+        <a:alpha val="90000"/>
+      </a:schemeClr>
+    </dgm:fillClrLst>
+    <dgm:linClrLst meth="repeat">
+      <a:schemeClr val="accent2"/>
+    </dgm:linClrLst>
+    <dgm:effectClrLst/>
+    <dgm:txLinClrLst/>
+    <dgm:txFillClrLst meth="repeat">
+      <a:schemeClr val="dk1"/>
+    </dgm:txFillClrLst>
+    <dgm:txEffectClrLst/>
+  </dgm:styleLbl>
+  <dgm:styleLbl name="fgAcc4">
+    <dgm:fillClrLst meth="repeat">
+      <a:schemeClr val="lt1">
+        <a:alpha val="90000"/>
+      </a:schemeClr>
+    </dgm:fillClrLst>
+    <dgm:linClrLst meth="repeat">
+      <a:schemeClr val="accent2"/>
+    </dgm:linClrLst>
+    <dgm:effectClrLst/>
+    <dgm:txLinClrLst/>
+    <dgm:txFillClrLst meth="repeat">
+      <a:schemeClr val="dk1"/>
+    </dgm:txFillClrLst>
+    <dgm:txEffectClrLst/>
+  </dgm:styleLbl>
+  <dgm:styleLbl name="bgShp">
+    <dgm:fillClrLst meth="repeat">
+      <a:schemeClr val="accent2">
+        <a:tint val="40000"/>
+      </a:schemeClr>
+    </dgm:fillClrLst>
+    <dgm:linClrLst meth="repeat">
+      <a:schemeClr val="accent2"/>
+    </dgm:linClrLst>
+    <dgm:effectClrLst/>
+    <dgm:txLinClrLst/>
+    <dgm:txFillClrLst meth="repeat">
+      <a:schemeClr val="dk1"/>
+    </dgm:txFillClrLst>
+    <dgm:txEffectClrLst/>
+  </dgm:styleLbl>
+  <dgm:styleLbl name="dkBgShp">
+    <dgm:fillClrLst meth="repeat">
+      <a:schemeClr val="accent2">
+        <a:shade val="80000"/>
+      </a:schemeClr>
+    </dgm:fillClrLst>
+    <dgm:linClrLst meth="repeat">
+      <a:schemeClr val="accent2"/>
+    </dgm:linClrLst>
+    <dgm:effectClrLst/>
+    <dgm:txLinClrLst/>
+    <dgm:txFillClrLst meth="repeat">
+      <a:schemeClr val="lt1"/>
+    </dgm:txFillClrLst>
+    <dgm:txEffectClrLst/>
+  </dgm:styleLbl>
+  <dgm:styleLbl name="trBgShp">
+    <dgm:fillClrLst meth="repeat">
+      <a:schemeClr val="accent2">
+        <a:tint val="50000"/>
+        <a:alpha val="40000"/>
+      </a:schemeClr>
+    </dgm:fillClrLst>
+    <dgm:linClrLst meth="repeat">
+      <a:schemeClr val="accent2"/>
+    </dgm:linClrLst>
+    <dgm:effectClrLst/>
+    <dgm:txLinClrLst/>
+    <dgm:txFillClrLst meth="repeat">
+      <a:schemeClr val="lt1"/>
+    </dgm:txFillClrLst>
+    <dgm:txEffectClrLst/>
+  </dgm:styleLbl>
+  <dgm:styleLbl name="fgShp">
+    <dgm:fillClrLst meth="repeat">
+      <a:schemeClr val="accent2">
+        <a:tint val="60000"/>
+      </a:schemeClr>
+    </dgm:fillClrLst>
+    <dgm:linClrLst meth="repeat">
+      <a:schemeClr val="lt1"/>
+    </dgm:linClrLst>
+    <dgm:effectClrLst/>
+    <dgm:txLinClrLst/>
+    <dgm:txFillClrLst meth="repeat">
+      <a:schemeClr val="dk1"/>
+    </dgm:txFillClrLst>
+    <dgm:txEffectClrLst/>
+  </dgm:styleLbl>
+  <dgm:styleLbl name="revTx">
+    <dgm:fillClrLst meth="repeat">
+      <a:schemeClr val="lt1">
+        <a:alpha val="0"/>
+      </a:schemeClr>
+    </dgm:fillClrLst>
+    <dgm:linClrLst meth="repeat">
+      <a:schemeClr val="dk1">
+        <a:alpha val="0"/>
+      </a:schemeClr>
+    </dgm:linClrLst>
+    <dgm:effectClrLst/>
+    <dgm:txLinClrLst/>
+    <dgm:txFillClrLst meth="repeat">
+      <a:schemeClr val="tx1"/>
+    </dgm:txFillClrLst>
+    <dgm:txEffectClrLst/>
+  </dgm:styleLbl>
+</dgm:colorsDef>
+</file>
+
+<file path=ppt/diagrams/colors2.xml><?xml version="1.0" encoding="utf-8"?>
 <dgm:colorsDef xmlns:dgm="http://schemas.openxmlformats.org/drawingml/2006/diagram" xmlns:a="http://schemas.openxmlformats.org/drawingml/2006/main" uniqueId="urn:microsoft.com/office/officeart/2005/8/colors/accent2_2">
   <dgm:title val=""/>
   <dgm:desc val=""/>
@@ -1300,6 +2050,500 @@
 </dgm:dataModel>
 </file>
 
+<file path=ppt/diagrams/data2.xml><?xml version="1.0" encoding="utf-8"?>
+<dgm:dataModel xmlns:dgm="http://schemas.openxmlformats.org/drawingml/2006/diagram" xmlns:a="http://schemas.openxmlformats.org/drawingml/2006/main">
+  <dgm:ptLst>
+    <dgm:pt modelId="{E1065B04-6559-4D5D-BE7A-FC6EE4BAA95C}" type="doc">
+      <dgm:prSet loTypeId="urn:microsoft.com/office/officeart/2018/2/layout/IconLabelDescriptionList" loCatId="icon" qsTypeId="urn:microsoft.com/office/officeart/2005/8/quickstyle/simple1" qsCatId="simple" csTypeId="urn:microsoft.com/office/officeart/2005/8/colors/accent2_2" csCatId="accent2" phldr="1"/>
+      <dgm:spPr/>
+      <dgm:t>
+        <a:bodyPr/>
+        <a:lstStyle/>
+        <a:p>
+          <a:endParaRPr lang="en-US"/>
+        </a:p>
+      </dgm:t>
+    </dgm:pt>
+    <dgm:pt modelId="{B7844281-8F5C-447C-B439-A611A6103DB5}">
+      <dgm:prSet/>
+      <dgm:spPr/>
+      <dgm:t>
+        <a:bodyPr/>
+        <a:lstStyle/>
+        <a:p>
+          <a:pPr>
+            <a:lnSpc>
+              <a:spcPct val="100000"/>
+            </a:lnSpc>
+            <a:defRPr b="1"/>
+          </a:pPr>
+          <a:r>
+            <a:rPr lang="da-DK"/>
+            <a:t>At the moment</a:t>
+          </a:r>
+          <a:endParaRPr lang="en-US"/>
+        </a:p>
+      </dgm:t>
+    </dgm:pt>
+    <dgm:pt modelId="{E7B30BAC-EBE7-409E-A52A-0F7556BC97F4}" type="parTrans" cxnId="{75B53338-D57D-4A54-9978-F437767F9D3F}">
+      <dgm:prSet/>
+      <dgm:spPr/>
+      <dgm:t>
+        <a:bodyPr/>
+        <a:lstStyle/>
+        <a:p>
+          <a:endParaRPr lang="en-US"/>
+        </a:p>
+      </dgm:t>
+    </dgm:pt>
+    <dgm:pt modelId="{48F0E884-11C6-4111-A42A-C67F72B08FEF}" type="sibTrans" cxnId="{75B53338-D57D-4A54-9978-F437767F9D3F}">
+      <dgm:prSet/>
+      <dgm:spPr/>
+      <dgm:t>
+        <a:bodyPr/>
+        <a:lstStyle/>
+        <a:p>
+          <a:endParaRPr lang="en-US"/>
+        </a:p>
+      </dgm:t>
+    </dgm:pt>
+    <dgm:pt modelId="{C3970ADE-F0F6-476B-A2A7-4F3BD02CA625}">
+      <dgm:prSet/>
+      <dgm:spPr/>
+      <dgm:t>
+        <a:bodyPr/>
+        <a:lstStyle/>
+        <a:p>
+          <a:pPr>
+            <a:lnSpc>
+              <a:spcPct val="100000"/>
+            </a:lnSpc>
+          </a:pPr>
+          <a:r>
+            <a:rPr lang="da-DK" dirty="0"/>
+            <a:t>Code </a:t>
+          </a:r>
+          <a:r>
+            <a:rPr lang="da-DK" dirty="0" err="1"/>
+            <a:t>almost</a:t>
+          </a:r>
+          <a:r>
+            <a:rPr lang="da-DK" dirty="0"/>
+            <a:t> running </a:t>
+          </a:r>
+          <a:endParaRPr lang="en-US" dirty="0"/>
+        </a:p>
+      </dgm:t>
+    </dgm:pt>
+    <dgm:pt modelId="{63228B08-BFEB-48F7-B1F4-FD4E3ED2D7D9}" type="parTrans" cxnId="{29ACF0F4-6704-4399-90A8-6AAB66CD80BC}">
+      <dgm:prSet/>
+      <dgm:spPr/>
+      <dgm:t>
+        <a:bodyPr/>
+        <a:lstStyle/>
+        <a:p>
+          <a:endParaRPr lang="en-US"/>
+        </a:p>
+      </dgm:t>
+    </dgm:pt>
+    <dgm:pt modelId="{D6D8D807-516D-4DFE-A88E-FD1237F77455}" type="sibTrans" cxnId="{29ACF0F4-6704-4399-90A8-6AAB66CD80BC}">
+      <dgm:prSet/>
+      <dgm:spPr/>
+      <dgm:t>
+        <a:bodyPr/>
+        <a:lstStyle/>
+        <a:p>
+          <a:endParaRPr lang="en-US"/>
+        </a:p>
+      </dgm:t>
+    </dgm:pt>
+    <dgm:pt modelId="{236218E4-1AD6-4E08-A570-BDE980D7D02A}">
+      <dgm:prSet/>
+      <dgm:spPr/>
+      <dgm:t>
+        <a:bodyPr/>
+        <a:lstStyle/>
+        <a:p>
+          <a:pPr>
+            <a:lnSpc>
+              <a:spcPct val="100000"/>
+            </a:lnSpc>
+          </a:pPr>
+          <a:r>
+            <a:rPr lang="da-DK" dirty="0" err="1"/>
+            <a:t>Finishing</a:t>
+          </a:r>
+          <a:r>
+            <a:rPr lang="da-DK" dirty="0"/>
+            <a:t> up the </a:t>
+          </a:r>
+          <a:r>
+            <a:rPr lang="da-DK" dirty="0" err="1"/>
+            <a:t>math</a:t>
+          </a:r>
+          <a:r>
+            <a:rPr lang="da-DK" dirty="0"/>
+            <a:t> </a:t>
+          </a:r>
+          <a:r>
+            <a:rPr lang="da-DK" dirty="0" err="1"/>
+            <a:t>aswell</a:t>
+          </a:r>
+          <a:endParaRPr lang="en-US" dirty="0"/>
+        </a:p>
+      </dgm:t>
+    </dgm:pt>
+    <dgm:pt modelId="{9F896C55-49D2-45AE-A6E3-C2714BA1D24A}" type="parTrans" cxnId="{616BE569-E1FD-4B54-A874-48A475AA8C51}">
+      <dgm:prSet/>
+      <dgm:spPr/>
+      <dgm:t>
+        <a:bodyPr/>
+        <a:lstStyle/>
+        <a:p>
+          <a:endParaRPr lang="en-US"/>
+        </a:p>
+      </dgm:t>
+    </dgm:pt>
+    <dgm:pt modelId="{B26E06D2-23B1-4FAA-8D41-31C9896089D4}" type="sibTrans" cxnId="{616BE569-E1FD-4B54-A874-48A475AA8C51}">
+      <dgm:prSet/>
+      <dgm:spPr/>
+      <dgm:t>
+        <a:bodyPr/>
+        <a:lstStyle/>
+        <a:p>
+          <a:endParaRPr lang="en-US"/>
+        </a:p>
+      </dgm:t>
+    </dgm:pt>
+    <dgm:pt modelId="{0638127A-7014-47D1-B1DE-C6BF575D7D44}">
+      <dgm:prSet/>
+      <dgm:spPr/>
+      <dgm:t>
+        <a:bodyPr/>
+        <a:lstStyle/>
+        <a:p>
+          <a:pPr>
+            <a:lnSpc>
+              <a:spcPct val="100000"/>
+            </a:lnSpc>
+            <a:defRPr b="1"/>
+          </a:pPr>
+          <a:r>
+            <a:rPr lang="en-US" dirty="0"/>
+            <a:t>To compare my results with empirics</a:t>
+          </a:r>
+        </a:p>
+      </dgm:t>
+    </dgm:pt>
+    <dgm:pt modelId="{4D9C8EA1-073C-4894-9D55-E20A75D174A8}" type="parTrans" cxnId="{4E522ED7-7BD5-45D8-8F05-EAB95F734C7F}">
+      <dgm:prSet/>
+      <dgm:spPr/>
+      <dgm:t>
+        <a:bodyPr/>
+        <a:lstStyle/>
+        <a:p>
+          <a:endParaRPr lang="en-US"/>
+        </a:p>
+      </dgm:t>
+    </dgm:pt>
+    <dgm:pt modelId="{0711B3D0-1C53-4A67-88E5-17C55B59C2EA}" type="sibTrans" cxnId="{4E522ED7-7BD5-45D8-8F05-EAB95F734C7F}">
+      <dgm:prSet/>
+      <dgm:spPr/>
+      <dgm:t>
+        <a:bodyPr/>
+        <a:lstStyle/>
+        <a:p>
+          <a:endParaRPr lang="en-US"/>
+        </a:p>
+      </dgm:t>
+    </dgm:pt>
+    <dgm:pt modelId="{DFED80FC-F87E-4FB4-B99A-992CDE29F99B}">
+      <dgm:prSet/>
+      <dgm:spPr/>
+      <dgm:t>
+        <a:bodyPr/>
+        <a:lstStyle/>
+        <a:p>
+          <a:pPr>
+            <a:lnSpc>
+              <a:spcPct val="100000"/>
+            </a:lnSpc>
+          </a:pPr>
+          <a:r>
+            <a:rPr lang="en-US" dirty="0"/>
+            <a:t>Moment matching (empirics vs. simulation)</a:t>
+          </a:r>
+        </a:p>
+      </dgm:t>
+    </dgm:pt>
+    <dgm:pt modelId="{16523A71-160E-4664-9CF1-3492F52BAD35}" type="parTrans" cxnId="{64A9122C-EB6C-4539-9D41-06D1C53662CA}">
+      <dgm:prSet/>
+      <dgm:spPr/>
+      <dgm:t>
+        <a:bodyPr/>
+        <a:lstStyle/>
+        <a:p>
+          <a:endParaRPr lang="en-US"/>
+        </a:p>
+      </dgm:t>
+    </dgm:pt>
+    <dgm:pt modelId="{6F2B2F89-857D-437E-A954-DCC8A1506612}" type="sibTrans" cxnId="{64A9122C-EB6C-4539-9D41-06D1C53662CA}">
+      <dgm:prSet/>
+      <dgm:spPr/>
+      <dgm:t>
+        <a:bodyPr/>
+        <a:lstStyle/>
+        <a:p>
+          <a:endParaRPr lang="en-US"/>
+        </a:p>
+      </dgm:t>
+    </dgm:pt>
+    <dgm:pt modelId="{6031BD0F-6591-467C-953F-BE87B25673AE}">
+      <dgm:prSet/>
+      <dgm:spPr/>
+      <dgm:t>
+        <a:bodyPr/>
+        <a:lstStyle/>
+        <a:p>
+          <a:pPr>
+            <a:lnSpc>
+              <a:spcPct val="100000"/>
+            </a:lnSpc>
+          </a:pPr>
+          <a:r>
+            <a:rPr lang="en-US" dirty="0"/>
+            <a:t>Distributional Analysis</a:t>
+          </a:r>
+        </a:p>
+      </dgm:t>
+    </dgm:pt>
+    <dgm:pt modelId="{55A5069E-FB87-4995-9F6F-0FB7EB4A40D3}" type="parTrans" cxnId="{BB19EB8C-60EF-4C98-89B0-CAFA8A190142}">
+      <dgm:prSet/>
+      <dgm:spPr/>
+      <dgm:t>
+        <a:bodyPr/>
+        <a:lstStyle/>
+        <a:p>
+          <a:endParaRPr lang="en-US"/>
+        </a:p>
+      </dgm:t>
+    </dgm:pt>
+    <dgm:pt modelId="{13CAB432-8E6B-4DBC-BBF6-59D66ED4EEC4}" type="sibTrans" cxnId="{BB19EB8C-60EF-4C98-89B0-CAFA8A190142}">
+      <dgm:prSet/>
+      <dgm:spPr/>
+      <dgm:t>
+        <a:bodyPr/>
+        <a:lstStyle/>
+        <a:p>
+          <a:endParaRPr lang="en-US"/>
+        </a:p>
+      </dgm:t>
+    </dgm:pt>
+    <dgm:pt modelId="{1B630384-71C8-4DE6-A060-798FBDE8B6F6}">
+      <dgm:prSet/>
+      <dgm:spPr/>
+      <dgm:t>
+        <a:bodyPr/>
+        <a:lstStyle/>
+        <a:p>
+          <a:pPr>
+            <a:lnSpc>
+              <a:spcPct val="100000"/>
+            </a:lnSpc>
+          </a:pPr>
+          <a:r>
+            <a:rPr lang="en-US" dirty="0"/>
+            <a:t>Use impulse response functions to identify the transmission from MP to household decisions</a:t>
+          </a:r>
+        </a:p>
+      </dgm:t>
+    </dgm:pt>
+    <dgm:pt modelId="{6C00D288-B30D-4958-897E-DC465B5AD19F}" type="parTrans" cxnId="{ADA7C702-2D4F-4A96-B1B3-84873B880738}">
+      <dgm:prSet/>
+      <dgm:spPr/>
+      <dgm:t>
+        <a:bodyPr/>
+        <a:lstStyle/>
+        <a:p>
+          <a:endParaRPr lang="en-US"/>
+        </a:p>
+      </dgm:t>
+    </dgm:pt>
+    <dgm:pt modelId="{A7015FB4-6C42-4062-B635-103ADB0C3451}" type="sibTrans" cxnId="{ADA7C702-2D4F-4A96-B1B3-84873B880738}">
+      <dgm:prSet/>
+      <dgm:spPr/>
+      <dgm:t>
+        <a:bodyPr/>
+        <a:lstStyle/>
+        <a:p>
+          <a:endParaRPr lang="en-US"/>
+        </a:p>
+      </dgm:t>
+    </dgm:pt>
+    <dgm:pt modelId="{6A768DC3-2DB2-482A-87F7-D8ADE376081E}" type="pres">
+      <dgm:prSet presAssocID="{E1065B04-6559-4D5D-BE7A-FC6EE4BAA95C}" presName="root" presStyleCnt="0">
+        <dgm:presLayoutVars>
+          <dgm:dir/>
+          <dgm:resizeHandles val="exact"/>
+        </dgm:presLayoutVars>
+      </dgm:prSet>
+      <dgm:spPr/>
+    </dgm:pt>
+    <dgm:pt modelId="{4FFE7279-27F0-4C4D-9D57-14FDA1E3F01B}" type="pres">
+      <dgm:prSet presAssocID="{B7844281-8F5C-447C-B439-A611A6103DB5}" presName="compNode" presStyleCnt="0"/>
+      <dgm:spPr/>
+    </dgm:pt>
+    <dgm:pt modelId="{34610F81-7BFE-45FC-A6A4-545874B78603}" type="pres">
+      <dgm:prSet presAssocID="{B7844281-8F5C-447C-B439-A611A6103DB5}" presName="iconRect" presStyleLbl="node1" presStyleIdx="0" presStyleCnt="2"/>
+      <dgm:spPr>
+        <a:blipFill>
+          <a:blip xmlns:r="http://schemas.openxmlformats.org/officeDocument/2006/relationships" r:embed="rId1">
+            <a:extLst>
+              <a:ext uri="{28A0092B-C50C-407E-A947-70E740481C1C}">
+                <a14:useLocalDpi xmlns:a14="http://schemas.microsoft.com/office/drawing/2010/main" val="0"/>
+              </a:ext>
+              <a:ext uri="{96DAC541-7B7A-43D3-8B79-37D633B846F1}">
+                <asvg:svgBlip xmlns:asvg="http://schemas.microsoft.com/office/drawing/2016/SVG/main" r:embed="rId2"/>
+              </a:ext>
+            </a:extLst>
+          </a:blip>
+          <a:stretch>
+            <a:fillRect/>
+          </a:stretch>
+        </a:blipFill>
+        <a:ln>
+          <a:noFill/>
+        </a:ln>
+      </dgm:spPr>
+      <dgm:extLst>
+        <a:ext uri="{E40237B7-FDA0-4F09-8148-C483321AD2D9}">
+          <dgm14:cNvPr xmlns:dgm14="http://schemas.microsoft.com/office/drawing/2010/diagram" id="0" name="" descr="Run"/>
+        </a:ext>
+      </dgm:extLst>
+    </dgm:pt>
+    <dgm:pt modelId="{6CC7EA34-1056-4D38-9562-90C1F56CA897}" type="pres">
+      <dgm:prSet presAssocID="{B7844281-8F5C-447C-B439-A611A6103DB5}" presName="iconSpace" presStyleCnt="0"/>
+      <dgm:spPr/>
+    </dgm:pt>
+    <dgm:pt modelId="{FB9DE218-2C1C-4005-9738-63B3F9250B25}" type="pres">
+      <dgm:prSet presAssocID="{B7844281-8F5C-447C-B439-A611A6103DB5}" presName="parTx" presStyleLbl="revTx" presStyleIdx="0" presStyleCnt="4">
+        <dgm:presLayoutVars>
+          <dgm:chMax val="0"/>
+          <dgm:chPref val="0"/>
+        </dgm:presLayoutVars>
+      </dgm:prSet>
+      <dgm:spPr/>
+    </dgm:pt>
+    <dgm:pt modelId="{A755131F-0D45-43DA-99BC-FC17E2AF256C}" type="pres">
+      <dgm:prSet presAssocID="{B7844281-8F5C-447C-B439-A611A6103DB5}" presName="txSpace" presStyleCnt="0"/>
+      <dgm:spPr/>
+    </dgm:pt>
+    <dgm:pt modelId="{45973419-6559-496E-9F8B-CE22DB3A0DE7}" type="pres">
+      <dgm:prSet presAssocID="{B7844281-8F5C-447C-B439-A611A6103DB5}" presName="desTx" presStyleLbl="revTx" presStyleIdx="1" presStyleCnt="4">
+        <dgm:presLayoutVars/>
+      </dgm:prSet>
+      <dgm:spPr/>
+    </dgm:pt>
+    <dgm:pt modelId="{99212D5B-20AF-44D6-9568-B355CDB67EB9}" type="pres">
+      <dgm:prSet presAssocID="{48F0E884-11C6-4111-A42A-C67F72B08FEF}" presName="sibTrans" presStyleCnt="0"/>
+      <dgm:spPr/>
+    </dgm:pt>
+    <dgm:pt modelId="{563AC782-4CDE-47C7-A215-5624A6B32FE7}" type="pres">
+      <dgm:prSet presAssocID="{0638127A-7014-47D1-B1DE-C6BF575D7D44}" presName="compNode" presStyleCnt="0"/>
+      <dgm:spPr/>
+    </dgm:pt>
+    <dgm:pt modelId="{48CF0324-C6D7-40F2-9DE3-F58C8EE32814}" type="pres">
+      <dgm:prSet presAssocID="{0638127A-7014-47D1-B1DE-C6BF575D7D44}" presName="iconRect" presStyleLbl="node1" presStyleIdx="1" presStyleCnt="2"/>
+      <dgm:spPr>
+        <a:blipFill>
+          <a:blip xmlns:r="http://schemas.openxmlformats.org/officeDocument/2006/relationships" r:embed="rId3">
+            <a:extLst>
+              <a:ext uri="{28A0092B-C50C-407E-A947-70E740481C1C}">
+                <a14:useLocalDpi xmlns:a14="http://schemas.microsoft.com/office/drawing/2010/main" val="0"/>
+              </a:ext>
+              <a:ext uri="{96DAC541-7B7A-43D3-8B79-37D633B846F1}">
+                <asvg:svgBlip xmlns:asvg="http://schemas.microsoft.com/office/drawing/2016/SVG/main" r:embed="rId4"/>
+              </a:ext>
+            </a:extLst>
+          </a:blip>
+          <a:stretch>
+            <a:fillRect/>
+          </a:stretch>
+        </a:blipFill>
+        <a:ln>
+          <a:noFill/>
+        </a:ln>
+      </dgm:spPr>
+      <dgm:extLst>
+        <a:ext uri="{E40237B7-FDA0-4F09-8148-C483321AD2D9}">
+          <dgm14:cNvPr xmlns:dgm14="http://schemas.microsoft.com/office/drawing/2010/diagram" id="0" name="" descr="Head with Gears"/>
+        </a:ext>
+      </dgm:extLst>
+    </dgm:pt>
+    <dgm:pt modelId="{DBBB7013-74CA-42AB-AEBD-62B813C082DE}" type="pres">
+      <dgm:prSet presAssocID="{0638127A-7014-47D1-B1DE-C6BF575D7D44}" presName="iconSpace" presStyleCnt="0"/>
+      <dgm:spPr/>
+    </dgm:pt>
+    <dgm:pt modelId="{283D19DE-A7B6-4E0E-9836-9D042E240DC7}" type="pres">
+      <dgm:prSet presAssocID="{0638127A-7014-47D1-B1DE-C6BF575D7D44}" presName="parTx" presStyleLbl="revTx" presStyleIdx="2" presStyleCnt="4">
+        <dgm:presLayoutVars>
+          <dgm:chMax val="0"/>
+          <dgm:chPref val="0"/>
+        </dgm:presLayoutVars>
+      </dgm:prSet>
+      <dgm:spPr/>
+    </dgm:pt>
+    <dgm:pt modelId="{38002B1B-1D99-480D-99ED-4D80C1BE548A}" type="pres">
+      <dgm:prSet presAssocID="{0638127A-7014-47D1-B1DE-C6BF575D7D44}" presName="txSpace" presStyleCnt="0"/>
+      <dgm:spPr/>
+    </dgm:pt>
+    <dgm:pt modelId="{F0572011-088A-4707-B0B1-1FD81E5E56B2}" type="pres">
+      <dgm:prSet presAssocID="{0638127A-7014-47D1-B1DE-C6BF575D7D44}" presName="desTx" presStyleLbl="revTx" presStyleIdx="3" presStyleCnt="4">
+        <dgm:presLayoutVars/>
+      </dgm:prSet>
+      <dgm:spPr/>
+    </dgm:pt>
+  </dgm:ptLst>
+  <dgm:cxnLst>
+    <dgm:cxn modelId="{ADA7C702-2D4F-4A96-B1B3-84873B880738}" srcId="{0638127A-7014-47D1-B1DE-C6BF575D7D44}" destId="{1B630384-71C8-4DE6-A060-798FBDE8B6F6}" srcOrd="2" destOrd="0" parTransId="{6C00D288-B30D-4958-897E-DC465B5AD19F}" sibTransId="{A7015FB4-6C42-4062-B635-103ADB0C3451}"/>
+    <dgm:cxn modelId="{AD9E4F0A-EB88-4724-85AC-0CBAB997270A}" type="presOf" srcId="{E1065B04-6559-4D5D-BE7A-FC6EE4BAA95C}" destId="{6A768DC3-2DB2-482A-87F7-D8ADE376081E}" srcOrd="0" destOrd="0" presId="urn:microsoft.com/office/officeart/2018/2/layout/IconLabelDescriptionList"/>
+    <dgm:cxn modelId="{A49A9F1B-2AE4-4024-AE39-37D3F883F99F}" type="presOf" srcId="{B7844281-8F5C-447C-B439-A611A6103DB5}" destId="{FB9DE218-2C1C-4005-9738-63B3F9250B25}" srcOrd="0" destOrd="0" presId="urn:microsoft.com/office/officeart/2018/2/layout/IconLabelDescriptionList"/>
+    <dgm:cxn modelId="{64A9122C-EB6C-4539-9D41-06D1C53662CA}" srcId="{0638127A-7014-47D1-B1DE-C6BF575D7D44}" destId="{DFED80FC-F87E-4FB4-B99A-992CDE29F99B}" srcOrd="0" destOrd="0" parTransId="{16523A71-160E-4664-9CF1-3492F52BAD35}" sibTransId="{6F2B2F89-857D-437E-A954-DCC8A1506612}"/>
+    <dgm:cxn modelId="{75B53338-D57D-4A54-9978-F437767F9D3F}" srcId="{E1065B04-6559-4D5D-BE7A-FC6EE4BAA95C}" destId="{B7844281-8F5C-447C-B439-A611A6103DB5}" srcOrd="0" destOrd="0" parTransId="{E7B30BAC-EBE7-409E-A52A-0F7556BC97F4}" sibTransId="{48F0E884-11C6-4111-A42A-C67F72B08FEF}"/>
+    <dgm:cxn modelId="{5037B35F-8B95-41F5-8264-D4A72C9D7D05}" type="presOf" srcId="{C3970ADE-F0F6-476B-A2A7-4F3BD02CA625}" destId="{45973419-6559-496E-9F8B-CE22DB3A0DE7}" srcOrd="0" destOrd="0" presId="urn:microsoft.com/office/officeart/2018/2/layout/IconLabelDescriptionList"/>
+    <dgm:cxn modelId="{8F24A769-F624-4645-8CD7-852487F230BA}" type="presOf" srcId="{DFED80FC-F87E-4FB4-B99A-992CDE29F99B}" destId="{F0572011-088A-4707-B0B1-1FD81E5E56B2}" srcOrd="0" destOrd="0" presId="urn:microsoft.com/office/officeart/2018/2/layout/IconLabelDescriptionList"/>
+    <dgm:cxn modelId="{616BE569-E1FD-4B54-A874-48A475AA8C51}" srcId="{B7844281-8F5C-447C-B439-A611A6103DB5}" destId="{236218E4-1AD6-4E08-A570-BDE980D7D02A}" srcOrd="1" destOrd="0" parTransId="{9F896C55-49D2-45AE-A6E3-C2714BA1D24A}" sibTransId="{B26E06D2-23B1-4FAA-8D41-31C9896089D4}"/>
+    <dgm:cxn modelId="{9F824D4A-51F6-4505-8E67-84D651F2F647}" type="presOf" srcId="{236218E4-1AD6-4E08-A570-BDE980D7D02A}" destId="{45973419-6559-496E-9F8B-CE22DB3A0DE7}" srcOrd="0" destOrd="1" presId="urn:microsoft.com/office/officeart/2018/2/layout/IconLabelDescriptionList"/>
+    <dgm:cxn modelId="{BB19EB8C-60EF-4C98-89B0-CAFA8A190142}" srcId="{0638127A-7014-47D1-B1DE-C6BF575D7D44}" destId="{6031BD0F-6591-467C-953F-BE87B25673AE}" srcOrd="1" destOrd="0" parTransId="{55A5069E-FB87-4995-9F6F-0FB7EB4A40D3}" sibTransId="{13CAB432-8E6B-4DBC-BBF6-59D66ED4EEC4}"/>
+    <dgm:cxn modelId="{F8F774BB-D7F1-47FF-B3FD-9068FF3A807F}" type="presOf" srcId="{0638127A-7014-47D1-B1DE-C6BF575D7D44}" destId="{283D19DE-A7B6-4E0E-9836-9D042E240DC7}" srcOrd="0" destOrd="0" presId="urn:microsoft.com/office/officeart/2018/2/layout/IconLabelDescriptionList"/>
+    <dgm:cxn modelId="{F6DD92C4-F8B9-4BA0-BA09-C210E7D4AC67}" type="presOf" srcId="{1B630384-71C8-4DE6-A060-798FBDE8B6F6}" destId="{F0572011-088A-4707-B0B1-1FD81E5E56B2}" srcOrd="0" destOrd="2" presId="urn:microsoft.com/office/officeart/2018/2/layout/IconLabelDescriptionList"/>
+    <dgm:cxn modelId="{14A495D1-5B2C-4473-A0C2-CADAE73AA266}" type="presOf" srcId="{6031BD0F-6591-467C-953F-BE87B25673AE}" destId="{F0572011-088A-4707-B0B1-1FD81E5E56B2}" srcOrd="0" destOrd="1" presId="urn:microsoft.com/office/officeart/2018/2/layout/IconLabelDescriptionList"/>
+    <dgm:cxn modelId="{4E522ED7-7BD5-45D8-8F05-EAB95F734C7F}" srcId="{E1065B04-6559-4D5D-BE7A-FC6EE4BAA95C}" destId="{0638127A-7014-47D1-B1DE-C6BF575D7D44}" srcOrd="1" destOrd="0" parTransId="{4D9C8EA1-073C-4894-9D55-E20A75D174A8}" sibTransId="{0711B3D0-1C53-4A67-88E5-17C55B59C2EA}"/>
+    <dgm:cxn modelId="{29ACF0F4-6704-4399-90A8-6AAB66CD80BC}" srcId="{B7844281-8F5C-447C-B439-A611A6103DB5}" destId="{C3970ADE-F0F6-476B-A2A7-4F3BD02CA625}" srcOrd="0" destOrd="0" parTransId="{63228B08-BFEB-48F7-B1F4-FD4E3ED2D7D9}" sibTransId="{D6D8D807-516D-4DFE-A88E-FD1237F77455}"/>
+    <dgm:cxn modelId="{D940AEA2-2E8F-49E9-A0A6-93DD63DF7FDA}" type="presParOf" srcId="{6A768DC3-2DB2-482A-87F7-D8ADE376081E}" destId="{4FFE7279-27F0-4C4D-9D57-14FDA1E3F01B}" srcOrd="0" destOrd="0" presId="urn:microsoft.com/office/officeart/2018/2/layout/IconLabelDescriptionList"/>
+    <dgm:cxn modelId="{0C13BAF2-B7B4-4794-8E58-B0EFCF04F4E8}" type="presParOf" srcId="{4FFE7279-27F0-4C4D-9D57-14FDA1E3F01B}" destId="{34610F81-7BFE-45FC-A6A4-545874B78603}" srcOrd="0" destOrd="0" presId="urn:microsoft.com/office/officeart/2018/2/layout/IconLabelDescriptionList"/>
+    <dgm:cxn modelId="{F178AB28-309E-4016-A2C6-5ADEC8D5E461}" type="presParOf" srcId="{4FFE7279-27F0-4C4D-9D57-14FDA1E3F01B}" destId="{6CC7EA34-1056-4D38-9562-90C1F56CA897}" srcOrd="1" destOrd="0" presId="urn:microsoft.com/office/officeart/2018/2/layout/IconLabelDescriptionList"/>
+    <dgm:cxn modelId="{422278D5-B653-4832-BF88-AECC1D6B801D}" type="presParOf" srcId="{4FFE7279-27F0-4C4D-9D57-14FDA1E3F01B}" destId="{FB9DE218-2C1C-4005-9738-63B3F9250B25}" srcOrd="2" destOrd="0" presId="urn:microsoft.com/office/officeart/2018/2/layout/IconLabelDescriptionList"/>
+    <dgm:cxn modelId="{17D8AF63-BF5B-4396-85E7-1C864A9939AA}" type="presParOf" srcId="{4FFE7279-27F0-4C4D-9D57-14FDA1E3F01B}" destId="{A755131F-0D45-43DA-99BC-FC17E2AF256C}" srcOrd="3" destOrd="0" presId="urn:microsoft.com/office/officeart/2018/2/layout/IconLabelDescriptionList"/>
+    <dgm:cxn modelId="{ADD8A89C-B1C0-4547-8A1A-E6898B712A19}" type="presParOf" srcId="{4FFE7279-27F0-4C4D-9D57-14FDA1E3F01B}" destId="{45973419-6559-496E-9F8B-CE22DB3A0DE7}" srcOrd="4" destOrd="0" presId="urn:microsoft.com/office/officeart/2018/2/layout/IconLabelDescriptionList"/>
+    <dgm:cxn modelId="{34440D6F-09D7-4151-BC8C-A5378632AD43}" type="presParOf" srcId="{6A768DC3-2DB2-482A-87F7-D8ADE376081E}" destId="{99212D5B-20AF-44D6-9568-B355CDB67EB9}" srcOrd="1" destOrd="0" presId="urn:microsoft.com/office/officeart/2018/2/layout/IconLabelDescriptionList"/>
+    <dgm:cxn modelId="{DD670959-201A-49C5-8068-AFFF3B95A018}" type="presParOf" srcId="{6A768DC3-2DB2-482A-87F7-D8ADE376081E}" destId="{563AC782-4CDE-47C7-A215-5624A6B32FE7}" srcOrd="2" destOrd="0" presId="urn:microsoft.com/office/officeart/2018/2/layout/IconLabelDescriptionList"/>
+    <dgm:cxn modelId="{985E3F08-79A0-4154-B6C8-67C875321EC7}" type="presParOf" srcId="{563AC782-4CDE-47C7-A215-5624A6B32FE7}" destId="{48CF0324-C6D7-40F2-9DE3-F58C8EE32814}" srcOrd="0" destOrd="0" presId="urn:microsoft.com/office/officeart/2018/2/layout/IconLabelDescriptionList"/>
+    <dgm:cxn modelId="{6ED7543F-6693-43B8-B338-AB223716BAF5}" type="presParOf" srcId="{563AC782-4CDE-47C7-A215-5624A6B32FE7}" destId="{DBBB7013-74CA-42AB-AEBD-62B813C082DE}" srcOrd="1" destOrd="0" presId="urn:microsoft.com/office/officeart/2018/2/layout/IconLabelDescriptionList"/>
+    <dgm:cxn modelId="{C35A5C87-50B1-4CA9-836A-8BF83C77C4B2}" type="presParOf" srcId="{563AC782-4CDE-47C7-A215-5624A6B32FE7}" destId="{283D19DE-A7B6-4E0E-9836-9D042E240DC7}" srcOrd="2" destOrd="0" presId="urn:microsoft.com/office/officeart/2018/2/layout/IconLabelDescriptionList"/>
+    <dgm:cxn modelId="{AA409204-B27F-4690-8097-E69BFD06FDFA}" type="presParOf" srcId="{563AC782-4CDE-47C7-A215-5624A6B32FE7}" destId="{38002B1B-1D99-480D-99ED-4D80C1BE548A}" srcOrd="3" destOrd="0" presId="urn:microsoft.com/office/officeart/2018/2/layout/IconLabelDescriptionList"/>
+    <dgm:cxn modelId="{841787B3-05C6-486F-9D45-3D5C472706C2}" type="presParOf" srcId="{563AC782-4CDE-47C7-A215-5624A6B32FE7}" destId="{F0572011-088A-4707-B0B1-1FD81E5E56B2}" srcOrd="4" destOrd="0" presId="urn:microsoft.com/office/officeart/2018/2/layout/IconLabelDescriptionList"/>
+  </dgm:cxnLst>
+  <dgm:bg/>
+  <dgm:whole/>
+  <dgm:extLst>
+    <a:ext uri="http://schemas.microsoft.com/office/drawing/2008/diagram">
+      <dsp:dataModelExt xmlns:dsp="http://schemas.microsoft.com/office/drawing/2008/diagram" relId="rId6" minVer="http://schemas.openxmlformats.org/drawingml/2006/diagram"/>
+    </a:ext>
+  </dgm:extLst>
+</dgm:dataModel>
+</file>
+
 <file path=ppt/diagrams/drawing1.xml><?xml version="1.0" encoding="utf-8"?>
 <dsp:drawing xmlns:dgm="http://schemas.openxmlformats.org/drawingml/2006/diagram" xmlns:dsp="http://schemas.microsoft.com/office/drawing/2008/diagram" xmlns:a="http://schemas.openxmlformats.org/drawingml/2006/main">
   <dsp:spTree>
@@ -1729,7 +2973,651 @@
 </dsp:drawing>
 </file>
 
+<file path=ppt/diagrams/drawing2.xml><?xml version="1.0" encoding="utf-8"?>
+<dsp:drawing xmlns:dgm="http://schemas.openxmlformats.org/drawingml/2006/diagram" xmlns:dsp="http://schemas.microsoft.com/office/drawing/2008/diagram" xmlns:a="http://schemas.openxmlformats.org/drawingml/2006/main">
+  <dsp:spTree>
+    <dsp:nvGrpSpPr>
+      <dsp:cNvPr id="0" name=""/>
+      <dsp:cNvGrpSpPr/>
+    </dsp:nvGrpSpPr>
+    <dsp:grpSpPr/>
+    <dsp:sp modelId="{34610F81-7BFE-45FC-A6A4-545874B78603}">
+      <dsp:nvSpPr>
+        <dsp:cNvPr id="0" name=""/>
+        <dsp:cNvSpPr/>
+      </dsp:nvSpPr>
+      <dsp:spPr>
+        <a:xfrm>
+          <a:off x="973343" y="262288"/>
+          <a:ext cx="1512000" cy="1512000"/>
+        </a:xfrm>
+        <a:prstGeom prst="rect">
+          <a:avLst/>
+        </a:prstGeom>
+        <a:blipFill>
+          <a:blip xmlns:r="http://schemas.openxmlformats.org/officeDocument/2006/relationships" r:embed="rId1">
+            <a:extLst>
+              <a:ext uri="{28A0092B-C50C-407E-A947-70E740481C1C}">
+                <a14:useLocalDpi xmlns:a14="http://schemas.microsoft.com/office/drawing/2010/main" val="0"/>
+              </a:ext>
+              <a:ext uri="{96DAC541-7B7A-43D3-8B79-37D633B846F1}">
+                <asvg:svgBlip xmlns:asvg="http://schemas.microsoft.com/office/drawing/2016/SVG/main" r:embed="rId2"/>
+              </a:ext>
+            </a:extLst>
+          </a:blip>
+          <a:stretch>
+            <a:fillRect/>
+          </a:stretch>
+        </a:blipFill>
+        <a:ln w="12700" cap="flat" cmpd="sng" algn="ctr">
+          <a:noFill/>
+          <a:prstDash val="solid"/>
+          <a:miter lim="800000"/>
+        </a:ln>
+        <a:effectLst/>
+      </dsp:spPr>
+      <dsp:style>
+        <a:lnRef idx="2">
+          <a:scrgbClr r="0" g="0" b="0"/>
+        </a:lnRef>
+        <a:fillRef idx="1">
+          <a:scrgbClr r="0" g="0" b="0"/>
+        </a:fillRef>
+        <a:effectRef idx="0">
+          <a:scrgbClr r="0" g="0" b="0"/>
+        </a:effectRef>
+        <a:fontRef idx="minor">
+          <a:schemeClr val="lt1"/>
+        </a:fontRef>
+      </dsp:style>
+    </dsp:sp>
+    <dsp:sp modelId="{FB9DE218-2C1C-4005-9738-63B3F9250B25}">
+      <dsp:nvSpPr>
+        <dsp:cNvPr id="0" name=""/>
+        <dsp:cNvSpPr/>
+      </dsp:nvSpPr>
+      <dsp:spPr>
+        <a:xfrm>
+          <a:off x="973343" y="1937491"/>
+          <a:ext cx="4320000" cy="648000"/>
+        </a:xfrm>
+        <a:prstGeom prst="rect">
+          <a:avLst/>
+        </a:prstGeom>
+        <a:noFill/>
+        <a:ln>
+          <a:noFill/>
+        </a:ln>
+        <a:effectLst/>
+      </dsp:spPr>
+      <dsp:style>
+        <a:lnRef idx="0">
+          <a:scrgbClr r="0" g="0" b="0"/>
+        </a:lnRef>
+        <a:fillRef idx="0">
+          <a:scrgbClr r="0" g="0" b="0"/>
+        </a:fillRef>
+        <a:effectRef idx="0">
+          <a:scrgbClr r="0" g="0" b="0"/>
+        </a:effectRef>
+        <a:fontRef idx="minor"/>
+      </dsp:style>
+      <dsp:txBody>
+        <a:bodyPr spcFirstLastPara="0" vert="horz" wrap="square" lIns="0" tIns="0" rIns="0" bIns="0" numCol="1" spcCol="1270" anchor="t" anchorCtr="0">
+          <a:noAutofit/>
+        </a:bodyPr>
+        <a:lstStyle/>
+        <a:p>
+          <a:pPr marL="0" lvl="0" indent="0" algn="l" defTabSz="933450">
+            <a:lnSpc>
+              <a:spcPct val="100000"/>
+            </a:lnSpc>
+            <a:spcBef>
+              <a:spcPct val="0"/>
+            </a:spcBef>
+            <a:spcAft>
+              <a:spcPct val="35000"/>
+            </a:spcAft>
+            <a:buNone/>
+            <a:defRPr b="1"/>
+          </a:pPr>
+          <a:r>
+            <a:rPr lang="da-DK" sz="2100" kern="1200"/>
+            <a:t>At the moment</a:t>
+          </a:r>
+          <a:endParaRPr lang="en-US" sz="2100" kern="1200"/>
+        </a:p>
+      </dsp:txBody>
+      <dsp:txXfrm>
+        <a:off x="973343" y="1937491"/>
+        <a:ext cx="4320000" cy="648000"/>
+      </dsp:txXfrm>
+    </dsp:sp>
+    <dsp:sp modelId="{45973419-6559-496E-9F8B-CE22DB3A0DE7}">
+      <dsp:nvSpPr>
+        <dsp:cNvPr id="0" name=""/>
+        <dsp:cNvSpPr/>
+      </dsp:nvSpPr>
+      <dsp:spPr>
+        <a:xfrm>
+          <a:off x="973343" y="2661400"/>
+          <a:ext cx="4320000" cy="1396310"/>
+        </a:xfrm>
+        <a:prstGeom prst="rect">
+          <a:avLst/>
+        </a:prstGeom>
+        <a:noFill/>
+        <a:ln>
+          <a:noFill/>
+        </a:ln>
+        <a:effectLst/>
+      </dsp:spPr>
+      <dsp:style>
+        <a:lnRef idx="0">
+          <a:scrgbClr r="0" g="0" b="0"/>
+        </a:lnRef>
+        <a:fillRef idx="0">
+          <a:scrgbClr r="0" g="0" b="0"/>
+        </a:fillRef>
+        <a:effectRef idx="0">
+          <a:scrgbClr r="0" g="0" b="0"/>
+        </a:effectRef>
+        <a:fontRef idx="minor"/>
+      </dsp:style>
+      <dsp:txBody>
+        <a:bodyPr spcFirstLastPara="0" vert="horz" wrap="square" lIns="0" tIns="0" rIns="0" bIns="0" numCol="1" spcCol="1270" anchor="t" anchorCtr="0">
+          <a:noAutofit/>
+        </a:bodyPr>
+        <a:lstStyle/>
+        <a:p>
+          <a:pPr marL="0" lvl="0" indent="0" algn="l" defTabSz="711200">
+            <a:lnSpc>
+              <a:spcPct val="100000"/>
+            </a:lnSpc>
+            <a:spcBef>
+              <a:spcPct val="0"/>
+            </a:spcBef>
+            <a:spcAft>
+              <a:spcPct val="35000"/>
+            </a:spcAft>
+            <a:buNone/>
+          </a:pPr>
+          <a:r>
+            <a:rPr lang="da-DK" sz="1600" kern="1200" dirty="0"/>
+            <a:t>Code </a:t>
+          </a:r>
+          <a:r>
+            <a:rPr lang="da-DK" sz="1600" kern="1200" dirty="0" err="1"/>
+            <a:t>almost</a:t>
+          </a:r>
+          <a:r>
+            <a:rPr lang="da-DK" sz="1600" kern="1200" dirty="0"/>
+            <a:t> running </a:t>
+          </a:r>
+          <a:endParaRPr lang="en-US" sz="1600" kern="1200" dirty="0"/>
+        </a:p>
+        <a:p>
+          <a:pPr marL="0" lvl="0" indent="0" algn="l" defTabSz="711200">
+            <a:lnSpc>
+              <a:spcPct val="100000"/>
+            </a:lnSpc>
+            <a:spcBef>
+              <a:spcPct val="0"/>
+            </a:spcBef>
+            <a:spcAft>
+              <a:spcPct val="35000"/>
+            </a:spcAft>
+            <a:buNone/>
+          </a:pPr>
+          <a:r>
+            <a:rPr lang="da-DK" sz="1600" kern="1200" dirty="0" err="1"/>
+            <a:t>Finishing</a:t>
+          </a:r>
+          <a:r>
+            <a:rPr lang="da-DK" sz="1600" kern="1200" dirty="0"/>
+            <a:t> up the </a:t>
+          </a:r>
+          <a:r>
+            <a:rPr lang="da-DK" sz="1600" kern="1200" dirty="0" err="1"/>
+            <a:t>math</a:t>
+          </a:r>
+          <a:r>
+            <a:rPr lang="da-DK" sz="1600" kern="1200" dirty="0"/>
+            <a:t> </a:t>
+          </a:r>
+          <a:r>
+            <a:rPr lang="da-DK" sz="1600" kern="1200" dirty="0" err="1"/>
+            <a:t>aswell</a:t>
+          </a:r>
+          <a:endParaRPr lang="en-US" sz="1600" kern="1200" dirty="0"/>
+        </a:p>
+      </dsp:txBody>
+      <dsp:txXfrm>
+        <a:off x="973343" y="2661400"/>
+        <a:ext cx="4320000" cy="1396310"/>
+      </dsp:txXfrm>
+    </dsp:sp>
+    <dsp:sp modelId="{48CF0324-C6D7-40F2-9DE3-F58C8EE32814}">
+      <dsp:nvSpPr>
+        <dsp:cNvPr id="0" name=""/>
+        <dsp:cNvSpPr/>
+      </dsp:nvSpPr>
+      <dsp:spPr>
+        <a:xfrm>
+          <a:off x="6049343" y="262288"/>
+          <a:ext cx="1512000" cy="1512000"/>
+        </a:xfrm>
+        <a:prstGeom prst="rect">
+          <a:avLst/>
+        </a:prstGeom>
+        <a:blipFill>
+          <a:blip xmlns:r="http://schemas.openxmlformats.org/officeDocument/2006/relationships" r:embed="rId3">
+            <a:extLst>
+              <a:ext uri="{28A0092B-C50C-407E-A947-70E740481C1C}">
+                <a14:useLocalDpi xmlns:a14="http://schemas.microsoft.com/office/drawing/2010/main" val="0"/>
+              </a:ext>
+              <a:ext uri="{96DAC541-7B7A-43D3-8B79-37D633B846F1}">
+                <asvg:svgBlip xmlns:asvg="http://schemas.microsoft.com/office/drawing/2016/SVG/main" r:embed="rId4"/>
+              </a:ext>
+            </a:extLst>
+          </a:blip>
+          <a:stretch>
+            <a:fillRect/>
+          </a:stretch>
+        </a:blipFill>
+        <a:ln w="12700" cap="flat" cmpd="sng" algn="ctr">
+          <a:noFill/>
+          <a:prstDash val="solid"/>
+          <a:miter lim="800000"/>
+        </a:ln>
+        <a:effectLst/>
+      </dsp:spPr>
+      <dsp:style>
+        <a:lnRef idx="2">
+          <a:scrgbClr r="0" g="0" b="0"/>
+        </a:lnRef>
+        <a:fillRef idx="1">
+          <a:scrgbClr r="0" g="0" b="0"/>
+        </a:fillRef>
+        <a:effectRef idx="0">
+          <a:scrgbClr r="0" g="0" b="0"/>
+        </a:effectRef>
+        <a:fontRef idx="minor">
+          <a:schemeClr val="lt1"/>
+        </a:fontRef>
+      </dsp:style>
+    </dsp:sp>
+    <dsp:sp modelId="{283D19DE-A7B6-4E0E-9836-9D042E240DC7}">
+      <dsp:nvSpPr>
+        <dsp:cNvPr id="0" name=""/>
+        <dsp:cNvSpPr/>
+      </dsp:nvSpPr>
+      <dsp:spPr>
+        <a:xfrm>
+          <a:off x="6049343" y="1937491"/>
+          <a:ext cx="4320000" cy="648000"/>
+        </a:xfrm>
+        <a:prstGeom prst="rect">
+          <a:avLst/>
+        </a:prstGeom>
+        <a:noFill/>
+        <a:ln>
+          <a:noFill/>
+        </a:ln>
+        <a:effectLst/>
+      </dsp:spPr>
+      <dsp:style>
+        <a:lnRef idx="0">
+          <a:scrgbClr r="0" g="0" b="0"/>
+        </a:lnRef>
+        <a:fillRef idx="0">
+          <a:scrgbClr r="0" g="0" b="0"/>
+        </a:fillRef>
+        <a:effectRef idx="0">
+          <a:scrgbClr r="0" g="0" b="0"/>
+        </a:effectRef>
+        <a:fontRef idx="minor"/>
+      </dsp:style>
+      <dsp:txBody>
+        <a:bodyPr spcFirstLastPara="0" vert="horz" wrap="square" lIns="0" tIns="0" rIns="0" bIns="0" numCol="1" spcCol="1270" anchor="t" anchorCtr="0">
+          <a:noAutofit/>
+        </a:bodyPr>
+        <a:lstStyle/>
+        <a:p>
+          <a:pPr marL="0" lvl="0" indent="0" algn="l" defTabSz="933450">
+            <a:lnSpc>
+              <a:spcPct val="100000"/>
+            </a:lnSpc>
+            <a:spcBef>
+              <a:spcPct val="0"/>
+            </a:spcBef>
+            <a:spcAft>
+              <a:spcPct val="35000"/>
+            </a:spcAft>
+            <a:buNone/>
+            <a:defRPr b="1"/>
+          </a:pPr>
+          <a:r>
+            <a:rPr lang="en-US" sz="2100" kern="1200" dirty="0"/>
+            <a:t>To compare my results with empirics</a:t>
+          </a:r>
+        </a:p>
+      </dsp:txBody>
+      <dsp:txXfrm>
+        <a:off x="6049343" y="1937491"/>
+        <a:ext cx="4320000" cy="648000"/>
+      </dsp:txXfrm>
+    </dsp:sp>
+    <dsp:sp modelId="{F0572011-088A-4707-B0B1-1FD81E5E56B2}">
+      <dsp:nvSpPr>
+        <dsp:cNvPr id="0" name=""/>
+        <dsp:cNvSpPr/>
+      </dsp:nvSpPr>
+      <dsp:spPr>
+        <a:xfrm>
+          <a:off x="6049343" y="2661400"/>
+          <a:ext cx="4320000" cy="1396310"/>
+        </a:xfrm>
+        <a:prstGeom prst="rect">
+          <a:avLst/>
+        </a:prstGeom>
+        <a:noFill/>
+        <a:ln>
+          <a:noFill/>
+        </a:ln>
+        <a:effectLst/>
+      </dsp:spPr>
+      <dsp:style>
+        <a:lnRef idx="0">
+          <a:scrgbClr r="0" g="0" b="0"/>
+        </a:lnRef>
+        <a:fillRef idx="0">
+          <a:scrgbClr r="0" g="0" b="0"/>
+        </a:fillRef>
+        <a:effectRef idx="0">
+          <a:scrgbClr r="0" g="0" b="0"/>
+        </a:effectRef>
+        <a:fontRef idx="minor"/>
+      </dsp:style>
+      <dsp:txBody>
+        <a:bodyPr spcFirstLastPara="0" vert="horz" wrap="square" lIns="0" tIns="0" rIns="0" bIns="0" numCol="1" spcCol="1270" anchor="t" anchorCtr="0">
+          <a:noAutofit/>
+        </a:bodyPr>
+        <a:lstStyle/>
+        <a:p>
+          <a:pPr marL="0" lvl="0" indent="0" algn="l" defTabSz="711200">
+            <a:lnSpc>
+              <a:spcPct val="100000"/>
+            </a:lnSpc>
+            <a:spcBef>
+              <a:spcPct val="0"/>
+            </a:spcBef>
+            <a:spcAft>
+              <a:spcPct val="35000"/>
+            </a:spcAft>
+            <a:buNone/>
+          </a:pPr>
+          <a:r>
+            <a:rPr lang="en-US" sz="1600" kern="1200" dirty="0"/>
+            <a:t>Moment matching (empirics vs. simulation)</a:t>
+          </a:r>
+        </a:p>
+        <a:p>
+          <a:pPr marL="0" lvl="0" indent="0" algn="l" defTabSz="711200">
+            <a:lnSpc>
+              <a:spcPct val="100000"/>
+            </a:lnSpc>
+            <a:spcBef>
+              <a:spcPct val="0"/>
+            </a:spcBef>
+            <a:spcAft>
+              <a:spcPct val="35000"/>
+            </a:spcAft>
+            <a:buNone/>
+          </a:pPr>
+          <a:r>
+            <a:rPr lang="en-US" sz="1600" kern="1200" dirty="0"/>
+            <a:t>Distributional Analysis</a:t>
+          </a:r>
+        </a:p>
+        <a:p>
+          <a:pPr marL="0" lvl="0" indent="0" algn="l" defTabSz="711200">
+            <a:lnSpc>
+              <a:spcPct val="100000"/>
+            </a:lnSpc>
+            <a:spcBef>
+              <a:spcPct val="0"/>
+            </a:spcBef>
+            <a:spcAft>
+              <a:spcPct val="35000"/>
+            </a:spcAft>
+            <a:buNone/>
+          </a:pPr>
+          <a:r>
+            <a:rPr lang="en-US" sz="1600" kern="1200" dirty="0"/>
+            <a:t>Use impulse response functions to identify the transmission from MP to household decisions</a:t>
+          </a:r>
+        </a:p>
+      </dsp:txBody>
+      <dsp:txXfrm>
+        <a:off x="6049343" y="2661400"/>
+        <a:ext cx="4320000" cy="1396310"/>
+      </dsp:txXfrm>
+    </dsp:sp>
+  </dsp:spTree>
+</dsp:drawing>
+</file>
+
 <file path=ppt/diagrams/layout1.xml><?xml version="1.0" encoding="utf-8"?>
+<dgm:layoutDef xmlns:dgm="http://schemas.openxmlformats.org/drawingml/2006/diagram" xmlns:a="http://schemas.openxmlformats.org/drawingml/2006/main" uniqueId="urn:microsoft.com/office/officeart/2018/2/layout/IconLabelDescriptionList">
+  <dgm:title val="Icon Label Description List"/>
+  <dgm:desc val="Use to show non-sequential or grouped chunks of information. The placeholder holds an icon or small picture, and corresponding text boxes show Level 1 and Level 2 text respectively. Works well for minimal Level 1 text accompanied by lengthier Level two text."/>
+  <dgm:catLst>
+    <dgm:cat type="icon" pri="500"/>
+  </dgm:catLst>
+  <dgm:sampData useDef="1">
+    <dgm:dataModel>
+      <dgm:ptLst/>
+      <dgm:bg/>
+      <dgm:whole/>
+    </dgm:dataModel>
+  </dgm:sampData>
+  <dgm:styleData useDef="1">
+    <dgm:dataModel>
+      <dgm:ptLst/>
+      <dgm:bg/>
+      <dgm:whole/>
+    </dgm:dataModel>
+  </dgm:styleData>
+  <dgm:clrData useDef="1">
+    <dgm:dataModel>
+      <dgm:ptLst/>
+      <dgm:bg/>
+      <dgm:whole/>
+    </dgm:dataModel>
+  </dgm:clrData>
+  <dgm:layoutNode name="root">
+    <dgm:varLst>
+      <dgm:dir/>
+      <dgm:resizeHandles val="exact"/>
+    </dgm:varLst>
+    <dgm:choose name="Name0">
+      <dgm:if name="Name1" axis="self" func="var" arg="dir" op="equ" val="norm">
+        <dgm:alg type="lin"/>
+      </dgm:if>
+      <dgm:else name="Name2">
+        <dgm:alg type="lin">
+          <dgm:param type="linDir" val="fromR"/>
+        </dgm:alg>
+      </dgm:else>
+    </dgm:choose>
+    <dgm:shape xmlns:r="http://schemas.openxmlformats.org/officeDocument/2006/relationships" r:blip="">
+      <dgm:adjLst/>
+    </dgm:shape>
+    <dgm:presOf/>
+    <dgm:constrLst>
+      <dgm:constr type="h" for="ch" forName="compNode" refType="h" fact="0.45"/>
+      <dgm:constr type="w" for="ch" forName="compNode" val="120"/>
+      <dgm:constr type="w" for="ch" forName="sibTrans" refType="w" refFor="ch" refForName="compNode" fact="0.175"/>
+      <dgm:constr type="primFontSz" for="des" forName="parTx" val="36"/>
+      <dgm:constr type="primFontSz" for="des" forName="desTx" refType="primFontSz" refFor="des" refForName="parTx" op="lte" fact="0.75"/>
+      <dgm:constr type="h" for="des" forName="compNode" op="equ"/>
+      <dgm:constr type="h" for="des" forName="iconRect" op="equ"/>
+      <dgm:constr type="w" for="des" forName="iconRect" op="equ"/>
+      <dgm:constr type="h" for="des" forName="iconSpace" op="equ"/>
+      <dgm:constr type="h" for="des" forName="parTx" op="equ"/>
+      <dgm:constr type="h" for="des" forName="txSpace" op="equ"/>
+      <dgm:constr type="h" for="des" forName="desTx" op="equ"/>
+    </dgm:constrLst>
+    <dgm:ruleLst>
+      <dgm:rule type="w" for="ch" forName="compNode" val="0" fact="NaN" max="NaN"/>
+    </dgm:ruleLst>
+    <dgm:forEach name="Name3" axis="ch" ptType="node">
+      <dgm:layoutNode name="compNode">
+        <dgm:alg type="composite"/>
+        <dgm:shape xmlns:r="http://schemas.openxmlformats.org/officeDocument/2006/relationships" r:blip="">
+          <dgm:adjLst/>
+        </dgm:shape>
+        <dgm:presOf axis="self"/>
+        <dgm:constrLst>
+          <dgm:constr type="w" for="ch" forName="iconRect" refType="w" fact="0.35"/>
+          <dgm:constr type="h" for="ch" forName="iconRect" refType="w" refFor="ch" refForName="iconRect"/>
+          <dgm:constr type="l" for="ch" forName="iconRect"/>
+          <dgm:constr type="t" for="ch" forName="iconRect"/>
+          <dgm:constr type="w" for="ch" forName="iconSpace" refType="w"/>
+          <dgm:constr type="h" for="ch" forName="iconSpace" refType="h" fact="0.043"/>
+          <dgm:constr type="l" for="ch" forName="iconSpace"/>
+          <dgm:constr type="t" for="ch" forName="iconSpace" refType="b" refFor="ch" refForName="iconRect"/>
+          <dgm:constr type="w" for="ch" forName="parTx" refType="w"/>
+          <dgm:constr type="h" for="ch" forName="parTx" refType="w" fact="0.15"/>
+          <dgm:constr type="l" for="ch" forName="parTx"/>
+          <dgm:constr type="t" for="ch" forName="parTx" refType="b" refFor="ch" refForName="iconSpace"/>
+          <dgm:constr type="h" for="ch" forName="txSpace" refType="h" fact="0.02"/>
+          <dgm:constr type="w" for="ch" forName="txSpace" refType="w"/>
+          <dgm:constr type="l" for="ch" forName="txSpace"/>
+          <dgm:constr type="t" for="ch" forName="txSpace" refType="b" refFor="ch" refForName="parTx"/>
+          <dgm:constr type="w" for="ch" forName="desTx" refType="w"/>
+          <dgm:constr type="l" for="ch" forName="desTx"/>
+          <dgm:constr type="t" for="ch" forName="desTx" refType="b" refFor="ch" refForName="txSpace"/>
+        </dgm:constrLst>
+        <dgm:ruleLst>
+          <dgm:rule type="h" val="INF" fact="NaN" max="NaN"/>
+        </dgm:ruleLst>
+        <dgm:layoutNode name="iconRect" styleLbl="node1">
+          <dgm:alg type="sp"/>
+          <dgm:shape xmlns:r="http://schemas.openxmlformats.org/officeDocument/2006/relationships" type="rect" r:blip="" blipPhldr="1">
+            <dgm:adjLst/>
+          </dgm:shape>
+          <dgm:presOf/>
+          <dgm:constrLst/>
+          <dgm:ruleLst/>
+        </dgm:layoutNode>
+        <dgm:layoutNode name="iconSpace">
+          <dgm:alg type="sp"/>
+          <dgm:shape xmlns:r="http://schemas.openxmlformats.org/officeDocument/2006/relationships" r:blip="">
+            <dgm:adjLst/>
+          </dgm:shape>
+          <dgm:presOf/>
+          <dgm:constrLst/>
+          <dgm:ruleLst/>
+        </dgm:layoutNode>
+        <dgm:layoutNode name="parTx" styleLbl="revTx">
+          <dgm:varLst>
+            <dgm:chMax val="0"/>
+            <dgm:chPref val="0"/>
+          </dgm:varLst>
+          <dgm:alg type="tx">
+            <dgm:param type="txAnchorVert" val="t"/>
+            <dgm:param type="parTxLTRAlign" val="l"/>
+            <dgm:param type="shpTxLTRAlignCh" val="l"/>
+            <dgm:param type="parTxRTLAlign" val="r"/>
+            <dgm:param type="shpTxRTLAlignCh" val="r"/>
+          </dgm:alg>
+          <dgm:shape xmlns:r="http://schemas.openxmlformats.org/officeDocument/2006/relationships" type="rect" r:blip="">
+            <dgm:adjLst/>
+          </dgm:shape>
+          <dgm:presOf axis="self" ptType="node"/>
+          <dgm:constrLst>
+            <dgm:constr type="lMarg"/>
+            <dgm:constr type="rMarg"/>
+            <dgm:constr type="tMarg"/>
+            <dgm:constr type="bMarg"/>
+          </dgm:constrLst>
+          <dgm:ruleLst>
+            <dgm:rule type="primFontSz" val="14" fact="NaN" max="NaN"/>
+            <dgm:rule type="h" val="INF" fact="NaN" max="NaN"/>
+          </dgm:ruleLst>
+        </dgm:layoutNode>
+        <dgm:layoutNode name="txSpace">
+          <dgm:alg type="sp"/>
+          <dgm:shape xmlns:r="http://schemas.openxmlformats.org/officeDocument/2006/relationships" r:blip="">
+            <dgm:adjLst/>
+          </dgm:shape>
+          <dgm:presOf/>
+          <dgm:constrLst/>
+          <dgm:ruleLst/>
+        </dgm:layoutNode>
+        <dgm:layoutNode name="desTx" styleLbl="revTx">
+          <dgm:varLst/>
+          <dgm:alg type="tx">
+            <dgm:param type="stBulletLvl" val="0"/>
+            <dgm:param type="txAnchorVert" val="t"/>
+            <dgm:param type="parTxLTRAlign" val="l"/>
+            <dgm:param type="shpTxLTRAlignCh" val="l"/>
+            <dgm:param type="parTxRTLAlign" val="r"/>
+            <dgm:param type="shpTxRTLAlignCh" val="r"/>
+          </dgm:alg>
+          <dgm:shape xmlns:r="http://schemas.openxmlformats.org/officeDocument/2006/relationships" type="rect" r:blip="">
+            <dgm:adjLst/>
+          </dgm:shape>
+          <dgm:presOf axis="des" ptType="node"/>
+          <dgm:constrLst>
+            <dgm:constr type="secFontSz" refType="primFontSz"/>
+            <dgm:constr type="lMarg"/>
+            <dgm:constr type="rMarg"/>
+            <dgm:constr type="tMarg"/>
+            <dgm:constr type="bMarg"/>
+          </dgm:constrLst>
+          <dgm:ruleLst>
+            <dgm:rule type="primFontSz" val="NaN" fact="NaN" max="17"/>
+            <dgm:rule type="h" val="INF" fact="NaN" max="NaN"/>
+          </dgm:ruleLst>
+        </dgm:layoutNode>
+      </dgm:layoutNode>
+      <dgm:forEach name="Name4" axis="followSib" ptType="sibTrans" cnt="1">
+        <dgm:layoutNode name="sibTrans">
+          <dgm:alg type="sp"/>
+          <dgm:shape xmlns:r="http://schemas.openxmlformats.org/officeDocument/2006/relationships" r:blip="">
+            <dgm:adjLst/>
+          </dgm:shape>
+          <dgm:presOf axis="self"/>
+          <dgm:constrLst/>
+          <dgm:ruleLst/>
+        </dgm:layoutNode>
+      </dgm:forEach>
+    </dgm:forEach>
+  </dgm:layoutNode>
+  <dgm:extLst>
+    <a:ext uri="{68A01E43-0DF5-4B5B-8FA6-DAF915123BFB}">
+      <dgm1612:lstStyle xmlns:dgm1612="http://schemas.microsoft.com/office/drawing/2016/12/diagram">
+        <a:lvl1pPr>
+          <a:lnSpc>
+            <a:spcPct val="100000"/>
+          </a:lnSpc>
+          <a:defRPr b="1"/>
+        </a:lvl1pPr>
+        <a:lvl2pPr>
+          <a:lnSpc>
+            <a:spcPct val="100000"/>
+          </a:lnSpc>
+        </a:lvl2pPr>
+      </dgm1612:lstStyle>
+    </a:ext>
+  </dgm:extLst>
+</dgm:layoutDef>
+</file>
+
+<file path=ppt/diagrams/layout2.xml><?xml version="1.0" encoding="utf-8"?>
 <dgm:layoutDef xmlns:dgm="http://schemas.openxmlformats.org/drawingml/2006/diagram" xmlns:a="http://schemas.openxmlformats.org/drawingml/2006/main" uniqueId="urn:microsoft.com/office/officeart/2018/2/layout/IconLabelDescriptionList">
   <dgm:title val="Icon Label Description List"/>
   <dgm:desc val="Use to show non-sequential or grouped chunks of information. The placeholder holds an icon or small picture, and corresponding text boxes show Level 1 and Level 2 text respectively. Works well for minimal Level 1 text accompanied by lengthier Level two text."/>
@@ -2972,6 +4860,1040 @@
 </dgm:styleDef>
 </file>
 
+<file path=ppt/diagrams/quickStyle2.xml><?xml version="1.0" encoding="utf-8"?>
+<dgm:styleDef xmlns:dgm="http://schemas.openxmlformats.org/drawingml/2006/diagram" xmlns:a="http://schemas.openxmlformats.org/drawingml/2006/main" uniqueId="urn:microsoft.com/office/officeart/2005/8/quickstyle/simple1">
+  <dgm:title val=""/>
+  <dgm:desc val=""/>
+  <dgm:catLst>
+    <dgm:cat type="simple" pri="10100"/>
+  </dgm:catLst>
+  <dgm:scene3d>
+    <a:camera prst="orthographicFront"/>
+    <a:lightRig rig="threePt" dir="t"/>
+  </dgm:scene3d>
+  <dgm:styleLbl name="node0">
+    <dgm:scene3d>
+      <a:camera prst="orthographicFront"/>
+      <a:lightRig rig="threePt" dir="t"/>
+    </dgm:scene3d>
+    <dgm:sp3d/>
+    <dgm:txPr/>
+    <dgm:style>
+      <a:lnRef idx="2">
+        <a:scrgbClr r="0" g="0" b="0"/>
+      </a:lnRef>
+      <a:fillRef idx="1">
+        <a:scrgbClr r="0" g="0" b="0"/>
+      </a:fillRef>
+      <a:effectRef idx="0">
+        <a:scrgbClr r="0" g="0" b="0"/>
+      </a:effectRef>
+      <a:fontRef idx="minor">
+        <a:schemeClr val="lt1"/>
+      </a:fontRef>
+    </dgm:style>
+  </dgm:styleLbl>
+  <dgm:styleLbl name="lnNode1">
+    <dgm:scene3d>
+      <a:camera prst="orthographicFront"/>
+      <a:lightRig rig="threePt" dir="t"/>
+    </dgm:scene3d>
+    <dgm:sp3d/>
+    <dgm:txPr/>
+    <dgm:style>
+      <a:lnRef idx="2">
+        <a:scrgbClr r="0" g="0" b="0"/>
+      </a:lnRef>
+      <a:fillRef idx="1">
+        <a:scrgbClr r="0" g="0" b="0"/>
+      </a:fillRef>
+      <a:effectRef idx="0">
+        <a:scrgbClr r="0" g="0" b="0"/>
+      </a:effectRef>
+      <a:fontRef idx="minor">
+        <a:schemeClr val="lt1"/>
+      </a:fontRef>
+    </dgm:style>
+  </dgm:styleLbl>
+  <dgm:styleLbl name="vennNode1">
+    <dgm:scene3d>
+      <a:camera prst="orthographicFront"/>
+      <a:lightRig rig="threePt" dir="t"/>
+    </dgm:scene3d>
+    <dgm:sp3d/>
+    <dgm:txPr/>
+    <dgm:style>
+      <a:lnRef idx="2">
+        <a:scrgbClr r="0" g="0" b="0"/>
+      </a:lnRef>
+      <a:fillRef idx="1">
+        <a:scrgbClr r="0" g="0" b="0"/>
+      </a:fillRef>
+      <a:effectRef idx="0">
+        <a:scrgbClr r="0" g="0" b="0"/>
+      </a:effectRef>
+      <a:fontRef idx="minor">
+        <a:schemeClr val="tx1"/>
+      </a:fontRef>
+    </dgm:style>
+  </dgm:styleLbl>
+  <dgm:styleLbl name="alignNode1">
+    <dgm:scene3d>
+      <a:camera prst="orthographicFront"/>
+      <a:lightRig rig="threePt" dir="t"/>
+    </dgm:scene3d>
+    <dgm:sp3d/>
+    <dgm:txPr/>
+    <dgm:style>
+      <a:lnRef idx="2">
+        <a:scrgbClr r="0" g="0" b="0"/>
+      </a:lnRef>
+      <a:fillRef idx="1">
+        <a:scrgbClr r="0" g="0" b="0"/>
+      </a:fillRef>
+      <a:effectRef idx="0">
+        <a:scrgbClr r="0" g="0" b="0"/>
+      </a:effectRef>
+      <a:fontRef idx="minor">
+        <a:schemeClr val="lt1"/>
+      </a:fontRef>
+    </dgm:style>
+  </dgm:styleLbl>
+  <dgm:styleLbl name="node1">
+    <dgm:scene3d>
+      <a:camera prst="orthographicFront"/>
+      <a:lightRig rig="threePt" dir="t"/>
+    </dgm:scene3d>
+    <dgm:sp3d/>
+    <dgm:txPr/>
+    <dgm:style>
+      <a:lnRef idx="2">
+        <a:scrgbClr r="0" g="0" b="0"/>
+      </a:lnRef>
+      <a:fillRef idx="1">
+        <a:scrgbClr r="0" g="0" b="0"/>
+      </a:fillRef>
+      <a:effectRef idx="0">
+        <a:scrgbClr r="0" g="0" b="0"/>
+      </a:effectRef>
+      <a:fontRef idx="minor">
+        <a:schemeClr val="lt1"/>
+      </a:fontRef>
+    </dgm:style>
+  </dgm:styleLbl>
+  <dgm:styleLbl name="node2">
+    <dgm:scene3d>
+      <a:camera prst="orthographicFront"/>
+      <a:lightRig rig="threePt" dir="t"/>
+    </dgm:scene3d>
+    <dgm:sp3d/>
+    <dgm:txPr/>
+    <dgm:style>
+      <a:lnRef idx="2">
+        <a:scrgbClr r="0" g="0" b="0"/>
+      </a:lnRef>
+      <a:fillRef idx="1">
+        <a:scrgbClr r="0" g="0" b="0"/>
+      </a:fillRef>
+      <a:effectRef idx="0">
+        <a:scrgbClr r="0" g="0" b="0"/>
+      </a:effectRef>
+      <a:fontRef idx="minor">
+        <a:schemeClr val="lt1"/>
+      </a:fontRef>
+    </dgm:style>
+  </dgm:styleLbl>
+  <dgm:styleLbl name="node3">
+    <dgm:scene3d>
+      <a:camera prst="orthographicFront"/>
+      <a:lightRig rig="threePt" dir="t"/>
+    </dgm:scene3d>
+    <dgm:sp3d/>
+    <dgm:txPr/>
+    <dgm:style>
+      <a:lnRef idx="2">
+        <a:scrgbClr r="0" g="0" b="0"/>
+      </a:lnRef>
+      <a:fillRef idx="1">
+        <a:scrgbClr r="0" g="0" b="0"/>
+      </a:fillRef>
+      <a:effectRef idx="0">
+        <a:scrgbClr r="0" g="0" b="0"/>
+      </a:effectRef>
+      <a:fontRef idx="minor">
+        <a:schemeClr val="lt1"/>
+      </a:fontRef>
+    </dgm:style>
+  </dgm:styleLbl>
+  <dgm:styleLbl name="node4">
+    <dgm:scene3d>
+      <a:camera prst="orthographicFront"/>
+      <a:lightRig rig="threePt" dir="t"/>
+    </dgm:scene3d>
+    <dgm:sp3d/>
+    <dgm:txPr/>
+    <dgm:style>
+      <a:lnRef idx="2">
+        <a:scrgbClr r="0" g="0" b="0"/>
+      </a:lnRef>
+      <a:fillRef idx="1">
+        <a:scrgbClr r="0" g="0" b="0"/>
+      </a:fillRef>
+      <a:effectRef idx="0">
+        <a:scrgbClr r="0" g="0" b="0"/>
+      </a:effectRef>
+      <a:fontRef idx="minor">
+        <a:schemeClr val="lt1"/>
+      </a:fontRef>
+    </dgm:style>
+  </dgm:styleLbl>
+  <dgm:styleLbl name="fgImgPlace1">
+    <dgm:scene3d>
+      <a:camera prst="orthographicFront"/>
+      <a:lightRig rig="threePt" dir="t"/>
+    </dgm:scene3d>
+    <dgm:sp3d/>
+    <dgm:txPr/>
+    <dgm:style>
+      <a:lnRef idx="2">
+        <a:scrgbClr r="0" g="0" b="0"/>
+      </a:lnRef>
+      <a:fillRef idx="1">
+        <a:scrgbClr r="0" g="0" b="0"/>
+      </a:fillRef>
+      <a:effectRef idx="0">
+        <a:scrgbClr r="0" g="0" b="0"/>
+      </a:effectRef>
+      <a:fontRef idx="minor"/>
+    </dgm:style>
+  </dgm:styleLbl>
+  <dgm:styleLbl name="alignImgPlace1">
+    <dgm:scene3d>
+      <a:camera prst="orthographicFront"/>
+      <a:lightRig rig="threePt" dir="t"/>
+    </dgm:scene3d>
+    <dgm:sp3d/>
+    <dgm:txPr/>
+    <dgm:style>
+      <a:lnRef idx="2">
+        <a:scrgbClr r="0" g="0" b="0"/>
+      </a:lnRef>
+      <a:fillRef idx="1">
+        <a:scrgbClr r="0" g="0" b="0"/>
+      </a:fillRef>
+      <a:effectRef idx="0">
+        <a:scrgbClr r="0" g="0" b="0"/>
+      </a:effectRef>
+      <a:fontRef idx="minor"/>
+    </dgm:style>
+  </dgm:styleLbl>
+  <dgm:styleLbl name="bgImgPlace1">
+    <dgm:scene3d>
+      <a:camera prst="orthographicFront"/>
+      <a:lightRig rig="threePt" dir="t"/>
+    </dgm:scene3d>
+    <dgm:sp3d/>
+    <dgm:txPr/>
+    <dgm:style>
+      <a:lnRef idx="2">
+        <a:scrgbClr r="0" g="0" b="0"/>
+      </a:lnRef>
+      <a:fillRef idx="1">
+        <a:scrgbClr r="0" g="0" b="0"/>
+      </a:fillRef>
+      <a:effectRef idx="0">
+        <a:scrgbClr r="0" g="0" b="0"/>
+      </a:effectRef>
+      <a:fontRef idx="minor"/>
+    </dgm:style>
+  </dgm:styleLbl>
+  <dgm:styleLbl name="sibTrans2D1">
+    <dgm:scene3d>
+      <a:camera prst="orthographicFront"/>
+      <a:lightRig rig="threePt" dir="t"/>
+    </dgm:scene3d>
+    <dgm:sp3d/>
+    <dgm:txPr/>
+    <dgm:style>
+      <a:lnRef idx="0">
+        <a:scrgbClr r="0" g="0" b="0"/>
+      </a:lnRef>
+      <a:fillRef idx="1">
+        <a:scrgbClr r="0" g="0" b="0"/>
+      </a:fillRef>
+      <a:effectRef idx="0">
+        <a:scrgbClr r="0" g="0" b="0"/>
+      </a:effectRef>
+      <a:fontRef idx="minor">
+        <a:schemeClr val="lt1"/>
+      </a:fontRef>
+    </dgm:style>
+  </dgm:styleLbl>
+  <dgm:styleLbl name="fgSibTrans2D1">
+    <dgm:scene3d>
+      <a:camera prst="orthographicFront"/>
+      <a:lightRig rig="threePt" dir="t"/>
+    </dgm:scene3d>
+    <dgm:sp3d/>
+    <dgm:txPr/>
+    <dgm:style>
+      <a:lnRef idx="0">
+        <a:scrgbClr r="0" g="0" b="0"/>
+      </a:lnRef>
+      <a:fillRef idx="1">
+        <a:scrgbClr r="0" g="0" b="0"/>
+      </a:fillRef>
+      <a:effectRef idx="0">
+        <a:scrgbClr r="0" g="0" b="0"/>
+      </a:effectRef>
+      <a:fontRef idx="minor">
+        <a:schemeClr val="lt1"/>
+      </a:fontRef>
+    </dgm:style>
+  </dgm:styleLbl>
+  <dgm:styleLbl name="bgSibTrans2D1">
+    <dgm:scene3d>
+      <a:camera prst="orthographicFront"/>
+      <a:lightRig rig="threePt" dir="t"/>
+    </dgm:scene3d>
+    <dgm:sp3d/>
+    <dgm:txPr/>
+    <dgm:style>
+      <a:lnRef idx="0">
+        <a:scrgbClr r="0" g="0" b="0"/>
+      </a:lnRef>
+      <a:fillRef idx="1">
+        <a:scrgbClr r="0" g="0" b="0"/>
+      </a:fillRef>
+      <a:effectRef idx="0">
+        <a:scrgbClr r="0" g="0" b="0"/>
+      </a:effectRef>
+      <a:fontRef idx="minor">
+        <a:schemeClr val="lt1"/>
+      </a:fontRef>
+    </dgm:style>
+  </dgm:styleLbl>
+  <dgm:styleLbl name="sibTrans1D1">
+    <dgm:scene3d>
+      <a:camera prst="orthographicFront"/>
+      <a:lightRig rig="threePt" dir="t"/>
+    </dgm:scene3d>
+    <dgm:sp3d/>
+    <dgm:txPr/>
+    <dgm:style>
+      <a:lnRef idx="1">
+        <a:scrgbClr r="0" g="0" b="0"/>
+      </a:lnRef>
+      <a:fillRef idx="0">
+        <a:scrgbClr r="0" g="0" b="0"/>
+      </a:fillRef>
+      <a:effectRef idx="0">
+        <a:scrgbClr r="0" g="0" b="0"/>
+      </a:effectRef>
+      <a:fontRef idx="minor"/>
+    </dgm:style>
+  </dgm:styleLbl>
+  <dgm:styleLbl name="callout">
+    <dgm:scene3d>
+      <a:camera prst="orthographicFront"/>
+      <a:lightRig rig="threePt" dir="t"/>
+    </dgm:scene3d>
+    <dgm:sp3d/>
+    <dgm:txPr/>
+    <dgm:style>
+      <a:lnRef idx="2">
+        <a:scrgbClr r="0" g="0" b="0"/>
+      </a:lnRef>
+      <a:fillRef idx="1">
+        <a:scrgbClr r="0" g="0" b="0"/>
+      </a:fillRef>
+      <a:effectRef idx="0">
+        <a:scrgbClr r="0" g="0" b="0"/>
+      </a:effectRef>
+      <a:fontRef idx="minor"/>
+    </dgm:style>
+  </dgm:styleLbl>
+  <dgm:styleLbl name="asst0">
+    <dgm:scene3d>
+      <a:camera prst="orthographicFront"/>
+      <a:lightRig rig="threePt" dir="t"/>
+    </dgm:scene3d>
+    <dgm:sp3d/>
+    <dgm:txPr/>
+    <dgm:style>
+      <a:lnRef idx="2">
+        <a:scrgbClr r="0" g="0" b="0"/>
+      </a:lnRef>
+      <a:fillRef idx="1">
+        <a:scrgbClr r="0" g="0" b="0"/>
+      </a:fillRef>
+      <a:effectRef idx="0">
+        <a:scrgbClr r="0" g="0" b="0"/>
+      </a:effectRef>
+      <a:fontRef idx="minor">
+        <a:schemeClr val="lt1"/>
+      </a:fontRef>
+    </dgm:style>
+  </dgm:styleLbl>
+  <dgm:styleLbl name="asst1">
+    <dgm:scene3d>
+      <a:camera prst="orthographicFront"/>
+      <a:lightRig rig="threePt" dir="t"/>
+    </dgm:scene3d>
+    <dgm:sp3d/>
+    <dgm:txPr/>
+    <dgm:style>
+      <a:lnRef idx="2">
+        <a:scrgbClr r="0" g="0" b="0"/>
+      </a:lnRef>
+      <a:fillRef idx="1">
+        <a:scrgbClr r="0" g="0" b="0"/>
+      </a:fillRef>
+      <a:effectRef idx="0">
+        <a:scrgbClr r="0" g="0" b="0"/>
+      </a:effectRef>
+      <a:fontRef idx="minor">
+        <a:schemeClr val="lt1"/>
+      </a:fontRef>
+    </dgm:style>
+  </dgm:styleLbl>
+  <dgm:styleLbl name="asst2">
+    <dgm:scene3d>
+      <a:camera prst="orthographicFront"/>
+      <a:lightRig rig="threePt" dir="t"/>
+    </dgm:scene3d>
+    <dgm:sp3d/>
+    <dgm:txPr/>
+    <dgm:style>
+      <a:lnRef idx="2">
+        <a:scrgbClr r="0" g="0" b="0"/>
+      </a:lnRef>
+      <a:fillRef idx="1">
+        <a:scrgbClr r="0" g="0" b="0"/>
+      </a:fillRef>
+      <a:effectRef idx="0">
+        <a:scrgbClr r="0" g="0" b="0"/>
+      </a:effectRef>
+      <a:fontRef idx="minor">
+        <a:schemeClr val="lt1"/>
+      </a:fontRef>
+    </dgm:style>
+  </dgm:styleLbl>
+  <dgm:styleLbl name="asst3">
+    <dgm:scene3d>
+      <a:camera prst="orthographicFront"/>
+      <a:lightRig rig="threePt" dir="t"/>
+    </dgm:scene3d>
+    <dgm:sp3d/>
+    <dgm:txPr/>
+    <dgm:style>
+      <a:lnRef idx="2">
+        <a:scrgbClr r="0" g="0" b="0"/>
+      </a:lnRef>
+      <a:fillRef idx="1">
+        <a:scrgbClr r="0" g="0" b="0"/>
+      </a:fillRef>
+      <a:effectRef idx="0">
+        <a:scrgbClr r="0" g="0" b="0"/>
+      </a:effectRef>
+      <a:fontRef idx="minor">
+        <a:schemeClr val="lt1"/>
+      </a:fontRef>
+    </dgm:style>
+  </dgm:styleLbl>
+  <dgm:styleLbl name="asst4">
+    <dgm:scene3d>
+      <a:camera prst="orthographicFront"/>
+      <a:lightRig rig="threePt" dir="t"/>
+    </dgm:scene3d>
+    <dgm:sp3d/>
+    <dgm:txPr/>
+    <dgm:style>
+      <a:lnRef idx="2">
+        <a:scrgbClr r="0" g="0" b="0"/>
+      </a:lnRef>
+      <a:fillRef idx="1">
+        <a:scrgbClr r="0" g="0" b="0"/>
+      </a:fillRef>
+      <a:effectRef idx="0">
+        <a:scrgbClr r="0" g="0" b="0"/>
+      </a:effectRef>
+      <a:fontRef idx="minor">
+        <a:schemeClr val="lt1"/>
+      </a:fontRef>
+    </dgm:style>
+  </dgm:styleLbl>
+  <dgm:styleLbl name="parChTrans2D1">
+    <dgm:scene3d>
+      <a:camera prst="orthographicFront"/>
+      <a:lightRig rig="threePt" dir="t"/>
+    </dgm:scene3d>
+    <dgm:sp3d/>
+    <dgm:txPr/>
+    <dgm:style>
+      <a:lnRef idx="2">
+        <a:scrgbClr r="0" g="0" b="0"/>
+      </a:lnRef>
+      <a:fillRef idx="1">
+        <a:scrgbClr r="0" g="0" b="0"/>
+      </a:fillRef>
+      <a:effectRef idx="0">
+        <a:scrgbClr r="0" g="0" b="0"/>
+      </a:effectRef>
+      <a:fontRef idx="minor">
+        <a:schemeClr val="lt1"/>
+      </a:fontRef>
+    </dgm:style>
+  </dgm:styleLbl>
+  <dgm:styleLbl name="parChTrans2D2">
+    <dgm:scene3d>
+      <a:camera prst="orthographicFront"/>
+      <a:lightRig rig="threePt" dir="t"/>
+    </dgm:scene3d>
+    <dgm:sp3d/>
+    <dgm:txPr/>
+    <dgm:style>
+      <a:lnRef idx="2">
+        <a:scrgbClr r="0" g="0" b="0"/>
+      </a:lnRef>
+      <a:fillRef idx="1">
+        <a:scrgbClr r="0" g="0" b="0"/>
+      </a:fillRef>
+      <a:effectRef idx="0">
+        <a:scrgbClr r="0" g="0" b="0"/>
+      </a:effectRef>
+      <a:fontRef idx="minor">
+        <a:schemeClr val="lt1"/>
+      </a:fontRef>
+    </dgm:style>
+  </dgm:styleLbl>
+  <dgm:styleLbl name="parChTrans2D3">
+    <dgm:scene3d>
+      <a:camera prst="orthographicFront"/>
+      <a:lightRig rig="threePt" dir="t"/>
+    </dgm:scene3d>
+    <dgm:sp3d/>
+    <dgm:txPr/>
+    <dgm:style>
+      <a:lnRef idx="2">
+        <a:scrgbClr r="0" g="0" b="0"/>
+      </a:lnRef>
+      <a:fillRef idx="1">
+        <a:scrgbClr r="0" g="0" b="0"/>
+      </a:fillRef>
+      <a:effectRef idx="0">
+        <a:scrgbClr r="0" g="0" b="0"/>
+      </a:effectRef>
+      <a:fontRef idx="minor">
+        <a:schemeClr val="lt1"/>
+      </a:fontRef>
+    </dgm:style>
+  </dgm:styleLbl>
+  <dgm:styleLbl name="parChTrans2D4">
+    <dgm:scene3d>
+      <a:camera prst="orthographicFront"/>
+      <a:lightRig rig="threePt" dir="t"/>
+    </dgm:scene3d>
+    <dgm:sp3d/>
+    <dgm:txPr/>
+    <dgm:style>
+      <a:lnRef idx="2">
+        <a:scrgbClr r="0" g="0" b="0"/>
+      </a:lnRef>
+      <a:fillRef idx="1">
+        <a:scrgbClr r="0" g="0" b="0"/>
+      </a:fillRef>
+      <a:effectRef idx="0">
+        <a:scrgbClr r="0" g="0" b="0"/>
+      </a:effectRef>
+      <a:fontRef idx="minor">
+        <a:schemeClr val="lt1"/>
+      </a:fontRef>
+    </dgm:style>
+  </dgm:styleLbl>
+  <dgm:styleLbl name="parChTrans1D1">
+    <dgm:scene3d>
+      <a:camera prst="orthographicFront"/>
+      <a:lightRig rig="threePt" dir="t"/>
+    </dgm:scene3d>
+    <dgm:sp3d/>
+    <dgm:txPr/>
+    <dgm:style>
+      <a:lnRef idx="2">
+        <a:scrgbClr r="0" g="0" b="0"/>
+      </a:lnRef>
+      <a:fillRef idx="0">
+        <a:scrgbClr r="0" g="0" b="0"/>
+      </a:fillRef>
+      <a:effectRef idx="0">
+        <a:scrgbClr r="0" g="0" b="0"/>
+      </a:effectRef>
+      <a:fontRef idx="minor"/>
+    </dgm:style>
+  </dgm:styleLbl>
+  <dgm:styleLbl name="parChTrans1D2">
+    <dgm:scene3d>
+      <a:camera prst="orthographicFront"/>
+      <a:lightRig rig="threePt" dir="t"/>
+    </dgm:scene3d>
+    <dgm:sp3d/>
+    <dgm:txPr/>
+    <dgm:style>
+      <a:lnRef idx="2">
+        <a:scrgbClr r="0" g="0" b="0"/>
+      </a:lnRef>
+      <a:fillRef idx="0">
+        <a:scrgbClr r="0" g="0" b="0"/>
+      </a:fillRef>
+      <a:effectRef idx="0">
+        <a:scrgbClr r="0" g="0" b="0"/>
+      </a:effectRef>
+      <a:fontRef idx="minor"/>
+    </dgm:style>
+  </dgm:styleLbl>
+  <dgm:styleLbl name="parChTrans1D3">
+    <dgm:scene3d>
+      <a:camera prst="orthographicFront"/>
+      <a:lightRig rig="threePt" dir="t"/>
+    </dgm:scene3d>
+    <dgm:sp3d/>
+    <dgm:txPr/>
+    <dgm:style>
+      <a:lnRef idx="2">
+        <a:scrgbClr r="0" g="0" b="0"/>
+      </a:lnRef>
+      <a:fillRef idx="0">
+        <a:scrgbClr r="0" g="0" b="0"/>
+      </a:fillRef>
+      <a:effectRef idx="0">
+        <a:scrgbClr r="0" g="0" b="0"/>
+      </a:effectRef>
+      <a:fontRef idx="minor"/>
+    </dgm:style>
+  </dgm:styleLbl>
+  <dgm:styleLbl name="parChTrans1D4">
+    <dgm:scene3d>
+      <a:camera prst="orthographicFront"/>
+      <a:lightRig rig="threePt" dir="t"/>
+    </dgm:scene3d>
+    <dgm:sp3d/>
+    <dgm:txPr/>
+    <dgm:style>
+      <a:lnRef idx="2">
+        <a:scrgbClr r="0" g="0" b="0"/>
+      </a:lnRef>
+      <a:fillRef idx="0">
+        <a:scrgbClr r="0" g="0" b="0"/>
+      </a:fillRef>
+      <a:effectRef idx="0">
+        <a:scrgbClr r="0" g="0" b="0"/>
+      </a:effectRef>
+      <a:fontRef idx="minor"/>
+    </dgm:style>
+  </dgm:styleLbl>
+  <dgm:styleLbl name="fgAcc1">
+    <dgm:scene3d>
+      <a:camera prst="orthographicFront"/>
+      <a:lightRig rig="threePt" dir="t"/>
+    </dgm:scene3d>
+    <dgm:sp3d/>
+    <dgm:txPr/>
+    <dgm:style>
+      <a:lnRef idx="2">
+        <a:scrgbClr r="0" g="0" b="0"/>
+      </a:lnRef>
+      <a:fillRef idx="1">
+        <a:scrgbClr r="0" g="0" b="0"/>
+      </a:fillRef>
+      <a:effectRef idx="0">
+        <a:scrgbClr r="0" g="0" b="0"/>
+      </a:effectRef>
+      <a:fontRef idx="minor"/>
+    </dgm:style>
+  </dgm:styleLbl>
+  <dgm:styleLbl name="conFgAcc1">
+    <dgm:scene3d>
+      <a:camera prst="orthographicFront"/>
+      <a:lightRig rig="threePt" dir="t"/>
+    </dgm:scene3d>
+    <dgm:sp3d/>
+    <dgm:txPr/>
+    <dgm:style>
+      <a:lnRef idx="2">
+        <a:scrgbClr r="0" g="0" b="0"/>
+      </a:lnRef>
+      <a:fillRef idx="1">
+        <a:scrgbClr r="0" g="0" b="0"/>
+      </a:fillRef>
+      <a:effectRef idx="0">
+        <a:scrgbClr r="0" g="0" b="0"/>
+      </a:effectRef>
+      <a:fontRef idx="minor"/>
+    </dgm:style>
+  </dgm:styleLbl>
+  <dgm:styleLbl name="alignAcc1">
+    <dgm:scene3d>
+      <a:camera prst="orthographicFront"/>
+      <a:lightRig rig="threePt" dir="t"/>
+    </dgm:scene3d>
+    <dgm:sp3d/>
+    <dgm:txPr/>
+    <dgm:style>
+      <a:lnRef idx="2">
+        <a:scrgbClr r="0" g="0" b="0"/>
+      </a:lnRef>
+      <a:fillRef idx="1">
+        <a:scrgbClr r="0" g="0" b="0"/>
+      </a:fillRef>
+      <a:effectRef idx="0">
+        <a:scrgbClr r="0" g="0" b="0"/>
+      </a:effectRef>
+      <a:fontRef idx="minor"/>
+    </dgm:style>
+  </dgm:styleLbl>
+  <dgm:styleLbl name="trAlignAcc1">
+    <dgm:scene3d>
+      <a:camera prst="orthographicFront"/>
+      <a:lightRig rig="threePt" dir="t"/>
+    </dgm:scene3d>
+    <dgm:sp3d/>
+    <dgm:txPr/>
+    <dgm:style>
+      <a:lnRef idx="1">
+        <a:scrgbClr r="0" g="0" b="0"/>
+      </a:lnRef>
+      <a:fillRef idx="1">
+        <a:scrgbClr r="0" g="0" b="0"/>
+      </a:fillRef>
+      <a:effectRef idx="0">
+        <a:scrgbClr r="0" g="0" b="0"/>
+      </a:effectRef>
+      <a:fontRef idx="minor"/>
+    </dgm:style>
+  </dgm:styleLbl>
+  <dgm:styleLbl name="bgAcc1">
+    <dgm:scene3d>
+      <a:camera prst="orthographicFront"/>
+      <a:lightRig rig="threePt" dir="t"/>
+    </dgm:scene3d>
+    <dgm:sp3d/>
+    <dgm:txPr/>
+    <dgm:style>
+      <a:lnRef idx="2">
+        <a:scrgbClr r="0" g="0" b="0"/>
+      </a:lnRef>
+      <a:fillRef idx="1">
+        <a:scrgbClr r="0" g="0" b="0"/>
+      </a:fillRef>
+      <a:effectRef idx="0">
+        <a:scrgbClr r="0" g="0" b="0"/>
+      </a:effectRef>
+      <a:fontRef idx="minor"/>
+    </dgm:style>
+  </dgm:styleLbl>
+  <dgm:styleLbl name="solidFgAcc1">
+    <dgm:scene3d>
+      <a:camera prst="orthographicFront"/>
+      <a:lightRig rig="threePt" dir="t"/>
+    </dgm:scene3d>
+    <dgm:sp3d/>
+    <dgm:txPr/>
+    <dgm:style>
+      <a:lnRef idx="2">
+        <a:scrgbClr r="0" g="0" b="0"/>
+      </a:lnRef>
+      <a:fillRef idx="1">
+        <a:scrgbClr r="0" g="0" b="0"/>
+      </a:fillRef>
+      <a:effectRef idx="0">
+        <a:scrgbClr r="0" g="0" b="0"/>
+      </a:effectRef>
+      <a:fontRef idx="minor"/>
+    </dgm:style>
+  </dgm:styleLbl>
+  <dgm:styleLbl name="solidAlignAcc1">
+    <dgm:scene3d>
+      <a:camera prst="orthographicFront"/>
+      <a:lightRig rig="threePt" dir="t"/>
+    </dgm:scene3d>
+    <dgm:sp3d/>
+    <dgm:txPr/>
+    <dgm:style>
+      <a:lnRef idx="2">
+        <a:scrgbClr r="0" g="0" b="0"/>
+      </a:lnRef>
+      <a:fillRef idx="1">
+        <a:scrgbClr r="0" g="0" b="0"/>
+      </a:fillRef>
+      <a:effectRef idx="0">
+        <a:scrgbClr r="0" g="0" b="0"/>
+      </a:effectRef>
+      <a:fontRef idx="minor"/>
+    </dgm:style>
+  </dgm:styleLbl>
+  <dgm:styleLbl name="solidBgAcc1">
+    <dgm:scene3d>
+      <a:camera prst="orthographicFront"/>
+      <a:lightRig rig="threePt" dir="t"/>
+    </dgm:scene3d>
+    <dgm:sp3d/>
+    <dgm:txPr/>
+    <dgm:style>
+      <a:lnRef idx="2">
+        <a:scrgbClr r="0" g="0" b="0"/>
+      </a:lnRef>
+      <a:fillRef idx="1">
+        <a:scrgbClr r="0" g="0" b="0"/>
+      </a:fillRef>
+      <a:effectRef idx="0">
+        <a:scrgbClr r="0" g="0" b="0"/>
+      </a:effectRef>
+      <a:fontRef idx="minor"/>
+    </dgm:style>
+  </dgm:styleLbl>
+  <dgm:styleLbl name="fgAccFollowNode1">
+    <dgm:scene3d>
+      <a:camera prst="orthographicFront"/>
+      <a:lightRig rig="threePt" dir="t"/>
+    </dgm:scene3d>
+    <dgm:sp3d/>
+    <dgm:txPr/>
+    <dgm:style>
+      <a:lnRef idx="2">
+        <a:scrgbClr r="0" g="0" b="0"/>
+      </a:lnRef>
+      <a:fillRef idx="1">
+        <a:scrgbClr r="0" g="0" b="0"/>
+      </a:fillRef>
+      <a:effectRef idx="0">
+        <a:scrgbClr r="0" g="0" b="0"/>
+      </a:effectRef>
+      <a:fontRef idx="minor"/>
+    </dgm:style>
+  </dgm:styleLbl>
+  <dgm:styleLbl name="alignAccFollowNode1">
+    <dgm:scene3d>
+      <a:camera prst="orthographicFront"/>
+      <a:lightRig rig="threePt" dir="t"/>
+    </dgm:scene3d>
+    <dgm:sp3d/>
+    <dgm:txPr/>
+    <dgm:style>
+      <a:lnRef idx="2">
+        <a:scrgbClr r="0" g="0" b="0"/>
+      </a:lnRef>
+      <a:fillRef idx="1">
+        <a:scrgbClr r="0" g="0" b="0"/>
+      </a:fillRef>
+      <a:effectRef idx="0">
+        <a:scrgbClr r="0" g="0" b="0"/>
+      </a:effectRef>
+      <a:fontRef idx="minor"/>
+    </dgm:style>
+  </dgm:styleLbl>
+  <dgm:styleLbl name="bgAccFollowNode1">
+    <dgm:scene3d>
+      <a:camera prst="orthographicFront"/>
+      <a:lightRig rig="threePt" dir="t"/>
+    </dgm:scene3d>
+    <dgm:sp3d/>
+    <dgm:txPr/>
+    <dgm:style>
+      <a:lnRef idx="2">
+        <a:scrgbClr r="0" g="0" b="0"/>
+      </a:lnRef>
+      <a:fillRef idx="1">
+        <a:scrgbClr r="0" g="0" b="0"/>
+      </a:fillRef>
+      <a:effectRef idx="0">
+        <a:scrgbClr r="0" g="0" b="0"/>
+      </a:effectRef>
+      <a:fontRef idx="minor"/>
+    </dgm:style>
+  </dgm:styleLbl>
+  <dgm:styleLbl name="fgAcc0">
+    <dgm:scene3d>
+      <a:camera prst="orthographicFront"/>
+      <a:lightRig rig="threePt" dir="t"/>
+    </dgm:scene3d>
+    <dgm:sp3d/>
+    <dgm:txPr/>
+    <dgm:style>
+      <a:lnRef idx="2">
+        <a:scrgbClr r="0" g="0" b="0"/>
+      </a:lnRef>
+      <a:fillRef idx="1">
+        <a:scrgbClr r="0" g="0" b="0"/>
+      </a:fillRef>
+      <a:effectRef idx="0">
+        <a:scrgbClr r="0" g="0" b="0"/>
+      </a:effectRef>
+      <a:fontRef idx="minor"/>
+    </dgm:style>
+  </dgm:styleLbl>
+  <dgm:styleLbl name="fgAcc2">
+    <dgm:scene3d>
+      <a:camera prst="orthographicFront"/>
+      <a:lightRig rig="threePt" dir="t"/>
+    </dgm:scene3d>
+    <dgm:sp3d/>
+    <dgm:txPr/>
+    <dgm:style>
+      <a:lnRef idx="2">
+        <a:scrgbClr r="0" g="0" b="0"/>
+      </a:lnRef>
+      <a:fillRef idx="1">
+        <a:scrgbClr r="0" g="0" b="0"/>
+      </a:fillRef>
+      <a:effectRef idx="0">
+        <a:scrgbClr r="0" g="0" b="0"/>
+      </a:effectRef>
+      <a:fontRef idx="minor"/>
+    </dgm:style>
+  </dgm:styleLbl>
+  <dgm:styleLbl name="fgAcc3">
+    <dgm:scene3d>
+      <a:camera prst="orthographicFront"/>
+      <a:lightRig rig="threePt" dir="t"/>
+    </dgm:scene3d>
+    <dgm:sp3d/>
+    <dgm:txPr/>
+    <dgm:style>
+      <a:lnRef idx="2">
+        <a:scrgbClr r="0" g="0" b="0"/>
+      </a:lnRef>
+      <a:fillRef idx="1">
+        <a:scrgbClr r="0" g="0" b="0"/>
+      </a:fillRef>
+      <a:effectRef idx="0">
+        <a:scrgbClr r="0" g="0" b="0"/>
+      </a:effectRef>
+      <a:fontRef idx="minor"/>
+    </dgm:style>
+  </dgm:styleLbl>
+  <dgm:styleLbl name="fgAcc4">
+    <dgm:scene3d>
+      <a:camera prst="orthographicFront"/>
+      <a:lightRig rig="threePt" dir="t"/>
+    </dgm:scene3d>
+    <dgm:sp3d/>
+    <dgm:txPr/>
+    <dgm:style>
+      <a:lnRef idx="2">
+        <a:scrgbClr r="0" g="0" b="0"/>
+      </a:lnRef>
+      <a:fillRef idx="1">
+        <a:scrgbClr r="0" g="0" b="0"/>
+      </a:fillRef>
+      <a:effectRef idx="0">
+        <a:scrgbClr r="0" g="0" b="0"/>
+      </a:effectRef>
+      <a:fontRef idx="minor"/>
+    </dgm:style>
+  </dgm:styleLbl>
+  <dgm:styleLbl name="bgShp">
+    <dgm:scene3d>
+      <a:camera prst="orthographicFront"/>
+      <a:lightRig rig="threePt" dir="t"/>
+    </dgm:scene3d>
+    <dgm:sp3d/>
+    <dgm:txPr/>
+    <dgm:style>
+      <a:lnRef idx="0">
+        <a:scrgbClr r="0" g="0" b="0"/>
+      </a:lnRef>
+      <a:fillRef idx="1">
+        <a:scrgbClr r="0" g="0" b="0"/>
+      </a:fillRef>
+      <a:effectRef idx="0">
+        <a:scrgbClr r="0" g="0" b="0"/>
+      </a:effectRef>
+      <a:fontRef idx="minor"/>
+    </dgm:style>
+  </dgm:styleLbl>
+  <dgm:styleLbl name="dkBgShp">
+    <dgm:scene3d>
+      <a:camera prst="orthographicFront"/>
+      <a:lightRig rig="threePt" dir="t"/>
+    </dgm:scene3d>
+    <dgm:sp3d/>
+    <dgm:txPr/>
+    <dgm:style>
+      <a:lnRef idx="0">
+        <a:scrgbClr r="0" g="0" b="0"/>
+      </a:lnRef>
+      <a:fillRef idx="1">
+        <a:scrgbClr r="0" g="0" b="0"/>
+      </a:fillRef>
+      <a:effectRef idx="0">
+        <a:scrgbClr r="0" g="0" b="0"/>
+      </a:effectRef>
+      <a:fontRef idx="minor"/>
+    </dgm:style>
+  </dgm:styleLbl>
+  <dgm:styleLbl name="trBgShp">
+    <dgm:scene3d>
+      <a:camera prst="orthographicFront"/>
+      <a:lightRig rig="threePt" dir="t"/>
+    </dgm:scene3d>
+    <dgm:sp3d/>
+    <dgm:txPr/>
+    <dgm:style>
+      <a:lnRef idx="0">
+        <a:scrgbClr r="0" g="0" b="0"/>
+      </a:lnRef>
+      <a:fillRef idx="1">
+        <a:scrgbClr r="0" g="0" b="0"/>
+      </a:fillRef>
+      <a:effectRef idx="0">
+        <a:scrgbClr r="0" g="0" b="0"/>
+      </a:effectRef>
+      <a:fontRef idx="minor"/>
+    </dgm:style>
+  </dgm:styleLbl>
+  <dgm:styleLbl name="fgShp">
+    <dgm:scene3d>
+      <a:camera prst="orthographicFront"/>
+      <a:lightRig rig="threePt" dir="t"/>
+    </dgm:scene3d>
+    <dgm:sp3d/>
+    <dgm:txPr/>
+    <dgm:style>
+      <a:lnRef idx="2">
+        <a:scrgbClr r="0" g="0" b="0"/>
+      </a:lnRef>
+      <a:fillRef idx="1">
+        <a:scrgbClr r="0" g="0" b="0"/>
+      </a:fillRef>
+      <a:effectRef idx="0">
+        <a:scrgbClr r="0" g="0" b="0"/>
+      </a:effectRef>
+      <a:fontRef idx="minor"/>
+    </dgm:style>
+  </dgm:styleLbl>
+  <dgm:styleLbl name="revTx">
+    <dgm:scene3d>
+      <a:camera prst="orthographicFront"/>
+      <a:lightRig rig="threePt" dir="t"/>
+    </dgm:scene3d>
+    <dgm:sp3d/>
+    <dgm:txPr/>
+    <dgm:style>
+      <a:lnRef idx="0">
+        <a:scrgbClr r="0" g="0" b="0"/>
+      </a:lnRef>
+      <a:fillRef idx="0">
+        <a:scrgbClr r="0" g="0" b="0"/>
+      </a:fillRef>
+      <a:effectRef idx="0">
+        <a:scrgbClr r="0" g="0" b="0"/>
+      </a:effectRef>
+      <a:fontRef idx="minor"/>
+    </dgm:style>
+  </dgm:styleLbl>
+</dgm:styleDef>
+</file>
+
 <file path=ppt/handoutMasters/handoutMaster1.xml><?xml version="1.0" encoding="utf-8"?>
 <p:handoutMaster xmlns:a="http://schemas.openxmlformats.org/drawingml/2006/main" xmlns:r="http://schemas.openxmlformats.org/officeDocument/2006/relationships" xmlns:p="http://schemas.openxmlformats.org/presentationml/2006/main">
   <p:cSld>
@@ -3103,7 +6025,7 @@
           <a:p>
             <a:fld id="{D77EB61B-E5FA-43FF-BB59-404821AB4319}" type="datetime1">
               <a:rPr lang="en-GB" smtClean="0"/>
-              <a:t>03/03/2025</a:t>
+              <a:t>06/03/2025</a:t>
             </a:fld>
             <a:endParaRPr lang="en-GB"/>
           </a:p>
@@ -3144,7 +6066,7 @@
           <a:p>
             <a:fld id="{C871E504-7D2F-4226-9493-8292EE5D077C}" type="slidenum">
               <a:rPr lang="en-GB" smtClean="0"/>
-              <a:t>‹nr.›</a:t>
+              <a:t>‹#›</a:t>
             </a:fld>
             <a:endParaRPr lang="en-GB"/>
           </a:p>
@@ -3348,7 +6270,7 @@
           <a:p>
             <a:fld id="{A6E00B73-84F4-41CE-B303-0764B0E55F0E}" type="datetime1">
               <a:rPr lang="en-GB" smtClean="0"/>
-              <a:t>03/03/2025</a:t>
+              <a:t>06/03/2025</a:t>
             </a:fld>
             <a:endParaRPr lang="en-GB"/>
           </a:p>
@@ -3455,7 +6377,7 @@
           <a:p>
             <a:fld id="{A74A5A2F-ECD0-4A51-A9E7-D8DA645BD5CD}" type="slidenum">
               <a:rPr lang="en-GB" smtClean="0"/>
-              <a:t>‹nr.›</a:t>
+              <a:t>‹#›</a:t>
             </a:fld>
             <a:endParaRPr lang="en-GB"/>
           </a:p>
@@ -3621,7 +6543,7 @@
           <a:p>
             <a:fld id="{221236F8-290E-4086-9E9A-BDF84908B285}" type="datetime2">
               <a:rPr lang="en-GB" smtClean="0"/>
-              <a:t>Monday, 03 March 2025</a:t>
+              <a:t>Thursday, 06 March 2025</a:t>
             </a:fld>
             <a:endParaRPr lang="en-GB" dirty="0"/>
           </a:p>
@@ -3698,7 +6620,7 @@
             <a:fld id="{24C8C45C-947F-4981-8B3F-4F32E973C901}" type="slidenum">
               <a:rPr lang="en-GB" smtClean="0"/>
               <a:pPr/>
-              <a:t>‹nr.›</a:t>
+              <a:t>‹#›</a:t>
             </a:fld>
             <a:endParaRPr lang="en-GB" dirty="0"/>
           </a:p>
@@ -4039,7 +6961,7 @@
           <a:p>
             <a:fld id="{0C93C218-7FF2-4F07-8780-EDA323FB52B1}" type="datetime2">
               <a:rPr lang="en-GB" smtClean="0"/>
-              <a:t>Monday, 03 March 2025</a:t>
+              <a:t>Thursday, 06 March 2025</a:t>
             </a:fld>
             <a:endParaRPr lang="en-GB" dirty="0"/>
           </a:p>
@@ -5367,7 +8289,7 @@
             <a:fld id="{24C8C45C-947F-4981-8B3F-4F32E973C901}" type="slidenum">
               <a:rPr lang="en-GB" smtClean="0"/>
               <a:pPr/>
-              <a:t>‹nr.›</a:t>
+              <a:t>‹#›</a:t>
             </a:fld>
             <a:endParaRPr lang="en-GB" dirty="0"/>
           </a:p>
@@ -5472,7 +8394,7 @@
           <a:p>
             <a:fld id="{3B902603-EAF6-42BD-9BF0-51D2D8FBA7EA}" type="datetime2">
               <a:rPr lang="en-GB" smtClean="0"/>
-              <a:t>Monday, 03 March 2025</a:t>
+              <a:t>Thursday, 06 March 2025</a:t>
             </a:fld>
             <a:endParaRPr lang="en-GB" dirty="0"/>
           </a:p>
@@ -6912,7 +9834,7 @@
             <a:fld id="{24C8C45C-947F-4981-8B3F-4F32E973C901}" type="slidenum">
               <a:rPr lang="en-GB" smtClean="0"/>
               <a:pPr/>
-              <a:t>‹nr.›</a:t>
+              <a:t>‹#›</a:t>
             </a:fld>
             <a:endParaRPr lang="en-GB" dirty="0"/>
           </a:p>
@@ -7147,7 +10069,7 @@
           <a:p>
             <a:fld id="{B73F4E1D-5C32-49E7-97CB-D57621232114}" type="datetime2">
               <a:rPr lang="en-GB" smtClean="0"/>
-              <a:t>Monday, 03 March 2025</a:t>
+              <a:t>Thursday, 06 March 2025</a:t>
             </a:fld>
             <a:endParaRPr lang="en-GB" dirty="0"/>
           </a:p>
@@ -8587,7 +11509,7 @@
             <a:fld id="{24C8C45C-947F-4981-8B3F-4F32E973C901}" type="slidenum">
               <a:rPr lang="en-GB" smtClean="0"/>
               <a:pPr/>
-              <a:t>‹nr.›</a:t>
+              <a:t>‹#›</a:t>
             </a:fld>
             <a:endParaRPr lang="en-GB" dirty="0"/>
           </a:p>
@@ -8822,7 +11744,7 @@
           <a:p>
             <a:fld id="{7326B517-3B52-42D3-ACB9-392D6CA663F5}" type="datetime2">
               <a:rPr lang="en-GB" smtClean="0"/>
-              <a:t>Monday, 03 March 2025</a:t>
+              <a:t>Thursday, 06 March 2025</a:t>
             </a:fld>
             <a:endParaRPr lang="en-GB" dirty="0"/>
           </a:p>
@@ -10754,7 +13676,7 @@
             <a:fld id="{24C8C45C-947F-4981-8B3F-4F32E973C901}" type="slidenum">
               <a:rPr lang="en-GB" smtClean="0"/>
               <a:pPr/>
-              <a:t>‹nr.›</a:t>
+              <a:t>‹#›</a:t>
             </a:fld>
             <a:endParaRPr lang="en-GB" dirty="0"/>
           </a:p>
@@ -10859,7 +13781,7 @@
           <a:p>
             <a:fld id="{C508D419-FD63-426C-A810-ABE1451036F9}" type="datetime2">
               <a:rPr lang="en-GB" smtClean="0"/>
-              <a:t>Monday, 03 March 2025</a:t>
+              <a:t>Thursday, 06 March 2025</a:t>
             </a:fld>
             <a:endParaRPr lang="en-GB" dirty="0"/>
           </a:p>
@@ -12903,7 +15825,7 @@
             <a:fld id="{24C8C45C-947F-4981-8B3F-4F32E973C901}" type="slidenum">
               <a:rPr lang="en-GB" smtClean="0"/>
               <a:pPr/>
-              <a:t>‹nr.›</a:t>
+              <a:t>‹#›</a:t>
             </a:fld>
             <a:endParaRPr lang="en-GB" dirty="0"/>
           </a:p>
@@ -13138,7 +16060,7 @@
           <a:p>
             <a:fld id="{EA276B8E-E2A0-42EA-BD8F-0BDC2C46FF55}" type="datetime2">
               <a:rPr lang="en-GB" smtClean="0"/>
-              <a:t>Monday, 03 March 2025</a:t>
+              <a:t>Thursday, 06 March 2025</a:t>
             </a:fld>
             <a:endParaRPr lang="en-GB" dirty="0"/>
           </a:p>
@@ -15186,7 +18108,7 @@
             <a:fld id="{24C8C45C-947F-4981-8B3F-4F32E973C901}" type="slidenum">
               <a:rPr lang="en-GB" smtClean="0"/>
               <a:pPr/>
-              <a:t>‹nr.›</a:t>
+              <a:t>‹#›</a:t>
             </a:fld>
             <a:endParaRPr lang="en-GB" dirty="0"/>
           </a:p>
@@ -15751,7 +18673,7 @@
           <a:p>
             <a:fld id="{140D992D-30AB-4172-B2B1-51E5D34255DD}" type="datetime2">
               <a:rPr lang="en-GB" smtClean="0"/>
-              <a:t>Monday, 03 March 2025</a:t>
+              <a:t>Thursday, 06 March 2025</a:t>
             </a:fld>
             <a:endParaRPr lang="en-GB" dirty="0"/>
           </a:p>
@@ -15822,7 +18744,7 @@
             <a:fld id="{24C8C45C-947F-4981-8B3F-4F32E973C901}" type="slidenum">
               <a:rPr lang="en-GB" smtClean="0"/>
               <a:pPr/>
-              <a:t>‹nr.›</a:t>
+              <a:t>‹#›</a:t>
             </a:fld>
             <a:endParaRPr lang="en-GB" dirty="0"/>
           </a:p>
@@ -16016,7 +18938,7 @@
           <a:p>
             <a:fld id="{140D992D-30AB-4172-B2B1-51E5D34255DD}" type="datetime2">
               <a:rPr lang="en-GB" smtClean="0"/>
-              <a:t>Monday, 03 March 2025</a:t>
+              <a:t>Thursday, 06 March 2025</a:t>
             </a:fld>
             <a:endParaRPr lang="en-GB" dirty="0"/>
           </a:p>
@@ -16299,7 +19221,7 @@
             <a:fld id="{24C8C45C-947F-4981-8B3F-4F32E973C901}" type="slidenum">
               <a:rPr lang="en-GB" smtClean="0"/>
               <a:pPr/>
-              <a:t>‹nr.›</a:t>
+              <a:t>‹#›</a:t>
             </a:fld>
             <a:endParaRPr lang="en-GB" dirty="0"/>
           </a:p>
@@ -16493,7 +19415,7 @@
           <a:p>
             <a:fld id="{955A8699-8BBB-435B-9977-AD9205762614}" type="datetime2">
               <a:rPr lang="en-GB" smtClean="0"/>
-              <a:t>Monday, 03 March 2025</a:t>
+              <a:t>Thursday, 06 March 2025</a:t>
             </a:fld>
             <a:endParaRPr lang="en-GB" dirty="0"/>
           </a:p>
@@ -16548,7 +19470,7 @@
             <a:fld id="{24C8C45C-947F-4981-8B3F-4F32E973C901}" type="slidenum">
               <a:rPr lang="en-GB" smtClean="0"/>
               <a:pPr/>
-              <a:t>‹nr.›</a:t>
+              <a:t>‹#›</a:t>
             </a:fld>
             <a:endParaRPr lang="en-GB" dirty="0"/>
           </a:p>
@@ -16607,7 +19529,7 @@
           <a:p>
             <a:fld id="{91414D71-1D5C-4DBB-9DF3-E84041097B91}" type="datetime2">
               <a:rPr lang="en-GB" smtClean="0"/>
-              <a:t>Monday, 03 March 2025</a:t>
+              <a:t>Thursday, 06 March 2025</a:t>
             </a:fld>
             <a:endParaRPr lang="en-GB" dirty="0"/>
           </a:p>
@@ -16729,7 +19651,7 @@
             <a:fld id="{24C8C45C-947F-4981-8B3F-4F32E973C901}" type="slidenum">
               <a:rPr lang="en-GB" smtClean="0"/>
               <a:pPr/>
-              <a:t>‹nr.›</a:t>
+              <a:t>‹#›</a:t>
             </a:fld>
             <a:endParaRPr lang="en-GB" dirty="0"/>
           </a:p>
@@ -16804,7 +19726,7 @@
           <a:p>
             <a:fld id="{77E83011-5AF9-4949-A20B-633CF9806B0B}" type="datetime2">
               <a:rPr lang="en-GB" smtClean="0"/>
-              <a:t>Monday, 03 March 2025</a:t>
+              <a:t>Thursday, 06 March 2025</a:t>
             </a:fld>
             <a:endParaRPr lang="en-GB" dirty="0"/>
           </a:p>
@@ -16881,7 +19803,7 @@
             <a:fld id="{24C8C45C-947F-4981-8B3F-4F32E973C901}" type="slidenum">
               <a:rPr lang="en-GB" smtClean="0"/>
               <a:pPr/>
-              <a:t>‹nr.›</a:t>
+              <a:t>‹#›</a:t>
             </a:fld>
             <a:endParaRPr lang="en-GB" dirty="0"/>
           </a:p>
@@ -19822,7 +22744,7 @@
           <a:p>
             <a:fld id="{CF4554D5-0EAD-40BF-98B1-4B4FACDAD75E}" type="datetime2">
               <a:rPr lang="en-GB" smtClean="0"/>
-              <a:t>Monday, 03 March 2025</a:t>
+              <a:t>Thursday, 06 March 2025</a:t>
             </a:fld>
             <a:endParaRPr lang="en-GB" dirty="0"/>
           </a:p>
@@ -19899,7 +22821,7 @@
             <a:fld id="{23AA811B-2EBD-4900-905E-5BE206449611}" type="slidenum">
               <a:rPr lang="en-GB" smtClean="0"/>
               <a:pPr/>
-              <a:t>‹nr.›</a:t>
+              <a:t>‹#›</a:t>
             </a:fld>
             <a:endParaRPr lang="en-GB" dirty="0"/>
           </a:p>
@@ -20597,7 +23519,7 @@
           <a:p>
             <a:fld id="{241CE23B-B84B-4486-83AC-A2D839CB69E9}" type="datetime2">
               <a:rPr lang="en-GB" smtClean="0"/>
-              <a:t>Monday, 03 March 2025</a:t>
+              <a:t>Thursday, 06 March 2025</a:t>
             </a:fld>
             <a:endParaRPr lang="en-GB" dirty="0"/>
           </a:p>
@@ -20674,7 +23596,7 @@
             <a:fld id="{24C8C45C-947F-4981-8B3F-4F32E973C901}" type="slidenum">
               <a:rPr lang="en-GB" smtClean="0"/>
               <a:pPr/>
-              <a:t>‹nr.›</a:t>
+              <a:t>‹#›</a:t>
             </a:fld>
             <a:endParaRPr lang="en-GB" dirty="0"/>
           </a:p>
@@ -20744,7 +23666,7 @@
           <a:p>
             <a:fld id="{D35C298C-1B80-41BE-ACFE-0FFB678C561A}" type="datetime2">
               <a:rPr lang="en-GB" smtClean="0"/>
-              <a:t>Monday, 03 March 2025</a:t>
+              <a:t>Thursday, 06 March 2025</a:t>
             </a:fld>
             <a:endParaRPr lang="en-GB" dirty="0"/>
           </a:p>
@@ -20821,7 +23743,7 @@
             <a:fld id="{24C8C45C-947F-4981-8B3F-4F32E973C901}" type="slidenum">
               <a:rPr lang="en-GB" smtClean="0"/>
               <a:pPr/>
-              <a:t>‹nr.›</a:t>
+              <a:t>‹#›</a:t>
             </a:fld>
             <a:endParaRPr lang="en-GB" dirty="0"/>
           </a:p>
@@ -21170,7 +24092,7 @@
           <a:p>
             <a:fld id="{290AC9F3-8B9D-4744-9DBC-A4C825EC3C10}" type="datetime2">
               <a:rPr lang="en-GB" smtClean="0"/>
-              <a:t>Monday, 03 March 2025</a:t>
+              <a:t>Thursday, 06 March 2025</a:t>
             </a:fld>
             <a:endParaRPr lang="en-GB" dirty="0"/>
           </a:p>
@@ -21375,7 +24297,7 @@
             <a:fld id="{24C8C45C-947F-4981-8B3F-4F32E973C901}" type="slidenum">
               <a:rPr lang="en-GB" smtClean="0"/>
               <a:pPr/>
-              <a:t>‹nr.›</a:t>
+              <a:t>‹#›</a:t>
             </a:fld>
             <a:endParaRPr lang="en-GB" dirty="0"/>
           </a:p>
@@ -21475,7 +24397,7 @@
           <a:p>
             <a:fld id="{290AC9F3-8B9D-4744-9DBC-A4C825EC3C10}" type="datetime2">
               <a:rPr lang="en-GB" smtClean="0"/>
-              <a:t>Monday, 03 March 2025</a:t>
+              <a:t>Thursday, 06 March 2025</a:t>
             </a:fld>
             <a:endParaRPr lang="en-GB" dirty="0"/>
           </a:p>
@@ -21680,7 +24602,7 @@
             <a:fld id="{24C8C45C-947F-4981-8B3F-4F32E973C901}" type="slidenum">
               <a:rPr lang="en-GB" smtClean="0"/>
               <a:pPr/>
-              <a:t>‹nr.›</a:t>
+              <a:t>‹#›</a:t>
             </a:fld>
             <a:endParaRPr lang="en-GB" dirty="0"/>
           </a:p>
@@ -21780,7 +24702,7 @@
           <a:p>
             <a:fld id="{C61F5F64-2DA4-475A-A8E9-D5C53A3EF46F}" type="datetime2">
               <a:rPr lang="en-GB" smtClean="0"/>
-              <a:t>Monday, 03 March 2025</a:t>
+              <a:t>Thursday, 06 March 2025</a:t>
             </a:fld>
             <a:endParaRPr lang="en-GB" dirty="0"/>
           </a:p>
@@ -22069,7 +24991,7 @@
             <a:fld id="{24C8C45C-947F-4981-8B3F-4F32E973C901}" type="slidenum">
               <a:rPr lang="en-GB" smtClean="0"/>
               <a:pPr/>
-              <a:t>‹nr.›</a:t>
+              <a:t>‹#›</a:t>
             </a:fld>
             <a:endParaRPr lang="en-GB" dirty="0"/>
           </a:p>
@@ -22180,7 +25102,7 @@
           <a:p>
             <a:fld id="{22FCB603-C396-4B00-8583-A911AF0410C5}" type="datetime2">
               <a:rPr lang="en-GB" smtClean="0"/>
-              <a:t>Monday, 03 March 2025</a:t>
+              <a:t>Thursday, 06 March 2025</a:t>
             </a:fld>
             <a:endParaRPr lang="en-GB" dirty="0"/>
           </a:p>
@@ -22894,7 +25816,7 @@
             <a:fld id="{24C8C45C-947F-4981-8B3F-4F32E973C901}" type="slidenum">
               <a:rPr lang="en-GB" smtClean="0"/>
               <a:pPr/>
-              <a:t>‹nr.›</a:t>
+              <a:t>‹#›</a:t>
             </a:fld>
             <a:endParaRPr lang="en-GB" dirty="0"/>
           </a:p>
@@ -22999,7 +25921,7 @@
           <a:p>
             <a:fld id="{43CC9B0B-9B49-4785-B00F-166EC2D03963}" type="datetime2">
               <a:rPr lang="en-GB" smtClean="0"/>
-              <a:t>Monday, 03 March 2025</a:t>
+              <a:t>Thursday, 06 March 2025</a:t>
             </a:fld>
             <a:endParaRPr lang="en-GB" dirty="0"/>
           </a:p>
@@ -23825,7 +26747,7 @@
             <a:fld id="{24C8C45C-947F-4981-8B3F-4F32E973C901}" type="slidenum">
               <a:rPr lang="en-GB" smtClean="0"/>
               <a:pPr/>
-              <a:t>‹nr.›</a:t>
+              <a:t>‹#›</a:t>
             </a:fld>
             <a:endParaRPr lang="en-GB" dirty="0"/>
           </a:p>
@@ -24060,7 +26982,7 @@
           <a:p>
             <a:fld id="{63548D0F-FD05-4B2A-835F-986DAA1C5630}" type="datetime2">
               <a:rPr lang="en-GB" smtClean="0"/>
-              <a:t>Monday, 03 March 2025</a:t>
+              <a:t>Thursday, 06 March 2025</a:t>
             </a:fld>
             <a:endParaRPr lang="en-GB" dirty="0"/>
           </a:p>
@@ -24886,7 +27808,7 @@
             <a:fld id="{24C8C45C-947F-4981-8B3F-4F32E973C901}" type="slidenum">
               <a:rPr lang="en-GB" smtClean="0"/>
               <a:pPr/>
-              <a:t>‹nr.›</a:t>
+              <a:t>‹#›</a:t>
             </a:fld>
             <a:endParaRPr lang="en-GB" dirty="0"/>
           </a:p>
@@ -25277,7 +28199,7 @@
             <a:fld id="{24C8C45C-947F-4981-8B3F-4F32E973C901}" type="slidenum">
               <a:rPr lang="en-GB" smtClean="0"/>
               <a:pPr/>
-              <a:t>‹nr.›</a:t>
+              <a:t>‹#›</a:t>
             </a:fld>
             <a:endParaRPr lang="en-GB" dirty="0"/>
           </a:p>
@@ -25323,7 +28245,7 @@
           <a:p>
             <a:fld id="{140D992D-30AB-4172-B2B1-51E5D34255DD}" type="datetime2">
               <a:rPr lang="en-GB" smtClean="0"/>
-              <a:t>Monday, 03 March 2025</a:t>
+              <a:t>Thursday, 06 March 2025</a:t>
             </a:fld>
             <a:endParaRPr lang="en-GB" dirty="0"/>
           </a:p>
@@ -26091,6 +29013,163 @@
 </p:sld>
 </file>
 
+<file path=ppt/slides/slide10.xml><?xml version="1.0" encoding="utf-8"?>
+<p:sld xmlns:a="http://schemas.openxmlformats.org/drawingml/2006/main" xmlns:r="http://schemas.openxmlformats.org/officeDocument/2006/relationships" xmlns:p="http://schemas.openxmlformats.org/presentationml/2006/main">
+  <p:cSld>
+    <p:spTree>
+      <p:nvGrpSpPr>
+        <p:cNvPr id="1" name=""/>
+        <p:cNvGrpSpPr/>
+        <p:nvPr/>
+      </p:nvGrpSpPr>
+      <p:grpSpPr>
+        <a:xfrm>
+          <a:off x="0" y="0"/>
+          <a:ext cx="0" cy="0"/>
+          <a:chOff x="0" y="0"/>
+          <a:chExt cx="0" cy="0"/>
+        </a:xfrm>
+      </p:grpSpPr>
+      <p:sp>
+        <p:nvSpPr>
+          <p:cNvPr id="9" name="Title 1">
+            <a:extLst>
+              <a:ext uri="{FF2B5EF4-FFF2-40B4-BE49-F238E27FC236}">
+                <a16:creationId xmlns:a16="http://schemas.microsoft.com/office/drawing/2014/main" id="{1F4D774D-6317-A508-0902-9CCC14FA4790}"/>
+              </a:ext>
+            </a:extLst>
+          </p:cNvPr>
+          <p:cNvSpPr>
+            <a:spLocks noGrp="1"/>
+          </p:cNvSpPr>
+          <p:nvPr>
+            <p:ph type="title"/>
+          </p:nvPr>
+        </p:nvSpPr>
+        <p:spPr>
+          <a:xfrm>
+            <a:off x="424799" y="290513"/>
+            <a:ext cx="9180000" cy="813600"/>
+          </a:xfrm>
+        </p:spPr>
+        <p:txBody>
+          <a:bodyPr/>
+          <a:lstStyle/>
+          <a:p>
+            <a:r>
+              <a:rPr lang="da-DK" dirty="0"/>
+              <a:t>Full </a:t>
+            </a:r>
+            <a:r>
+              <a:rPr lang="da-DK" dirty="0" err="1"/>
+              <a:t>Algorithm</a:t>
+            </a:r>
+            <a:r>
+              <a:rPr lang="da-DK" dirty="0"/>
+              <a:t> (</a:t>
+            </a:r>
+            <a:r>
+              <a:rPr lang="da-DK" dirty="0" err="1"/>
+              <a:t>DeepVPD</a:t>
+            </a:r>
+            <a:r>
+              <a:rPr lang="da-DK" dirty="0"/>
+              <a:t>)</a:t>
+            </a:r>
+            <a:endParaRPr lang="en-US" dirty="0"/>
+          </a:p>
+        </p:txBody>
+      </p:sp>
+      <p:pic>
+        <p:nvPicPr>
+          <p:cNvPr id="4" name="Picture 3">
+            <a:extLst>
+              <a:ext uri="{FF2B5EF4-FFF2-40B4-BE49-F238E27FC236}">
+                <a16:creationId xmlns:a16="http://schemas.microsoft.com/office/drawing/2014/main" id="{4F3EF852-448D-2D85-CFF2-74B11C2DDB9E}"/>
+              </a:ext>
+            </a:extLst>
+          </p:cNvPr>
+          <p:cNvPicPr>
+            <a:picLocks noChangeAspect="1"/>
+          </p:cNvPicPr>
+          <p:nvPr/>
+        </p:nvPicPr>
+        <p:blipFill>
+          <a:blip r:embed="rId2"/>
+          <a:stretch>
+            <a:fillRect/>
+          </a:stretch>
+        </p:blipFill>
+        <p:spPr>
+          <a:xfrm>
+            <a:off x="4464407" y="1352550"/>
+            <a:ext cx="3959157" cy="5243918"/>
+          </a:xfrm>
+          <a:prstGeom prst="rect">
+            <a:avLst/>
+          </a:prstGeom>
+          <a:noFill/>
+        </p:spPr>
+      </p:pic>
+      <p:sp>
+        <p:nvSpPr>
+          <p:cNvPr id="2" name="Slide Number Placeholder 1">
+            <a:extLst>
+              <a:ext uri="{FF2B5EF4-FFF2-40B4-BE49-F238E27FC236}">
+                <a16:creationId xmlns:a16="http://schemas.microsoft.com/office/drawing/2014/main" id="{C95979DE-5CB3-7C3C-1642-D3393B544D34}"/>
+              </a:ext>
+            </a:extLst>
+          </p:cNvPr>
+          <p:cNvSpPr>
+            <a:spLocks noGrp="1"/>
+          </p:cNvSpPr>
+          <p:nvPr>
+            <p:ph type="sldNum" sz="quarter" idx="12"/>
+          </p:nvPr>
+        </p:nvSpPr>
+        <p:spPr>
+          <a:xfrm>
+            <a:off x="11055510" y="6426000"/>
+            <a:ext cx="711977" cy="180000"/>
+          </a:xfrm>
+        </p:spPr>
+        <p:txBody>
+          <a:bodyPr anchor="t">
+            <a:normAutofit/>
+          </a:bodyPr>
+          <a:lstStyle/>
+          <a:p>
+            <a:pPr>
+              <a:spcAft>
+                <a:spcPts val="600"/>
+              </a:spcAft>
+            </a:pPr>
+            <a:fld id="{24C8C45C-947F-4981-8B3F-4F32E973C901}" type="slidenum">
+              <a:rPr lang="en-GB" smtClean="0"/>
+              <a:pPr>
+                <a:spcAft>
+                  <a:spcPts val="600"/>
+                </a:spcAft>
+              </a:pPr>
+              <a:t>10</a:t>
+            </a:fld>
+            <a:endParaRPr lang="en-GB"/>
+          </a:p>
+        </p:txBody>
+      </p:sp>
+    </p:spTree>
+    <p:extLst>
+      <p:ext uri="{BB962C8B-B14F-4D97-AF65-F5344CB8AC3E}">
+        <p14:creationId xmlns:p14="http://schemas.microsoft.com/office/powerpoint/2010/main" val="2911308058"/>
+      </p:ext>
+    </p:extLst>
+  </p:cSld>
+  <p:clrMapOvr>
+    <a:masterClrMapping/>
+  </p:clrMapOvr>
+</p:sld>
+</file>
+
 <file path=ppt/slides/slide2.xml><?xml version="1.0" encoding="utf-8"?>
 <p:sld xmlns:a="http://schemas.openxmlformats.org/drawingml/2006/main" xmlns:r="http://schemas.openxmlformats.org/officeDocument/2006/relationships" xmlns:p="http://schemas.openxmlformats.org/presentationml/2006/main">
   <p:cSld>
@@ -27228,8 +30307,8 @@
             </p:nvSpPr>
             <p:spPr>
               <a:xfrm>
-                <a:off x="830104" y="3812917"/>
-                <a:ext cx="2182761" cy="558936"/>
+                <a:off x="640010" y="3789944"/>
+                <a:ext cx="2182761" cy="580865"/>
               </a:xfrm>
               <a:prstGeom prst="rect">
                 <a:avLst/>
@@ -27242,6 +30321,7 @@
               </a:bodyPr>
               <a:lstStyle/>
               <a:p>
+                <a:pPr/>
                 <a14:m>
                   <m:oMathPara xmlns:m="http://schemas.openxmlformats.org/officeDocument/2006/math">
                     <m:oMathParaPr>
@@ -27370,8 +30450,117 @@
                             </a:rPr>
                             <m:t>𝑡</m:t>
                           </m:r>
+                          <m:r>
+                            <a:rPr lang="da-DK" b="0" i="1" smtClean="0">
+                              <a:latin typeface="Cambria Math" panose="02040503050406030204" pitchFamily="18" charset="0"/>
+                            </a:rPr>
+                            <m:t>, </m:t>
+                          </m:r>
                         </m:sub>
                       </m:sSub>
+                      <m:sSub>
+                        <m:sSubPr>
+                          <m:ctrlPr>
+                            <a:rPr lang="da-DK" b="0" i="1" smtClean="0">
+                              <a:latin typeface="Cambria Math" panose="02040503050406030204" pitchFamily="18" charset="0"/>
+                            </a:rPr>
+                          </m:ctrlPr>
+                        </m:sSubPr>
+                        <m:e>
+                          <m:r>
+                            <a:rPr lang="da-DK" b="0" i="1" smtClean="0">
+                              <a:latin typeface="Cambria Math" panose="02040503050406030204" pitchFamily="18" charset="0"/>
+                            </a:rPr>
+                            <m:t>𝜋</m:t>
+                          </m:r>
+                        </m:e>
+                        <m:sub>
+                          <m:r>
+                            <a:rPr lang="da-DK" b="0" i="1" smtClean="0">
+                              <a:latin typeface="Cambria Math" panose="02040503050406030204" pitchFamily="18" charset="0"/>
+                            </a:rPr>
+                            <m:t>𝑡</m:t>
+                          </m:r>
+                        </m:sub>
+                      </m:sSub>
+                      <m:r>
+                        <a:rPr lang="da-DK" b="0" i="1" smtClean="0">
+                          <a:latin typeface="Cambria Math" panose="02040503050406030204" pitchFamily="18" charset="0"/>
+                        </a:rPr>
+                        <m:t>,</m:t>
+                      </m:r>
+                      <m:sSubSup>
+                        <m:sSubSupPr>
+                          <m:ctrlPr>
+                            <a:rPr lang="da-DK" b="0" i="1" smtClean="0">
+                              <a:latin typeface="Cambria Math" panose="02040503050406030204" pitchFamily="18" charset="0"/>
+                            </a:rPr>
+                          </m:ctrlPr>
+                        </m:sSubSupPr>
+                        <m:e>
+                          <m:r>
+                            <a:rPr lang="da-DK" b="0" i="1" smtClean="0">
+                              <a:latin typeface="Cambria Math" panose="02040503050406030204" pitchFamily="18" charset="0"/>
+                            </a:rPr>
+                            <m:t>𝑅</m:t>
+                          </m:r>
+                        </m:e>
+                        <m:sub>
+                          <m:r>
+                            <a:rPr lang="da-DK" b="0" i="1" smtClean="0">
+                              <a:latin typeface="Cambria Math" panose="02040503050406030204" pitchFamily="18" charset="0"/>
+                            </a:rPr>
+                            <m:t>𝑡</m:t>
+                          </m:r>
+                        </m:sub>
+                        <m:sup>
+                          <m:r>
+                            <a:rPr lang="da-DK" b="0" i="1" smtClean="0">
+                              <a:latin typeface="Cambria Math" panose="02040503050406030204" pitchFamily="18" charset="0"/>
+                            </a:rPr>
+                            <m:t>𝑏</m:t>
+                          </m:r>
+                        </m:sup>
+                      </m:sSubSup>
+                      <m:r>
+                        <a:rPr lang="da-DK" b="0" i="1" smtClean="0">
+                          <a:latin typeface="Cambria Math" panose="02040503050406030204" pitchFamily="18" charset="0"/>
+                        </a:rPr>
+                        <m:t>,</m:t>
+                      </m:r>
+                      <m:sSubSup>
+                        <m:sSubSupPr>
+                          <m:ctrlPr>
+                            <a:rPr lang="da-DK" b="0" i="1" smtClean="0">
+                              <a:latin typeface="Cambria Math" panose="02040503050406030204" pitchFamily="18" charset="0"/>
+                            </a:rPr>
+                          </m:ctrlPr>
+                        </m:sSubSupPr>
+                        <m:e>
+                          <m:r>
+                            <a:rPr lang="da-DK" b="0" i="1" smtClean="0">
+                              <a:latin typeface="Cambria Math" panose="02040503050406030204" pitchFamily="18" charset="0"/>
+                            </a:rPr>
+                            <m:t>𝑅</m:t>
+                          </m:r>
+                        </m:e>
+                        <m:sub>
+                          <m:r>
+                            <a:rPr lang="da-DK" b="0" i="1" smtClean="0">
+                              <a:latin typeface="Cambria Math" panose="02040503050406030204" pitchFamily="18" charset="0"/>
+                            </a:rPr>
+                            <m:t>𝑡</m:t>
+                          </m:r>
+                        </m:sub>
+                        <m:sup>
+                          <m:r>
+                            <a:rPr lang="da-DK" b="0" i="1" smtClean="0">
+                              <a:latin typeface="Cambria Math" panose="02040503050406030204" pitchFamily="18" charset="0"/>
+                            </a:rPr>
+                            <m:t>𝑒</m:t>
+                          </m:r>
+                        </m:sup>
+                      </m:sSubSup>
                       <m:r>
                         <a:rPr lang="da-DK" b="0" i="1" smtClean="0">
                           <a:latin typeface="Cambria Math" panose="02040503050406030204" pitchFamily="18" charset="0"/>
@@ -27408,8 +30597,8 @@
             </p:nvSpPr>
             <p:spPr>
               <a:xfrm>
-                <a:off x="830104" y="3812917"/>
-                <a:ext cx="2182761" cy="558936"/>
+                <a:off x="640010" y="3789944"/>
+                <a:ext cx="2182761" cy="580865"/>
               </a:xfrm>
               <a:prstGeom prst="rect">
                 <a:avLst/>
@@ -27417,7 +30606,7 @@
               <a:blipFill>
                 <a:blip r:embed="rId2"/>
                 <a:stretch>
-                  <a:fillRect/>
+                  <a:fillRect l="-5028" t="-1053" r="-14804"/>
                 </a:stretch>
               </a:blipFill>
             </p:spPr>
@@ -27809,7 +30998,7 @@
             <p:spPr>
               <a:xfrm>
                 <a:off x="4715419" y="5245697"/>
-                <a:ext cx="3037984" cy="868956"/>
+                <a:ext cx="3037984" cy="901593"/>
               </a:xfrm>
               <a:prstGeom prst="rect">
                 <a:avLst/>
@@ -27826,7 +31015,7 @@
                 <a14:m>
                   <m:oMathPara xmlns:m="http://schemas.openxmlformats.org/officeDocument/2006/math">
                     <m:oMathParaPr>
-                      <m:jc m:val="centerGroup"/>
+                      <m:jc m:val="center"/>
                     </m:oMathParaPr>
                     <m:oMath xmlns:m="http://schemas.openxmlformats.org/officeDocument/2006/math">
                       <m:d>
@@ -27984,8 +31173,129 @@
                             <a:rPr lang="da-DK" sz="1400" b="0" i="1" smtClean="0">
                               <a:latin typeface="Cambria Math" panose="02040503050406030204" pitchFamily="18" charset="0"/>
                             </a:rPr>
-                            <m:t> </m:t>
+                            <m:t>,</m:t>
                           </m:r>
+                          <m:sSub>
+                            <m:sSubPr>
+                              <m:ctrlPr>
+                                <a:rPr lang="da-DK" sz="1400" i="1">
+                                  <a:latin typeface="Cambria Math" panose="02040503050406030204" pitchFamily="18" charset="0"/>
+                                </a:rPr>
+                              </m:ctrlPr>
+                            </m:sSubPr>
+                            <m:e>
+                              <m:r>
+                                <a:rPr lang="da-DK" sz="1400" i="1">
+                                  <a:latin typeface="Cambria Math" panose="02040503050406030204" pitchFamily="18" charset="0"/>
+                                </a:rPr>
+                                <m:t>𝜋</m:t>
+                              </m:r>
+                            </m:e>
+                            <m:sub>
+                              <m:r>
+                                <a:rPr lang="da-DK" sz="1400" i="1">
+                                  <a:latin typeface="Cambria Math" panose="02040503050406030204" pitchFamily="18" charset="0"/>
+                                </a:rPr>
+                                <m:t>𝑡</m:t>
+                              </m:r>
+                              <m:r>
+                                <a:rPr lang="da-DK" sz="1400" b="0" i="1" smtClean="0">
+                                  <a:latin typeface="Cambria Math" panose="02040503050406030204" pitchFamily="18" charset="0"/>
+                                </a:rPr>
+                                <m:t>+1</m:t>
+                              </m:r>
+                            </m:sub>
+                          </m:sSub>
+                          <m:r>
+                            <a:rPr lang="da-DK" sz="1400" i="1">
+                              <a:latin typeface="Cambria Math" panose="02040503050406030204" pitchFamily="18" charset="0"/>
+                            </a:rPr>
+                            <m:t>,</m:t>
+                          </m:r>
+                          <m:sSubSup>
+                            <m:sSubSupPr>
+                              <m:ctrlPr>
+                                <a:rPr lang="da-DK" sz="1400" i="1">
+                                  <a:latin typeface="Cambria Math" panose="02040503050406030204" pitchFamily="18" charset="0"/>
+                                </a:rPr>
+                              </m:ctrlPr>
+                            </m:sSubSupPr>
+                            <m:e>
+                              <m:r>
+                                <a:rPr lang="da-DK" sz="1400" i="1">
+                                  <a:latin typeface="Cambria Math" panose="02040503050406030204" pitchFamily="18" charset="0"/>
+                                </a:rPr>
+                                <m:t>𝑅</m:t>
+                              </m:r>
+                            </m:e>
+                            <m:sub>
+                              <m:r>
+                                <a:rPr lang="da-DK" sz="1400" i="1">
+                                  <a:latin typeface="Cambria Math" panose="02040503050406030204" pitchFamily="18" charset="0"/>
+                                </a:rPr>
+                                <m:t>𝑡</m:t>
+                              </m:r>
+                              <m:r>
+                                <a:rPr lang="da-DK" sz="1400" b="0" i="1" smtClean="0">
+                                  <a:latin typeface="Cambria Math" panose="02040503050406030204" pitchFamily="18" charset="0"/>
+                                </a:rPr>
+                                <m:t>+1</m:t>
+                              </m:r>
+                            </m:sub>
+                            <m:sup>
+                              <m:r>
+                                <a:rPr lang="da-DK" sz="1400" i="1">
+                                  <a:latin typeface="Cambria Math" panose="02040503050406030204" pitchFamily="18" charset="0"/>
+                                </a:rPr>
+                                <m:t>𝑏</m:t>
+                              </m:r>
+                            </m:sup>
+                          </m:sSubSup>
+                          <m:r>
+                            <a:rPr lang="da-DK" sz="1400" i="1">
+                              <a:latin typeface="Cambria Math" panose="02040503050406030204" pitchFamily="18" charset="0"/>
+                            </a:rPr>
+                            <m:t>,</m:t>
+                          </m:r>
+                          <m:sSubSup>
+                            <m:sSubSupPr>
+                              <m:ctrlPr>
+                                <a:rPr lang="da-DK" sz="1400" i="1">
+                                  <a:latin typeface="Cambria Math" panose="02040503050406030204" pitchFamily="18" charset="0"/>
+                                </a:rPr>
+                              </m:ctrlPr>
+                            </m:sSubSupPr>
+                            <m:e>
+                              <m:r>
+                                <a:rPr lang="da-DK" sz="1400" i="1">
+                                  <a:latin typeface="Cambria Math" panose="02040503050406030204" pitchFamily="18" charset="0"/>
+                                </a:rPr>
+                                <m:t>𝑅</m:t>
+                              </m:r>
+                            </m:e>
+                            <m:sub>
+                              <m:r>
+                                <a:rPr lang="da-DK" sz="1400" i="1">
+                                  <a:latin typeface="Cambria Math" panose="02040503050406030204" pitchFamily="18" charset="0"/>
+                                </a:rPr>
+                                <m:t>𝑡</m:t>
+                              </m:r>
+                              <m:r>
+                                <a:rPr lang="da-DK" sz="1400" b="0" i="1" smtClean="0">
+                                  <a:latin typeface="Cambria Math" panose="02040503050406030204" pitchFamily="18" charset="0"/>
+                                </a:rPr>
+                                <m:t>+1</m:t>
+                              </m:r>
+                            </m:sub>
+                            <m:sup>
+                              <m:r>
+                                <a:rPr lang="da-DK" sz="1400" i="1">
+                                  <a:latin typeface="Cambria Math" panose="02040503050406030204" pitchFamily="18" charset="0"/>
+                                </a:rPr>
+                                <m:t>𝑒</m:t>
+                              </m:r>
+                            </m:sup>
+                          </m:sSubSup>
                         </m:e>
                       </m:d>
                       <m:r>
@@ -28077,7 +31387,7 @@
             <p:spPr>
               <a:xfrm>
                 <a:off x="4715419" y="5245697"/>
-                <a:ext cx="3037984" cy="868956"/>
+                <a:ext cx="3037984" cy="901593"/>
               </a:xfrm>
               <a:prstGeom prst="rect">
                 <a:avLst/>
@@ -28724,10 +32034,153 @@
       </p:grpSpPr>
       <p:sp>
         <p:nvSpPr>
-          <p:cNvPr id="2" name="Titel 1">
+          <p:cNvPr id="9" name="Title 1">
             <a:extLst>
               <a:ext uri="{FF2B5EF4-FFF2-40B4-BE49-F238E27FC236}">
-                <a16:creationId xmlns:a16="http://schemas.microsoft.com/office/drawing/2014/main" id="{4BB39B0E-F5FA-9BD4-0EA8-2A8E1FE999F7}"/>
+                <a16:creationId xmlns:a16="http://schemas.microsoft.com/office/drawing/2014/main" id="{1F4D774D-6317-A508-0902-9CCC14FA4790}"/>
+              </a:ext>
+            </a:extLst>
+          </p:cNvPr>
+          <p:cNvSpPr>
+            <a:spLocks noGrp="1"/>
+          </p:cNvSpPr>
+          <p:nvPr>
+            <p:ph type="title"/>
+          </p:nvPr>
+        </p:nvSpPr>
+        <p:spPr>
+          <a:xfrm>
+            <a:off x="424799" y="290513"/>
+            <a:ext cx="9180000" cy="813600"/>
+          </a:xfrm>
+        </p:spPr>
+        <p:txBody>
+          <a:bodyPr vert="horz" lIns="0" tIns="0" rIns="0" bIns="0" rtlCol="0" anchor="b" anchorCtr="0">
+            <a:normAutofit/>
+          </a:bodyPr>
+          <a:lstStyle/>
+          <a:p>
+            <a:r>
+              <a:rPr lang="en-GB" b="1" kern="1200">
+                <a:latin typeface="+mj-lt"/>
+                <a:ea typeface="+mj-ea"/>
+                <a:cs typeface="+mj-cs"/>
+              </a:rPr>
+              <a:t>Working Process</a:t>
+            </a:r>
+          </a:p>
+        </p:txBody>
+      </p:sp>
+      <p:sp>
+        <p:nvSpPr>
+          <p:cNvPr id="2" name="Slide Number Placeholder 1">
+            <a:extLst>
+              <a:ext uri="{FF2B5EF4-FFF2-40B4-BE49-F238E27FC236}">
+                <a16:creationId xmlns:a16="http://schemas.microsoft.com/office/drawing/2014/main" id="{C95979DE-5CB3-7C3C-1642-D3393B544D34}"/>
+              </a:ext>
+            </a:extLst>
+          </p:cNvPr>
+          <p:cNvSpPr>
+            <a:spLocks noGrp="1"/>
+          </p:cNvSpPr>
+          <p:nvPr>
+            <p:ph type="sldNum" sz="quarter" idx="12"/>
+          </p:nvPr>
+        </p:nvSpPr>
+        <p:spPr>
+          <a:xfrm>
+            <a:off x="11055510" y="6426000"/>
+            <a:ext cx="711977" cy="180000"/>
+          </a:xfrm>
+        </p:spPr>
+        <p:txBody>
+          <a:bodyPr vert="horz" lIns="0" tIns="0" rIns="0" bIns="0" rtlCol="0" anchor="t" anchorCtr="0">
+            <a:normAutofit/>
+          </a:bodyPr>
+          <a:lstStyle/>
+          <a:p>
+            <a:pPr>
+              <a:spcAft>
+                <a:spcPts val="600"/>
+              </a:spcAft>
+            </a:pPr>
+            <a:fld id="{24C8C45C-947F-4981-8B3F-4F32E973C901}" type="slidenum">
+              <a:rPr lang="en-GB" smtClean="0"/>
+              <a:pPr>
+                <a:spcAft>
+                  <a:spcPts val="600"/>
+                </a:spcAft>
+              </a:pPr>
+              <a:t>6</a:t>
+            </a:fld>
+            <a:endParaRPr lang="en-GB"/>
+          </a:p>
+        </p:txBody>
+      </p:sp>
+      <p:graphicFrame>
+        <p:nvGraphicFramePr>
+          <p:cNvPr id="21" name="TextBox 4">
+            <a:extLst>
+              <a:ext uri="{FF2B5EF4-FFF2-40B4-BE49-F238E27FC236}">
+                <a16:creationId xmlns:a16="http://schemas.microsoft.com/office/drawing/2014/main" id="{7B4B7C50-7EA6-FCE5-247C-5D4368D9337C}"/>
+              </a:ext>
+            </a:extLst>
+          </p:cNvPr>
+          <p:cNvGraphicFramePr/>
+          <p:nvPr>
+            <p:extLst>
+              <p:ext uri="{D42A27DB-BD31-4B8C-83A1-F6EECF244321}">
+                <p14:modId xmlns:p14="http://schemas.microsoft.com/office/powerpoint/2010/main" val="175425417"/>
+              </p:ext>
+            </p:extLst>
+          </p:nvPr>
+        </p:nvGraphicFramePr>
+        <p:xfrm>
+          <a:off x="423863" y="1352550"/>
+          <a:ext cx="11342687" cy="4320000"/>
+        </p:xfrm>
+        <a:graphic>
+          <a:graphicData uri="http://schemas.openxmlformats.org/drawingml/2006/diagram">
+            <dgm:relIds xmlns:dgm="http://schemas.openxmlformats.org/drawingml/2006/diagram" xmlns:r="http://schemas.openxmlformats.org/officeDocument/2006/relationships" r:dm="rId2" r:lo="rId3" r:qs="rId4" r:cs="rId5"/>
+          </a:graphicData>
+        </a:graphic>
+      </p:graphicFrame>
+    </p:spTree>
+    <p:extLst>
+      <p:ext uri="{BB962C8B-B14F-4D97-AF65-F5344CB8AC3E}">
+        <p14:creationId xmlns:p14="http://schemas.microsoft.com/office/powerpoint/2010/main" val="330822051"/>
+      </p:ext>
+    </p:extLst>
+  </p:cSld>
+  <p:clrMapOvr>
+    <a:masterClrMapping/>
+  </p:clrMapOvr>
+</p:sld>
+</file>
+
+<file path=ppt/slides/slide7.xml><?xml version="1.0" encoding="utf-8"?>
+<p:sld xmlns:a="http://schemas.openxmlformats.org/drawingml/2006/main" xmlns:r="http://schemas.openxmlformats.org/officeDocument/2006/relationships" xmlns:p="http://schemas.openxmlformats.org/presentationml/2006/main">
+  <p:cSld>
+    <p:spTree>
+      <p:nvGrpSpPr>
+        <p:cNvPr id="1" name=""/>
+        <p:cNvGrpSpPr/>
+        <p:nvPr/>
+      </p:nvGrpSpPr>
+      <p:grpSpPr>
+        <a:xfrm>
+          <a:off x="0" y="0"/>
+          <a:ext cx="0" cy="0"/>
+          <a:chOff x="0" y="0"/>
+          <a:chExt cx="0" cy="0"/>
+        </a:xfrm>
+      </p:grpSpPr>
+      <p:sp>
+        <p:nvSpPr>
+          <p:cNvPr id="2" name="Title 1">
+            <a:extLst>
+              <a:ext uri="{FF2B5EF4-FFF2-40B4-BE49-F238E27FC236}">
+                <a16:creationId xmlns:a16="http://schemas.microsoft.com/office/drawing/2014/main" id="{3E847B37-2325-DC8B-6BD6-E3ECE1378C69}"/>
               </a:ext>
             </a:extLst>
           </p:cNvPr>
@@ -28744,116 +32197,72 @@
           <a:lstStyle/>
           <a:p>
             <a:r>
-              <a:rPr lang="da-DK"/>
-              <a:t>Bellman Equation (The household optimization problem)</a:t>
-            </a:r>
-            <a:endParaRPr lang="da-DK" dirty="0"/>
+              <a:rPr lang="da-DK" dirty="0" err="1"/>
+              <a:t>Appendix</a:t>
+            </a:r>
+            <a:endParaRPr lang="en-US" dirty="0"/>
           </a:p>
         </p:txBody>
       </p:sp>
-      <p:pic>
-        <p:nvPicPr>
-          <p:cNvPr id="5" name="Billede 4">
+      <p:sp>
+        <p:nvSpPr>
+          <p:cNvPr id="3" name="Text Placeholder 2">
             <a:extLst>
               <a:ext uri="{FF2B5EF4-FFF2-40B4-BE49-F238E27FC236}">
-                <a16:creationId xmlns:a16="http://schemas.microsoft.com/office/drawing/2014/main" id="{DC6355AE-6F5E-7197-DEFE-9D4C18F05838}"/>
+                <a16:creationId xmlns:a16="http://schemas.microsoft.com/office/drawing/2014/main" id="{743066BF-44CD-ECAE-AEBA-FAA9CAEB19C2}"/>
               </a:ext>
             </a:extLst>
           </p:cNvPr>
-          <p:cNvPicPr>
-            <a:picLocks noChangeAspect="1"/>
-          </p:cNvPicPr>
-          <p:nvPr/>
-        </p:nvPicPr>
-        <p:blipFill>
-          <a:blip r:embed="rId2"/>
-          <a:stretch>
-            <a:fillRect/>
-          </a:stretch>
-        </p:blipFill>
-        <p:spPr>
-          <a:xfrm>
-            <a:off x="4883822" y="1724025"/>
-            <a:ext cx="5895975" cy="3409950"/>
-          </a:xfrm>
-          <a:prstGeom prst="rect">
-            <a:avLst/>
-          </a:prstGeom>
-        </p:spPr>
-      </p:pic>
+          <p:cNvSpPr>
+            <a:spLocks noGrp="1"/>
+          </p:cNvSpPr>
+          <p:nvPr>
+            <p:ph type="body" sz="quarter" idx="14"/>
+          </p:nvPr>
+        </p:nvSpPr>
+        <p:spPr/>
+        <p:txBody>
+          <a:bodyPr/>
+          <a:lstStyle/>
+          <a:p>
+            <a:endParaRPr lang="en-US"/>
+          </a:p>
+        </p:txBody>
+      </p:sp>
       <p:sp>
         <p:nvSpPr>
-          <p:cNvPr id="3" name="Tekstfelt 2">
+          <p:cNvPr id="4" name="Slide Number Placeholder 3">
             <a:extLst>
               <a:ext uri="{FF2B5EF4-FFF2-40B4-BE49-F238E27FC236}">
-                <a16:creationId xmlns:a16="http://schemas.microsoft.com/office/drawing/2014/main" id="{0664E9D2-CBA4-687B-2E34-0061072A99B1}"/>
+                <a16:creationId xmlns:a16="http://schemas.microsoft.com/office/drawing/2014/main" id="{4C64AAE4-A2BA-2702-B558-768734BC2268}"/>
               </a:ext>
             </a:extLst>
           </p:cNvPr>
-          <p:cNvSpPr txBox="1"/>
-          <p:nvPr/>
+          <p:cNvSpPr>
+            <a:spLocks noGrp="1"/>
+          </p:cNvSpPr>
+          <p:nvPr>
+            <p:ph type="sldNum" sz="quarter" idx="17"/>
+          </p:nvPr>
         </p:nvSpPr>
-        <p:spPr>
-          <a:xfrm>
-            <a:off x="892250" y="2529937"/>
-            <a:ext cx="4122549" cy="1938992"/>
-          </a:xfrm>
-          <a:prstGeom prst="rect">
-            <a:avLst/>
-          </a:prstGeom>
-          <a:noFill/>
-        </p:spPr>
+        <p:spPr/>
         <p:txBody>
-          <a:bodyPr wrap="square" lIns="0" tIns="0" rIns="0" bIns="0" rtlCol="0">
-            <a:spAutoFit/>
-          </a:bodyPr>
+          <a:bodyPr/>
           <a:lstStyle/>
           <a:p>
-            <a:pPr marL="171450" indent="-171450" algn="l">
-              <a:buFont typeface="Arial" panose="020B0604020202020204" pitchFamily="34" charset="0"/>
-              <a:buChar char="•"/>
-            </a:pPr>
-            <a:r>
-              <a:rPr lang="en-US" dirty="0"/>
-              <a:t>Your take on the current Bellman Equation</a:t>
-            </a:r>
-          </a:p>
-          <a:p>
-            <a:pPr marL="628650" lvl="1" indent="-171450">
-              <a:buFont typeface="Arial" panose="020B0604020202020204" pitchFamily="34" charset="0"/>
-              <a:buChar char="•"/>
-            </a:pPr>
-            <a:r>
-              <a:rPr lang="en-US" dirty="0"/>
-              <a:t>Improvements to the current problem</a:t>
-            </a:r>
-          </a:p>
-          <a:p>
-            <a:pPr marL="628650" lvl="1" indent="-171450">
-              <a:buFont typeface="Arial" panose="020B0604020202020204" pitchFamily="34" charset="0"/>
-              <a:buChar char="•"/>
-            </a:pPr>
-            <a:r>
-              <a:rPr lang="en-US" dirty="0"/>
-              <a:t>Economic sense</a:t>
-            </a:r>
-          </a:p>
-          <a:p>
-            <a:pPr marL="628650" lvl="1" indent="-171450">
-              <a:buFont typeface="Arial" panose="020B0604020202020204" pitchFamily="34" charset="0"/>
-              <a:buChar char="•"/>
-            </a:pPr>
-            <a:r>
-              <a:rPr lang="en-US" dirty="0"/>
-              <a:t>Reflecting a semi-real-world scenario</a:t>
-            </a:r>
+            <a:fld id="{24C8C45C-947F-4981-8B3F-4F32E973C901}" type="slidenum">
+              <a:rPr lang="en-GB" smtClean="0"/>
+              <a:pPr/>
+              <a:t>7</a:t>
+            </a:fld>
+            <a:endParaRPr lang="en-GB" dirty="0"/>
           </a:p>
         </p:txBody>
       </p:sp>
     </p:spTree>
     <p:extLst>
       <p:ext uri="{BB962C8B-B14F-4D97-AF65-F5344CB8AC3E}">
-        <p14:creationId xmlns:p14="http://schemas.microsoft.com/office/powerpoint/2010/main" val="2587505567"/>
+        <p14:creationId xmlns:p14="http://schemas.microsoft.com/office/powerpoint/2010/main" val="3268956525"/>
       </p:ext>
     </p:extLst>
   </p:cSld>
@@ -28863,7 +32272,7 @@
 </p:sld>
 </file>
 
-<file path=ppt/slides/slide7.xml><?xml version="1.0" encoding="utf-8"?>
+<file path=ppt/slides/slide8.xml><?xml version="1.0" encoding="utf-8"?>
 <p:sld xmlns:a="http://schemas.openxmlformats.org/drawingml/2006/main" xmlns:r="http://schemas.openxmlformats.org/officeDocument/2006/relationships" xmlns:p="http://schemas.openxmlformats.org/presentationml/2006/main">
   <p:cSld>
     <p:spTree>
@@ -28902,34 +32311,88 @@
           <a:lstStyle/>
           <a:p>
             <a:r>
-              <a:rPr lang="da-DK" dirty="0"/>
-              <a:t>Bellman Equation (The </a:t>
-            </a:r>
-            <a:r>
-              <a:rPr lang="da-DK" dirty="0" err="1"/>
-              <a:t>household</a:t>
-            </a:r>
-            <a:r>
-              <a:rPr lang="da-DK" dirty="0"/>
-              <a:t> </a:t>
-            </a:r>
-            <a:r>
-              <a:rPr lang="da-DK" dirty="0" err="1"/>
-              <a:t>optimization</a:t>
-            </a:r>
-            <a:r>
-              <a:rPr lang="da-DK" dirty="0"/>
-              <a:t> problem)</a:t>
+              <a:rPr lang="da-DK"/>
+              <a:t>Bellman Equation (The household optimization problem)</a:t>
+            </a:r>
+            <a:endParaRPr lang="da-DK" dirty="0"/>
+          </a:p>
+        </p:txBody>
+      </p:sp>
+      <p:sp>
+        <p:nvSpPr>
+          <p:cNvPr id="3" name="Tekstfelt 2">
+            <a:extLst>
+              <a:ext uri="{FF2B5EF4-FFF2-40B4-BE49-F238E27FC236}">
+                <a16:creationId xmlns:a16="http://schemas.microsoft.com/office/drawing/2014/main" id="{0664E9D2-CBA4-687B-2E34-0061072A99B1}"/>
+              </a:ext>
+            </a:extLst>
+          </p:cNvPr>
+          <p:cNvSpPr txBox="1"/>
+          <p:nvPr/>
+        </p:nvSpPr>
+        <p:spPr>
+          <a:xfrm>
+            <a:off x="892250" y="2529937"/>
+            <a:ext cx="4122549" cy="1938992"/>
+          </a:xfrm>
+          <a:prstGeom prst="rect">
+            <a:avLst/>
+          </a:prstGeom>
+          <a:noFill/>
+        </p:spPr>
+        <p:txBody>
+          <a:bodyPr wrap="square" lIns="0" tIns="0" rIns="0" bIns="0" rtlCol="0">
+            <a:spAutoFit/>
+          </a:bodyPr>
+          <a:lstStyle/>
+          <a:p>
+            <a:pPr marL="171450" indent="-171450" algn="l">
+              <a:buFont typeface="Arial" panose="020B0604020202020204" pitchFamily="34" charset="0"/>
+              <a:buChar char="•"/>
+            </a:pPr>
+            <a:r>
+              <a:rPr lang="en-US" dirty="0"/>
+              <a:t>Your take on the current Bellman Equation</a:t>
+            </a:r>
+          </a:p>
+          <a:p>
+            <a:pPr marL="628650" lvl="1" indent="-171450">
+              <a:buFont typeface="Arial" panose="020B0604020202020204" pitchFamily="34" charset="0"/>
+              <a:buChar char="•"/>
+            </a:pPr>
+            <a:r>
+              <a:rPr lang="en-US" dirty="0"/>
+              <a:t>Improvements to the current problem</a:t>
+            </a:r>
+          </a:p>
+          <a:p>
+            <a:pPr marL="628650" lvl="1" indent="-171450">
+              <a:buFont typeface="Arial" panose="020B0604020202020204" pitchFamily="34" charset="0"/>
+              <a:buChar char="•"/>
+            </a:pPr>
+            <a:r>
+              <a:rPr lang="en-US" dirty="0"/>
+              <a:t>Economic sense</a:t>
+            </a:r>
+          </a:p>
+          <a:p>
+            <a:pPr marL="628650" lvl="1" indent="-171450">
+              <a:buFont typeface="Arial" panose="020B0604020202020204" pitchFamily="34" charset="0"/>
+              <a:buChar char="•"/>
+            </a:pPr>
+            <a:r>
+              <a:rPr lang="en-US" dirty="0"/>
+              <a:t>Reflecting a semi-real-world scenario</a:t>
             </a:r>
           </a:p>
         </p:txBody>
       </p:sp>
       <p:pic>
         <p:nvPicPr>
-          <p:cNvPr id="8" name="Billede 7">
+          <p:cNvPr id="6" name="Picture 5">
             <a:extLst>
               <a:ext uri="{FF2B5EF4-FFF2-40B4-BE49-F238E27FC236}">
-                <a16:creationId xmlns:a16="http://schemas.microsoft.com/office/drawing/2014/main" id="{38E58845-007A-B9D4-25F0-8FD62DE107A4}"/>
+                <a16:creationId xmlns:a16="http://schemas.microsoft.com/office/drawing/2014/main" id="{09135110-9CF7-C2D2-68FC-937F9A6352FD}"/>
               </a:ext>
             </a:extLst>
           </p:cNvPr>
@@ -28946,8 +32409,8 @@
         </p:blipFill>
         <p:spPr>
           <a:xfrm>
-            <a:off x="6679931" y="1863509"/>
-            <a:ext cx="5179920" cy="813600"/>
+            <a:off x="5495764" y="1625062"/>
+            <a:ext cx="5524500" cy="4305300"/>
           </a:xfrm>
           <a:prstGeom prst="rect">
             <a:avLst/>
@@ -28956,10 +32419,10 @@
       </p:pic>
       <p:pic>
         <p:nvPicPr>
-          <p:cNvPr id="32" name="Billede 31">
+          <p:cNvPr id="8" name="Picture 7">
             <a:extLst>
               <a:ext uri="{FF2B5EF4-FFF2-40B4-BE49-F238E27FC236}">
-                <a16:creationId xmlns:a16="http://schemas.microsoft.com/office/drawing/2014/main" id="{14EC51D6-B399-14B9-EA6D-BD3AFD8E2073}"/>
+                <a16:creationId xmlns:a16="http://schemas.microsoft.com/office/drawing/2014/main" id="{3CC8BCAE-62D9-757B-4938-75130AE45C74}"/>
               </a:ext>
             </a:extLst>
           </p:cNvPr>
@@ -28976,14 +32439,88 @@
         </p:blipFill>
         <p:spPr>
           <a:xfrm>
-            <a:off x="6793391" y="3138487"/>
-            <a:ext cx="4953000" cy="581025"/>
+            <a:off x="9794929" y="1470840"/>
+            <a:ext cx="1569042" cy="154222"/>
           </a:xfrm>
           <a:prstGeom prst="rect">
             <a:avLst/>
           </a:prstGeom>
         </p:spPr>
       </p:pic>
+    </p:spTree>
+    <p:extLst>
+      <p:ext uri="{BB962C8B-B14F-4D97-AF65-F5344CB8AC3E}">
+        <p14:creationId xmlns:p14="http://schemas.microsoft.com/office/powerpoint/2010/main" val="2587505567"/>
+      </p:ext>
+    </p:extLst>
+  </p:cSld>
+  <p:clrMapOvr>
+    <a:masterClrMapping/>
+  </p:clrMapOvr>
+</p:sld>
+</file>
+
+<file path=ppt/slides/slide9.xml><?xml version="1.0" encoding="utf-8"?>
+<p:sld xmlns:a="http://schemas.openxmlformats.org/drawingml/2006/main" xmlns:r="http://schemas.openxmlformats.org/officeDocument/2006/relationships" xmlns:p="http://schemas.openxmlformats.org/presentationml/2006/main">
+  <p:cSld>
+    <p:spTree>
+      <p:nvGrpSpPr>
+        <p:cNvPr id="1" name=""/>
+        <p:cNvGrpSpPr/>
+        <p:nvPr/>
+      </p:nvGrpSpPr>
+      <p:grpSpPr>
+        <a:xfrm>
+          <a:off x="0" y="0"/>
+          <a:ext cx="0" cy="0"/>
+          <a:chOff x="0" y="0"/>
+          <a:chExt cx="0" cy="0"/>
+        </a:xfrm>
+      </p:grpSpPr>
+      <p:sp>
+        <p:nvSpPr>
+          <p:cNvPr id="2" name="Titel 1">
+            <a:extLst>
+              <a:ext uri="{FF2B5EF4-FFF2-40B4-BE49-F238E27FC236}">
+                <a16:creationId xmlns:a16="http://schemas.microsoft.com/office/drawing/2014/main" id="{4BB39B0E-F5FA-9BD4-0EA8-2A8E1FE999F7}"/>
+              </a:ext>
+            </a:extLst>
+          </p:cNvPr>
+          <p:cNvSpPr>
+            <a:spLocks noGrp="1"/>
+          </p:cNvSpPr>
+          <p:nvPr>
+            <p:ph type="title"/>
+          </p:nvPr>
+        </p:nvSpPr>
+        <p:spPr/>
+        <p:txBody>
+          <a:bodyPr/>
+          <a:lstStyle/>
+          <a:p>
+            <a:r>
+              <a:rPr lang="da-DK" dirty="0"/>
+              <a:t>Bellman Equation (The </a:t>
+            </a:r>
+            <a:r>
+              <a:rPr lang="da-DK" dirty="0" err="1"/>
+              <a:t>household</a:t>
+            </a:r>
+            <a:r>
+              <a:rPr lang="da-DK" dirty="0"/>
+              <a:t> </a:t>
+            </a:r>
+            <a:r>
+              <a:rPr lang="da-DK" dirty="0" err="1"/>
+              <a:t>optimization</a:t>
+            </a:r>
+            <a:r>
+              <a:rPr lang="da-DK" dirty="0"/>
+              <a:t> problem)</a:t>
+            </a:r>
+          </a:p>
+        </p:txBody>
+      </p:sp>
       <p:pic>
         <p:nvPicPr>
           <p:cNvPr id="36" name="Billede 35">
@@ -28999,15 +32536,15 @@
           <p:nvPr/>
         </p:nvPicPr>
         <p:blipFill>
-          <a:blip r:embed="rId4"/>
+          <a:blip r:embed="rId2"/>
           <a:stretch>
             <a:fillRect/>
           </a:stretch>
         </p:blipFill>
         <p:spPr>
           <a:xfrm>
-            <a:off x="6679932" y="4074439"/>
-            <a:ext cx="5288782" cy="699039"/>
+            <a:off x="893103" y="1263112"/>
+            <a:ext cx="5288782" cy="607778"/>
           </a:xfrm>
           <a:prstGeom prst="rect">
             <a:avLst/>
@@ -29029,14 +32566,14 @@
           <p:nvPr/>
         </p:nvPicPr>
         <p:blipFill>
-          <a:blip r:embed="rId5"/>
+          <a:blip r:embed="rId3"/>
           <a:stretch>
             <a:fillRect/>
           </a:stretch>
         </p:blipFill>
         <p:spPr>
           <a:xfrm>
-            <a:off x="6873498" y="5192506"/>
+            <a:off x="6765010" y="4105429"/>
             <a:ext cx="5095216" cy="784573"/>
           </a:xfrm>
           <a:prstGeom prst="rect">
@@ -29046,10 +32583,70 @@
       </p:pic>
       <p:pic>
         <p:nvPicPr>
-          <p:cNvPr id="40" name="Billede 39">
+          <p:cNvPr id="4" name="Picture 3">
             <a:extLst>
               <a:ext uri="{FF2B5EF4-FFF2-40B4-BE49-F238E27FC236}">
-                <a16:creationId xmlns:a16="http://schemas.microsoft.com/office/drawing/2014/main" id="{22C6C134-36E8-8895-A058-741FA77A054E}"/>
+                <a16:creationId xmlns:a16="http://schemas.microsoft.com/office/drawing/2014/main" id="{B1559EF8-A8C4-0608-9BCE-E37422F10562}"/>
+              </a:ext>
+            </a:extLst>
+          </p:cNvPr>
+          <p:cNvPicPr>
+            <a:picLocks noChangeAspect="1"/>
+          </p:cNvPicPr>
+          <p:nvPr/>
+        </p:nvPicPr>
+        <p:blipFill>
+          <a:blip r:embed="rId4"/>
+          <a:stretch>
+            <a:fillRect/>
+          </a:stretch>
+        </p:blipFill>
+        <p:spPr>
+          <a:xfrm>
+            <a:off x="737144" y="5484524"/>
+            <a:ext cx="5543550" cy="714375"/>
+          </a:xfrm>
+          <a:prstGeom prst="rect">
+            <a:avLst/>
+          </a:prstGeom>
+        </p:spPr>
+      </p:pic>
+      <p:pic>
+        <p:nvPicPr>
+          <p:cNvPr id="6" name="Picture 5">
+            <a:extLst>
+              <a:ext uri="{FF2B5EF4-FFF2-40B4-BE49-F238E27FC236}">
+                <a16:creationId xmlns:a16="http://schemas.microsoft.com/office/drawing/2014/main" id="{CD08DC32-0E7D-7C17-1B8D-26EFDA1D0926}"/>
+              </a:ext>
+            </a:extLst>
+          </p:cNvPr>
+          <p:cNvPicPr>
+            <a:picLocks noChangeAspect="1"/>
+          </p:cNvPicPr>
+          <p:nvPr/>
+        </p:nvPicPr>
+        <p:blipFill>
+          <a:blip r:embed="rId5"/>
+          <a:stretch>
+            <a:fillRect/>
+          </a:stretch>
+        </p:blipFill>
+        <p:spPr>
+          <a:xfrm>
+            <a:off x="794294" y="1858135"/>
+            <a:ext cx="5486400" cy="1676400"/>
+          </a:xfrm>
+          <a:prstGeom prst="rect">
+            <a:avLst/>
+          </a:prstGeom>
+        </p:spPr>
+      </p:pic>
+      <p:pic>
+        <p:nvPicPr>
+          <p:cNvPr id="9" name="Picture 8">
+            <a:extLst>
+              <a:ext uri="{FF2B5EF4-FFF2-40B4-BE49-F238E27FC236}">
+                <a16:creationId xmlns:a16="http://schemas.microsoft.com/office/drawing/2014/main" id="{E7179149-6532-03FF-DD3D-083921E07A44}"/>
               </a:ext>
             </a:extLst>
           </p:cNvPr>
@@ -29066,8 +32663,8 @@
         </p:blipFill>
         <p:spPr>
           <a:xfrm>
-            <a:off x="654319" y="1917834"/>
-            <a:ext cx="5505450" cy="1704975"/>
+            <a:off x="681589" y="3589518"/>
+            <a:ext cx="5686425" cy="1790700"/>
           </a:xfrm>
           <a:prstGeom prst="rect">
             <a:avLst/>
@@ -29076,10 +32673,10 @@
       </p:pic>
       <p:pic>
         <p:nvPicPr>
-          <p:cNvPr id="42" name="Billede 41">
+          <p:cNvPr id="11" name="Picture 10">
             <a:extLst>
               <a:ext uri="{FF2B5EF4-FFF2-40B4-BE49-F238E27FC236}">
-                <a16:creationId xmlns:a16="http://schemas.microsoft.com/office/drawing/2014/main" id="{38708287-6CE8-01ED-9BBB-FC5349B4D6A3}"/>
+                <a16:creationId xmlns:a16="http://schemas.microsoft.com/office/drawing/2014/main" id="{A06EBD75-AAC4-21AA-4974-87CCE62FD27E}"/>
               </a:ext>
             </a:extLst>
           </p:cNvPr>
@@ -29096,8 +32693,38 @@
         </p:blipFill>
         <p:spPr>
           <a:xfrm>
-            <a:off x="759820" y="3694076"/>
-            <a:ext cx="5495925" cy="1971675"/>
+            <a:off x="6368014" y="1624579"/>
+            <a:ext cx="5600700" cy="2152650"/>
+          </a:xfrm>
+          <a:prstGeom prst="rect">
+            <a:avLst/>
+          </a:prstGeom>
+        </p:spPr>
+      </p:pic>
+      <p:pic>
+        <p:nvPicPr>
+          <p:cNvPr id="13" name="Picture 12">
+            <a:extLst>
+              <a:ext uri="{FF2B5EF4-FFF2-40B4-BE49-F238E27FC236}">
+                <a16:creationId xmlns:a16="http://schemas.microsoft.com/office/drawing/2014/main" id="{8D950685-9A70-1B65-1D22-27D34D094692}"/>
+              </a:ext>
+            </a:extLst>
+          </p:cNvPr>
+          <p:cNvPicPr>
+            <a:picLocks noChangeAspect="1"/>
+          </p:cNvPicPr>
+          <p:nvPr/>
+        </p:nvPicPr>
+        <p:blipFill>
+          <a:blip r:embed="rId8"/>
+          <a:stretch>
+            <a:fillRect/>
+          </a:stretch>
+        </p:blipFill>
+        <p:spPr>
+          <a:xfrm>
+            <a:off x="6765010" y="5163599"/>
+            <a:ext cx="5095216" cy="844661"/>
           </a:xfrm>
           <a:prstGeom prst="rect">
             <a:avLst/>
@@ -30075,41 +33702,41 @@
 </file>
 
 <file path=customXml/item1.xml><?xml version="1.0" encoding="utf-8"?>
+<TemplafySlideFormConfiguration><![CDATA[{"formFields":[],"formDataEntries":[]}]]></TemplafySlideFormConfiguration>
+</file>
+
+<file path=customXml/item2.xml><?xml version="1.0" encoding="utf-8"?>
 <TemplafyTemplateConfiguration><![CDATA[{"elementsMetadata":[{"type":"shape","id":"0e2e5a9b-d7e8-4464-9c53-ee15333de781","elementConfiguration":{"binding":"{{FormatDateTime(Form.Date,Translate(\"DateGeneral\"),DocumentLanguage)}}","visibility":"","type":"text","disableUpdates":false}},{"type":"shape","id":"0db91bea-2f63-48b2-9d5f-265510750755","elementConfiguration":{"binding":"{{FormatDateTime(Form.Date,Translate(\"DateGeneral\"),DocumentLanguage)}}","visibility":"","type":"text","disableUpdates":false}},{"type":"shape","id":"38274079-d70e-45f8-accc-2fa639e2ba3f","elementConfiguration":{"binding":"{{FormatDateTime(Form.Date,Translate(\"DateGeneral\"),DocumentLanguage)}}","visibility":"","type":"text","disableUpdates":false}},{"type":"shape","id":"956dff95-a77e-4444-9a30-395a79deed2c","elementConfiguration":{"binding":"{{FormatDateTime(Form.Date,Translate(\"DateGeneral\"),DocumentLanguage)}}","visibility":"","type":"text","disableUpdates":false}},{"type":"shape","id":"ee9b3fc6-4a26-4545-b1eb-16ff1df59c4c","elementConfiguration":{"binding":"{{FormatDateTime(Form.Date,Translate(\"DateGeneral\"),DocumentLanguage)}}","visibility":"","type":"text","disableUpdates":false}},{"type":"shape","id":"d96b8afa-50bc-4342-8bb2-986c92fc07cf","elementConfiguration":{"binding":"{{FormatDateTime(Form.Date,Translate(\"DateGeneral\"),DocumentLanguage)}}","visibility":"","type":"text","disableUpdates":false}},{"type":"shape","id":"4633830a-fb84-44a5-a0df-73526a9e940b","elementConfiguration":{"binding":"{{FormatDateTime(Form.Date,Translate(\"DateGeneral\"),DocumentLanguage)}}","visibility":"","type":"text","disableUpdates":false}},{"type":"shape","id":"58858913-8293-4a35-9f2e-d140dd51e076","elementConfiguration":{"binding":"{{FormatDateTime(Form.Date,Translate(\"DateGeneral\"),DocumentLanguage)}}","visibility":"","type":"text","disableUpdates":false}},{"type":"shape","id":"b17a1e4b-d40c-4770-afd5-713e4a4630ce","elementConfiguration":{"binding":"{{FormatDateTime(Form.Date,Translate(\"DateGeneral\"),DocumentLanguage)}}","visibility":"","type":"text","disableUpdates":false}}],"transformationConfigurations":[{"language":"{{DocumentLanguage}}","disableUpdates":false,"type":"proofingLanguage"}],"templateName":"Blank_præsentation","templateDescription":"","enableDocumentContentUpdater":true,"version":"2.0"}]]></TemplafyTemplateConfiguration>
 </file>
 
-<file path=customXml/item2.xml><?xml version="1.0" encoding="utf-8"?>
-<TemplafySlideFormConfiguration><![CDATA[{"formFields":[],"formDataEntries":[]}]]></TemplafySlideFormConfiguration>
+<file path=customXml/item3.xml><?xml version="1.0" encoding="utf-8"?>
+<TemplafySlideTemplateConfiguration><![CDATA[{"slideVersion":1,"isValidatorEnabled":false,"isLocked":false,"elementsMetadata":[],"slideId":"638276943455641444","enableDocumentContentUpdater":false,"version":"2.0"}]]></TemplafySlideTemplateConfiguration>
 </file>
 
-<file path=customXml/item3.xml><?xml version="1.0" encoding="utf-8"?>
+<file path=customXml/item4.xml><?xml version="1.0" encoding="utf-8"?>
 <TemplafyFormConfiguration><![CDATA[{"formFields":[{"required":false,"helpTexts":{},"spacing":{},"shareValue":false,"type":"datePicker","name":"Date","label":"Date"}],"formDataEntries":[{"name":"Date","value":"8wUdYmbHjM4l3jAPgqS3nQ=="}]}]]></TemplafyFormConfiguration>
 </file>
 
-<file path=customXml/item4.xml><?xml version="1.0" encoding="utf-8"?>
-<TemplafySlideTemplateConfiguration><![CDATA[{"slideVersion":1,"isValidatorEnabled":false,"isLocked":false,"elementsMetadata":[],"slideId":"638276943455641444","enableDocumentContentUpdater":false,"version":"2.0"}]]></TemplafySlideTemplateConfiguration>
+<file path=customXml/itemProps1.xml><?xml version="1.0" encoding="utf-8"?>
+<ds:datastoreItem xmlns:ds="http://schemas.openxmlformats.org/officeDocument/2006/customXml" ds:itemID="{ADC837BD-D3DA-4E17-83F8-2A0F8CC85839}">
+  <ds:schemaRefs/>
+</ds:datastoreItem>
 </file>
 
-<file path=customXml/itemProps1.xml><?xml version="1.0" encoding="utf-8"?>
+<file path=customXml/itemProps2.xml><?xml version="1.0" encoding="utf-8"?>
 <ds:datastoreItem xmlns:ds="http://schemas.openxmlformats.org/officeDocument/2006/customXml" ds:itemID="{CE8CC1C0-FE44-49CF-B6C7-190E223374E7}">
   <ds:schemaRefs/>
 </ds:datastoreItem>
 </file>
 
-<file path=customXml/itemProps2.xml><?xml version="1.0" encoding="utf-8"?>
-<ds:datastoreItem xmlns:ds="http://schemas.openxmlformats.org/officeDocument/2006/customXml" ds:itemID="{ADC837BD-D3DA-4E17-83F8-2A0F8CC85839}">
-  <ds:schemaRefs/>
-</ds:datastoreItem>
-</file>
-
 <file path=customXml/itemProps3.xml><?xml version="1.0" encoding="utf-8"?>
-<ds:datastoreItem xmlns:ds="http://schemas.openxmlformats.org/officeDocument/2006/customXml" ds:itemID="{B4589A9E-E29E-440F-BA26-B0C9BFB8BB70}">
+<ds:datastoreItem xmlns:ds="http://schemas.openxmlformats.org/officeDocument/2006/customXml" ds:itemID="{08396AA3-520D-4277-9CCB-1B00D2AB4A0C}">
   <ds:schemaRefs/>
 </ds:datastoreItem>
 </file>
 
 <file path=customXml/itemProps4.xml><?xml version="1.0" encoding="utf-8"?>
-<ds:datastoreItem xmlns:ds="http://schemas.openxmlformats.org/officeDocument/2006/customXml" ds:itemID="{08396AA3-520D-4277-9CCB-1B00D2AB4A0C}">
+<ds:datastoreItem xmlns:ds="http://schemas.openxmlformats.org/officeDocument/2006/customXml" ds:itemID="{B4589A9E-E29E-440F-BA26-B0C9BFB8BB70}">
   <ds:schemaRefs/>
 </ds:datastoreItem>
 </file>